--- a/.lessons (az)/37 Test plan, test strategy/2 - 1 Testing Documentation.pptx
+++ b/.lessons (az)/37 Test plan, test strategy/2 - 1 Testing Documentation.pptx
@@ -5,7 +5,7 @@
     <p:sldMasterId id="2147483648" r:id="rId1"/>
   </p:sldMasterIdLst>
   <p:notesMasterIdLst>
-    <p:notesMasterId r:id="rId37"/>
+    <p:notesMasterId r:id="rId44"/>
   </p:notesMasterIdLst>
   <p:sldIdLst>
     <p:sldId id="413" r:id="rId2"/>
@@ -20,29 +20,36 @@
     <p:sldId id="464" r:id="rId11"/>
     <p:sldId id="465" r:id="rId12"/>
     <p:sldId id="466" r:id="rId13"/>
-    <p:sldId id="467" r:id="rId14"/>
-    <p:sldId id="468" r:id="rId15"/>
-    <p:sldId id="414" r:id="rId16"/>
-    <p:sldId id="415" r:id="rId17"/>
-    <p:sldId id="416" r:id="rId18"/>
-    <p:sldId id="417" r:id="rId19"/>
-    <p:sldId id="418" r:id="rId20"/>
-    <p:sldId id="419" r:id="rId21"/>
-    <p:sldId id="420" r:id="rId22"/>
-    <p:sldId id="421" r:id="rId23"/>
-    <p:sldId id="422" r:id="rId24"/>
-    <p:sldId id="423" r:id="rId25"/>
-    <p:sldId id="424" r:id="rId26"/>
-    <p:sldId id="426" r:id="rId27"/>
-    <p:sldId id="427" r:id="rId28"/>
-    <p:sldId id="428" r:id="rId29"/>
-    <p:sldId id="429" r:id="rId30"/>
-    <p:sldId id="430" r:id="rId31"/>
-    <p:sldId id="431" r:id="rId32"/>
-    <p:sldId id="432" r:id="rId33"/>
-    <p:sldId id="433" r:id="rId34"/>
-    <p:sldId id="434" r:id="rId35"/>
+    <p:sldId id="468" r:id="rId14"/>
+    <p:sldId id="414" r:id="rId15"/>
+    <p:sldId id="415" r:id="rId16"/>
+    <p:sldId id="416" r:id="rId17"/>
+    <p:sldId id="417" r:id="rId18"/>
+    <p:sldId id="418" r:id="rId19"/>
+    <p:sldId id="419" r:id="rId20"/>
+    <p:sldId id="420" r:id="rId21"/>
+    <p:sldId id="421" r:id="rId22"/>
+    <p:sldId id="422" r:id="rId23"/>
+    <p:sldId id="423" r:id="rId24"/>
+    <p:sldId id="424" r:id="rId25"/>
+    <p:sldId id="426" r:id="rId26"/>
+    <p:sldId id="427" r:id="rId27"/>
+    <p:sldId id="428" r:id="rId28"/>
+    <p:sldId id="429" r:id="rId29"/>
+    <p:sldId id="430" r:id="rId30"/>
+    <p:sldId id="431" r:id="rId31"/>
+    <p:sldId id="432" r:id="rId32"/>
+    <p:sldId id="433" r:id="rId33"/>
+    <p:sldId id="434" r:id="rId34"/>
+    <p:sldId id="467" r:id="rId35"/>
     <p:sldId id="452" r:id="rId36"/>
+    <p:sldId id="471" r:id="rId37"/>
+    <p:sldId id="472" r:id="rId38"/>
+    <p:sldId id="473" r:id="rId39"/>
+    <p:sldId id="474" r:id="rId40"/>
+    <p:sldId id="475" r:id="rId41"/>
+    <p:sldId id="476" r:id="rId42"/>
+    <p:sldId id="477" r:id="rId43"/>
   </p:sldIdLst>
   <p:sldSz cx="12192000" cy="6858000"/>
   <p:notesSz cx="6858000" cy="9144000"/>
@@ -231,7 +238,7 @@
           <a:p>
             <a:fld id="{1B030278-45DC-4534-B67E-11EB3832C02B}" type="datetimeFigureOut">
               <a:rPr lang="en-US" smtClean="0"/>
-              <a:t>3/22/2025</a:t>
+              <a:t>3/25/2025</a:t>
             </a:fld>
             <a:endParaRPr lang="en-US"/>
           </a:p>
@@ -938,114 +945,6 @@
         <p:cNvPr id="1" name="">
           <a:extLst>
             <a:ext uri="{FF2B5EF4-FFF2-40B4-BE49-F238E27FC236}">
-              <a16:creationId xmlns:a16="http://schemas.microsoft.com/office/drawing/2014/main" id="{D58C90EF-8E77-9EAE-EA67-694F82B15C6F}"/>
-            </a:ext>
-          </a:extLst>
-        </p:cNvPr>
-        <p:cNvGrpSpPr/>
-        <p:nvPr/>
-      </p:nvGrpSpPr>
-      <p:grpSpPr>
-        <a:xfrm>
-          <a:off x="0" y="0"/>
-          <a:ext cx="0" cy="0"/>
-          <a:chOff x="0" y="0"/>
-          <a:chExt cx="0" cy="0"/>
-        </a:xfrm>
-      </p:grpSpPr>
-      <p:sp>
-        <p:nvSpPr>
-          <p:cNvPr id="2" name="Slide Image Placeholder 1">
-            <a:extLst>
-              <a:ext uri="{FF2B5EF4-FFF2-40B4-BE49-F238E27FC236}">
-                <a16:creationId xmlns:a16="http://schemas.microsoft.com/office/drawing/2014/main" id="{640BB910-6E5C-10C7-18AA-DA0D202EB3DA}"/>
-              </a:ext>
-            </a:extLst>
-          </p:cNvPr>
-          <p:cNvSpPr>
-            <a:spLocks noGrp="1" noRot="1" noChangeAspect="1"/>
-          </p:cNvSpPr>
-          <p:nvPr>
-            <p:ph type="sldImg"/>
-          </p:nvPr>
-        </p:nvSpPr>
-        <p:spPr/>
-      </p:sp>
-      <p:sp>
-        <p:nvSpPr>
-          <p:cNvPr id="3" name="Notes Placeholder 2">
-            <a:extLst>
-              <a:ext uri="{FF2B5EF4-FFF2-40B4-BE49-F238E27FC236}">
-                <a16:creationId xmlns:a16="http://schemas.microsoft.com/office/drawing/2014/main" id="{956EAED6-5ACB-5D8C-2779-1730AB532524}"/>
-              </a:ext>
-            </a:extLst>
-          </p:cNvPr>
-          <p:cNvSpPr>
-            <a:spLocks noGrp="1"/>
-          </p:cNvSpPr>
-          <p:nvPr>
-            <p:ph type="body" idx="1"/>
-          </p:nvPr>
-        </p:nvSpPr>
-        <p:spPr/>
-        <p:txBody>
-          <a:bodyPr/>
-          <a:lstStyle/>
-          <a:p>
-            <a:endParaRPr lang="en-US"/>
-          </a:p>
-        </p:txBody>
-      </p:sp>
-      <p:sp>
-        <p:nvSpPr>
-          <p:cNvPr id="4" name="Slide Number Placeholder 3">
-            <a:extLst>
-              <a:ext uri="{FF2B5EF4-FFF2-40B4-BE49-F238E27FC236}">
-                <a16:creationId xmlns:a16="http://schemas.microsoft.com/office/drawing/2014/main" id="{4CCBB3BC-0E81-4925-0BDE-C466FE2A12AE}"/>
-              </a:ext>
-            </a:extLst>
-          </p:cNvPr>
-          <p:cNvSpPr>
-            <a:spLocks noGrp="1"/>
-          </p:cNvSpPr>
-          <p:nvPr>
-            <p:ph type="sldNum" sz="quarter" idx="5"/>
-          </p:nvPr>
-        </p:nvSpPr>
-        <p:spPr/>
-        <p:txBody>
-          <a:bodyPr/>
-          <a:lstStyle/>
-          <a:p>
-            <a:fld id="{659E7695-2856-4E04-B435-7203877CB9AD}" type="slidenum">
-              <a:rPr lang="en-US" smtClean="0"/>
-              <a:t>13</a:t>
-            </a:fld>
-            <a:endParaRPr lang="en-US"/>
-          </a:p>
-        </p:txBody>
-      </p:sp>
-    </p:spTree>
-    <p:extLst>
-      <p:ext uri="{BB962C8B-B14F-4D97-AF65-F5344CB8AC3E}">
-        <p14:creationId xmlns:p14="http://schemas.microsoft.com/office/powerpoint/2010/main" val="1733396169"/>
-      </p:ext>
-    </p:extLst>
-  </p:cSld>
-  <p:clrMapOvr>
-    <a:masterClrMapping/>
-  </p:clrMapOvr>
-</p:notes>
-</file>
-
-<file path=ppt/notesSlides/notesSlide14.xml><?xml version="1.0" encoding="utf-8"?>
-<p:notes xmlns:a="http://schemas.openxmlformats.org/drawingml/2006/main" xmlns:r="http://schemas.openxmlformats.org/officeDocument/2006/relationships" xmlns:p="http://schemas.openxmlformats.org/presentationml/2006/main">
-  <p:cSld>
-    <p:spTree>
-      <p:nvGrpSpPr>
-        <p:cNvPr id="1" name="">
-          <a:extLst>
-            <a:ext uri="{FF2B5EF4-FFF2-40B4-BE49-F238E27FC236}">
               <a16:creationId xmlns:a16="http://schemas.microsoft.com/office/drawing/2014/main" id="{C7FEB3AA-BDA6-947A-D087-8C8A4A4D2394}"/>
             </a:ext>
           </a:extLst>
@@ -1127,7 +1026,7 @@
           <a:p>
             <a:fld id="{659E7695-2856-4E04-B435-7203877CB9AD}" type="slidenum">
               <a:rPr lang="en-US" smtClean="0"/>
-              <a:t>14</a:t>
+              <a:t>13</a:t>
             </a:fld>
             <a:endParaRPr lang="en-US"/>
           </a:p>
@@ -1146,7 +1045,7 @@
 </p:notes>
 </file>
 
-<file path=ppt/notesSlides/notesSlide15.xml><?xml version="1.0" encoding="utf-8"?>
+<file path=ppt/notesSlides/notesSlide14.xml><?xml version="1.0" encoding="utf-8"?>
 <p:notes xmlns:a="http://schemas.openxmlformats.org/drawingml/2006/main" xmlns:r="http://schemas.openxmlformats.org/officeDocument/2006/relationships" xmlns:p="http://schemas.openxmlformats.org/presentationml/2006/main">
   <p:cSld>
     <p:spTree>
@@ -1235,7 +1134,7 @@
           <a:p>
             <a:fld id="{659E7695-2856-4E04-B435-7203877CB9AD}" type="slidenum">
               <a:rPr lang="en-US" smtClean="0"/>
-              <a:t>15</a:t>
+              <a:t>14</a:t>
             </a:fld>
             <a:endParaRPr lang="en-US"/>
           </a:p>
@@ -1254,7 +1153,7 @@
 </p:notes>
 </file>
 
-<file path=ppt/notesSlides/notesSlide16.xml><?xml version="1.0" encoding="utf-8"?>
+<file path=ppt/notesSlides/notesSlide15.xml><?xml version="1.0" encoding="utf-8"?>
 <p:notes xmlns:a="http://schemas.openxmlformats.org/drawingml/2006/main" xmlns:r="http://schemas.openxmlformats.org/officeDocument/2006/relationships" xmlns:p="http://schemas.openxmlformats.org/presentationml/2006/main">
   <p:cSld>
     <p:spTree>
@@ -1343,7 +1242,7 @@
           <a:p>
             <a:fld id="{659E7695-2856-4E04-B435-7203877CB9AD}" type="slidenum">
               <a:rPr lang="en-US" smtClean="0"/>
-              <a:t>16</a:t>
+              <a:t>15</a:t>
             </a:fld>
             <a:endParaRPr lang="en-US"/>
           </a:p>
@@ -1362,7 +1261,7 @@
 </p:notes>
 </file>
 
-<file path=ppt/notesSlides/notesSlide17.xml><?xml version="1.0" encoding="utf-8"?>
+<file path=ppt/notesSlides/notesSlide16.xml><?xml version="1.0" encoding="utf-8"?>
 <p:notes xmlns:a="http://schemas.openxmlformats.org/drawingml/2006/main" xmlns:r="http://schemas.openxmlformats.org/officeDocument/2006/relationships" xmlns:p="http://schemas.openxmlformats.org/presentationml/2006/main">
   <p:cSld>
     <p:spTree>
@@ -1451,7 +1350,7 @@
           <a:p>
             <a:fld id="{659E7695-2856-4E04-B435-7203877CB9AD}" type="slidenum">
               <a:rPr lang="en-US" smtClean="0"/>
-              <a:t>17</a:t>
+              <a:t>16</a:t>
             </a:fld>
             <a:endParaRPr lang="en-US"/>
           </a:p>
@@ -1470,7 +1369,7 @@
 </p:notes>
 </file>
 
-<file path=ppt/notesSlides/notesSlide18.xml><?xml version="1.0" encoding="utf-8"?>
+<file path=ppt/notesSlides/notesSlide17.xml><?xml version="1.0" encoding="utf-8"?>
 <p:notes xmlns:a="http://schemas.openxmlformats.org/drawingml/2006/main" xmlns:r="http://schemas.openxmlformats.org/officeDocument/2006/relationships" xmlns:p="http://schemas.openxmlformats.org/presentationml/2006/main">
   <p:cSld>
     <p:spTree>
@@ -1559,7 +1458,7 @@
           <a:p>
             <a:fld id="{659E7695-2856-4E04-B435-7203877CB9AD}" type="slidenum">
               <a:rPr lang="en-US" smtClean="0"/>
-              <a:t>18</a:t>
+              <a:t>17</a:t>
             </a:fld>
             <a:endParaRPr lang="en-US"/>
           </a:p>
@@ -1578,7 +1477,7 @@
 </p:notes>
 </file>
 
-<file path=ppt/notesSlides/notesSlide19.xml><?xml version="1.0" encoding="utf-8"?>
+<file path=ppt/notesSlides/notesSlide18.xml><?xml version="1.0" encoding="utf-8"?>
 <p:notes xmlns:a="http://schemas.openxmlformats.org/drawingml/2006/main" xmlns:r="http://schemas.openxmlformats.org/officeDocument/2006/relationships" xmlns:p="http://schemas.openxmlformats.org/presentationml/2006/main">
   <p:cSld>
     <p:spTree>
@@ -1667,7 +1566,7 @@
           <a:p>
             <a:fld id="{659E7695-2856-4E04-B435-7203877CB9AD}" type="slidenum">
               <a:rPr lang="en-US" smtClean="0"/>
-              <a:t>19</a:t>
+              <a:t>18</a:t>
             </a:fld>
             <a:endParaRPr lang="en-US"/>
           </a:p>
@@ -1677,6 +1576,114 @@
     <p:extLst>
       <p:ext uri="{BB962C8B-B14F-4D97-AF65-F5344CB8AC3E}">
         <p14:creationId xmlns:p14="http://schemas.microsoft.com/office/powerpoint/2010/main" val="1067502554"/>
+      </p:ext>
+    </p:extLst>
+  </p:cSld>
+  <p:clrMapOvr>
+    <a:masterClrMapping/>
+  </p:clrMapOvr>
+</p:notes>
+</file>
+
+<file path=ppt/notesSlides/notesSlide19.xml><?xml version="1.0" encoding="utf-8"?>
+<p:notes xmlns:a="http://schemas.openxmlformats.org/drawingml/2006/main" xmlns:r="http://schemas.openxmlformats.org/officeDocument/2006/relationships" xmlns:p="http://schemas.openxmlformats.org/presentationml/2006/main">
+  <p:cSld>
+    <p:spTree>
+      <p:nvGrpSpPr>
+        <p:cNvPr id="1" name="">
+          <a:extLst>
+            <a:ext uri="{FF2B5EF4-FFF2-40B4-BE49-F238E27FC236}">
+              <a16:creationId xmlns:a16="http://schemas.microsoft.com/office/drawing/2014/main" id="{A8A4A40F-624A-1821-770C-5463C504DC86}"/>
+            </a:ext>
+          </a:extLst>
+        </p:cNvPr>
+        <p:cNvGrpSpPr/>
+        <p:nvPr/>
+      </p:nvGrpSpPr>
+      <p:grpSpPr>
+        <a:xfrm>
+          <a:off x="0" y="0"/>
+          <a:ext cx="0" cy="0"/>
+          <a:chOff x="0" y="0"/>
+          <a:chExt cx="0" cy="0"/>
+        </a:xfrm>
+      </p:grpSpPr>
+      <p:sp>
+        <p:nvSpPr>
+          <p:cNvPr id="2" name="Slide Image Placeholder 1">
+            <a:extLst>
+              <a:ext uri="{FF2B5EF4-FFF2-40B4-BE49-F238E27FC236}">
+                <a16:creationId xmlns:a16="http://schemas.microsoft.com/office/drawing/2014/main" id="{4A2FA352-F4B7-B55C-6F67-24C649F617C1}"/>
+              </a:ext>
+            </a:extLst>
+          </p:cNvPr>
+          <p:cNvSpPr>
+            <a:spLocks noGrp="1" noRot="1" noChangeAspect="1"/>
+          </p:cNvSpPr>
+          <p:nvPr>
+            <p:ph type="sldImg"/>
+          </p:nvPr>
+        </p:nvSpPr>
+        <p:spPr/>
+      </p:sp>
+      <p:sp>
+        <p:nvSpPr>
+          <p:cNvPr id="3" name="Notes Placeholder 2">
+            <a:extLst>
+              <a:ext uri="{FF2B5EF4-FFF2-40B4-BE49-F238E27FC236}">
+                <a16:creationId xmlns:a16="http://schemas.microsoft.com/office/drawing/2014/main" id="{43F31410-968A-390F-A397-34ABE02E004F}"/>
+              </a:ext>
+            </a:extLst>
+          </p:cNvPr>
+          <p:cNvSpPr>
+            <a:spLocks noGrp="1"/>
+          </p:cNvSpPr>
+          <p:nvPr>
+            <p:ph type="body" idx="1"/>
+          </p:nvPr>
+        </p:nvSpPr>
+        <p:spPr/>
+        <p:txBody>
+          <a:bodyPr/>
+          <a:lstStyle/>
+          <a:p>
+            <a:endParaRPr lang="en-US"/>
+          </a:p>
+        </p:txBody>
+      </p:sp>
+      <p:sp>
+        <p:nvSpPr>
+          <p:cNvPr id="4" name="Slide Number Placeholder 3">
+            <a:extLst>
+              <a:ext uri="{FF2B5EF4-FFF2-40B4-BE49-F238E27FC236}">
+                <a16:creationId xmlns:a16="http://schemas.microsoft.com/office/drawing/2014/main" id="{4425A2E3-0333-E47B-10F6-4D09DAE53A11}"/>
+              </a:ext>
+            </a:extLst>
+          </p:cNvPr>
+          <p:cNvSpPr>
+            <a:spLocks noGrp="1"/>
+          </p:cNvSpPr>
+          <p:nvPr>
+            <p:ph type="sldNum" sz="quarter" idx="5"/>
+          </p:nvPr>
+        </p:nvSpPr>
+        <p:spPr/>
+        <p:txBody>
+          <a:bodyPr/>
+          <a:lstStyle/>
+          <a:p>
+            <a:fld id="{659E7695-2856-4E04-B435-7203877CB9AD}" type="slidenum">
+              <a:rPr lang="en-US" smtClean="0"/>
+              <a:t>19</a:t>
+            </a:fld>
+            <a:endParaRPr lang="en-US"/>
+          </a:p>
+        </p:txBody>
+      </p:sp>
+    </p:spTree>
+    <p:extLst>
+      <p:ext uri="{BB962C8B-B14F-4D97-AF65-F5344CB8AC3E}">
+        <p14:creationId xmlns:p14="http://schemas.microsoft.com/office/powerpoint/2010/main" val="558273073"/>
       </p:ext>
     </p:extLst>
   </p:cSld>
@@ -1802,114 +1809,6 @@
         <p:cNvPr id="1" name="">
           <a:extLst>
             <a:ext uri="{FF2B5EF4-FFF2-40B4-BE49-F238E27FC236}">
-              <a16:creationId xmlns:a16="http://schemas.microsoft.com/office/drawing/2014/main" id="{A8A4A40F-624A-1821-770C-5463C504DC86}"/>
-            </a:ext>
-          </a:extLst>
-        </p:cNvPr>
-        <p:cNvGrpSpPr/>
-        <p:nvPr/>
-      </p:nvGrpSpPr>
-      <p:grpSpPr>
-        <a:xfrm>
-          <a:off x="0" y="0"/>
-          <a:ext cx="0" cy="0"/>
-          <a:chOff x="0" y="0"/>
-          <a:chExt cx="0" cy="0"/>
-        </a:xfrm>
-      </p:grpSpPr>
-      <p:sp>
-        <p:nvSpPr>
-          <p:cNvPr id="2" name="Slide Image Placeholder 1">
-            <a:extLst>
-              <a:ext uri="{FF2B5EF4-FFF2-40B4-BE49-F238E27FC236}">
-                <a16:creationId xmlns:a16="http://schemas.microsoft.com/office/drawing/2014/main" id="{4A2FA352-F4B7-B55C-6F67-24C649F617C1}"/>
-              </a:ext>
-            </a:extLst>
-          </p:cNvPr>
-          <p:cNvSpPr>
-            <a:spLocks noGrp="1" noRot="1" noChangeAspect="1"/>
-          </p:cNvSpPr>
-          <p:nvPr>
-            <p:ph type="sldImg"/>
-          </p:nvPr>
-        </p:nvSpPr>
-        <p:spPr/>
-      </p:sp>
-      <p:sp>
-        <p:nvSpPr>
-          <p:cNvPr id="3" name="Notes Placeholder 2">
-            <a:extLst>
-              <a:ext uri="{FF2B5EF4-FFF2-40B4-BE49-F238E27FC236}">
-                <a16:creationId xmlns:a16="http://schemas.microsoft.com/office/drawing/2014/main" id="{43F31410-968A-390F-A397-34ABE02E004F}"/>
-              </a:ext>
-            </a:extLst>
-          </p:cNvPr>
-          <p:cNvSpPr>
-            <a:spLocks noGrp="1"/>
-          </p:cNvSpPr>
-          <p:nvPr>
-            <p:ph type="body" idx="1"/>
-          </p:nvPr>
-        </p:nvSpPr>
-        <p:spPr/>
-        <p:txBody>
-          <a:bodyPr/>
-          <a:lstStyle/>
-          <a:p>
-            <a:endParaRPr lang="en-US"/>
-          </a:p>
-        </p:txBody>
-      </p:sp>
-      <p:sp>
-        <p:nvSpPr>
-          <p:cNvPr id="4" name="Slide Number Placeholder 3">
-            <a:extLst>
-              <a:ext uri="{FF2B5EF4-FFF2-40B4-BE49-F238E27FC236}">
-                <a16:creationId xmlns:a16="http://schemas.microsoft.com/office/drawing/2014/main" id="{4425A2E3-0333-E47B-10F6-4D09DAE53A11}"/>
-              </a:ext>
-            </a:extLst>
-          </p:cNvPr>
-          <p:cNvSpPr>
-            <a:spLocks noGrp="1"/>
-          </p:cNvSpPr>
-          <p:nvPr>
-            <p:ph type="sldNum" sz="quarter" idx="5"/>
-          </p:nvPr>
-        </p:nvSpPr>
-        <p:spPr/>
-        <p:txBody>
-          <a:bodyPr/>
-          <a:lstStyle/>
-          <a:p>
-            <a:fld id="{659E7695-2856-4E04-B435-7203877CB9AD}" type="slidenum">
-              <a:rPr lang="en-US" smtClean="0"/>
-              <a:t>20</a:t>
-            </a:fld>
-            <a:endParaRPr lang="en-US"/>
-          </a:p>
-        </p:txBody>
-      </p:sp>
-    </p:spTree>
-    <p:extLst>
-      <p:ext uri="{BB962C8B-B14F-4D97-AF65-F5344CB8AC3E}">
-        <p14:creationId xmlns:p14="http://schemas.microsoft.com/office/powerpoint/2010/main" val="558273073"/>
-      </p:ext>
-    </p:extLst>
-  </p:cSld>
-  <p:clrMapOvr>
-    <a:masterClrMapping/>
-  </p:clrMapOvr>
-</p:notes>
-</file>
-
-<file path=ppt/notesSlides/notesSlide21.xml><?xml version="1.0" encoding="utf-8"?>
-<p:notes xmlns:a="http://schemas.openxmlformats.org/drawingml/2006/main" xmlns:r="http://schemas.openxmlformats.org/officeDocument/2006/relationships" xmlns:p="http://schemas.openxmlformats.org/presentationml/2006/main">
-  <p:cSld>
-    <p:spTree>
-      <p:nvGrpSpPr>
-        <p:cNvPr id="1" name="">
-          <a:extLst>
-            <a:ext uri="{FF2B5EF4-FFF2-40B4-BE49-F238E27FC236}">
               <a16:creationId xmlns:a16="http://schemas.microsoft.com/office/drawing/2014/main" id="{15AF0506-EFDC-0C4B-3E67-DE2FF28C3A73}"/>
             </a:ext>
           </a:extLst>
@@ -1991,7 +1890,7 @@
           <a:p>
             <a:fld id="{659E7695-2856-4E04-B435-7203877CB9AD}" type="slidenum">
               <a:rPr lang="en-US" smtClean="0"/>
-              <a:t>21</a:t>
+              <a:t>20</a:t>
             </a:fld>
             <a:endParaRPr lang="en-US"/>
           </a:p>
@@ -2010,7 +1909,7 @@
 </p:notes>
 </file>
 
-<file path=ppt/notesSlides/notesSlide22.xml><?xml version="1.0" encoding="utf-8"?>
+<file path=ppt/notesSlides/notesSlide21.xml><?xml version="1.0" encoding="utf-8"?>
 <p:notes xmlns:a="http://schemas.openxmlformats.org/drawingml/2006/main" xmlns:r="http://schemas.openxmlformats.org/officeDocument/2006/relationships" xmlns:p="http://schemas.openxmlformats.org/presentationml/2006/main">
   <p:cSld>
     <p:spTree>
@@ -2099,7 +1998,7 @@
           <a:p>
             <a:fld id="{659E7695-2856-4E04-B435-7203877CB9AD}" type="slidenum">
               <a:rPr lang="en-US" smtClean="0"/>
-              <a:t>22</a:t>
+              <a:t>21</a:t>
             </a:fld>
             <a:endParaRPr lang="en-US"/>
           </a:p>
@@ -2118,7 +2017,7 @@
 </p:notes>
 </file>
 
-<file path=ppt/notesSlides/notesSlide23.xml><?xml version="1.0" encoding="utf-8"?>
+<file path=ppt/notesSlides/notesSlide22.xml><?xml version="1.0" encoding="utf-8"?>
 <p:notes xmlns:a="http://schemas.openxmlformats.org/drawingml/2006/main" xmlns:r="http://schemas.openxmlformats.org/officeDocument/2006/relationships" xmlns:p="http://schemas.openxmlformats.org/presentationml/2006/main">
   <p:cSld>
     <p:spTree>
@@ -2207,7 +2106,7 @@
           <a:p>
             <a:fld id="{659E7695-2856-4E04-B435-7203877CB9AD}" type="slidenum">
               <a:rPr lang="en-US" smtClean="0"/>
-              <a:t>23</a:t>
+              <a:t>22</a:t>
             </a:fld>
             <a:endParaRPr lang="en-US"/>
           </a:p>
@@ -2226,7 +2125,7 @@
 </p:notes>
 </file>
 
-<file path=ppt/notesSlides/notesSlide24.xml><?xml version="1.0" encoding="utf-8"?>
+<file path=ppt/notesSlides/notesSlide23.xml><?xml version="1.0" encoding="utf-8"?>
 <p:notes xmlns:a="http://schemas.openxmlformats.org/drawingml/2006/main" xmlns:r="http://schemas.openxmlformats.org/officeDocument/2006/relationships" xmlns:p="http://schemas.openxmlformats.org/presentationml/2006/main">
   <p:cSld>
     <p:spTree>
@@ -2315,7 +2214,7 @@
           <a:p>
             <a:fld id="{659E7695-2856-4E04-B435-7203877CB9AD}" type="slidenum">
               <a:rPr lang="en-US" smtClean="0"/>
-              <a:t>24</a:t>
+              <a:t>23</a:t>
             </a:fld>
             <a:endParaRPr lang="en-US"/>
           </a:p>
@@ -2334,7 +2233,7 @@
 </p:notes>
 </file>
 
-<file path=ppt/notesSlides/notesSlide25.xml><?xml version="1.0" encoding="utf-8"?>
+<file path=ppt/notesSlides/notesSlide24.xml><?xml version="1.0" encoding="utf-8"?>
 <p:notes xmlns:a="http://schemas.openxmlformats.org/drawingml/2006/main" xmlns:r="http://schemas.openxmlformats.org/officeDocument/2006/relationships" xmlns:p="http://schemas.openxmlformats.org/presentationml/2006/main">
   <p:cSld>
     <p:spTree>
@@ -2423,7 +2322,7 @@
           <a:p>
             <a:fld id="{659E7695-2856-4E04-B435-7203877CB9AD}" type="slidenum">
               <a:rPr lang="en-US" smtClean="0"/>
-              <a:t>25</a:t>
+              <a:t>24</a:t>
             </a:fld>
             <a:endParaRPr lang="en-US"/>
           </a:p>
@@ -2442,7 +2341,7 @@
 </p:notes>
 </file>
 
-<file path=ppt/notesSlides/notesSlide26.xml><?xml version="1.0" encoding="utf-8"?>
+<file path=ppt/notesSlides/notesSlide25.xml><?xml version="1.0" encoding="utf-8"?>
 <p:notes xmlns:a="http://schemas.openxmlformats.org/drawingml/2006/main" xmlns:r="http://schemas.openxmlformats.org/officeDocument/2006/relationships" xmlns:p="http://schemas.openxmlformats.org/presentationml/2006/main">
   <p:cSld>
     <p:spTree>
@@ -2531,7 +2430,7 @@
           <a:p>
             <a:fld id="{659E7695-2856-4E04-B435-7203877CB9AD}" type="slidenum">
               <a:rPr lang="en-US" smtClean="0"/>
-              <a:t>26</a:t>
+              <a:t>25</a:t>
             </a:fld>
             <a:endParaRPr lang="en-US"/>
           </a:p>
@@ -2550,7 +2449,7 @@
 </p:notes>
 </file>
 
-<file path=ppt/notesSlides/notesSlide27.xml><?xml version="1.0" encoding="utf-8"?>
+<file path=ppt/notesSlides/notesSlide26.xml><?xml version="1.0" encoding="utf-8"?>
 <p:notes xmlns:a="http://schemas.openxmlformats.org/drawingml/2006/main" xmlns:r="http://schemas.openxmlformats.org/officeDocument/2006/relationships" xmlns:p="http://schemas.openxmlformats.org/presentationml/2006/main">
   <p:cSld>
     <p:spTree>
@@ -2639,7 +2538,7 @@
           <a:p>
             <a:fld id="{659E7695-2856-4E04-B435-7203877CB9AD}" type="slidenum">
               <a:rPr lang="en-US" smtClean="0"/>
-              <a:t>27</a:t>
+              <a:t>26</a:t>
             </a:fld>
             <a:endParaRPr lang="en-US"/>
           </a:p>
@@ -2658,7 +2557,7 @@
 </p:notes>
 </file>
 
-<file path=ppt/notesSlides/notesSlide28.xml><?xml version="1.0" encoding="utf-8"?>
+<file path=ppt/notesSlides/notesSlide27.xml><?xml version="1.0" encoding="utf-8"?>
 <p:notes xmlns:a="http://schemas.openxmlformats.org/drawingml/2006/main" xmlns:r="http://schemas.openxmlformats.org/officeDocument/2006/relationships" xmlns:p="http://schemas.openxmlformats.org/presentationml/2006/main">
   <p:cSld>
     <p:spTree>
@@ -2747,7 +2646,7 @@
           <a:p>
             <a:fld id="{659E7695-2856-4E04-B435-7203877CB9AD}" type="slidenum">
               <a:rPr lang="en-US" smtClean="0"/>
-              <a:t>28</a:t>
+              <a:t>27</a:t>
             </a:fld>
             <a:endParaRPr lang="en-US"/>
           </a:p>
@@ -2766,7 +2665,7 @@
 </p:notes>
 </file>
 
-<file path=ppt/notesSlides/notesSlide29.xml><?xml version="1.0" encoding="utf-8"?>
+<file path=ppt/notesSlides/notesSlide28.xml><?xml version="1.0" encoding="utf-8"?>
 <p:notes xmlns:a="http://schemas.openxmlformats.org/drawingml/2006/main" xmlns:r="http://schemas.openxmlformats.org/officeDocument/2006/relationships" xmlns:p="http://schemas.openxmlformats.org/presentationml/2006/main">
   <p:cSld>
     <p:spTree>
@@ -2855,7 +2754,7 @@
           <a:p>
             <a:fld id="{659E7695-2856-4E04-B435-7203877CB9AD}" type="slidenum">
               <a:rPr lang="en-US" smtClean="0"/>
-              <a:t>29</a:t>
+              <a:t>28</a:t>
             </a:fld>
             <a:endParaRPr lang="en-US"/>
           </a:p>
@@ -2865,6 +2764,114 @@
     <p:extLst>
       <p:ext uri="{BB962C8B-B14F-4D97-AF65-F5344CB8AC3E}">
         <p14:creationId xmlns:p14="http://schemas.microsoft.com/office/powerpoint/2010/main" val="802766233"/>
+      </p:ext>
+    </p:extLst>
+  </p:cSld>
+  <p:clrMapOvr>
+    <a:masterClrMapping/>
+  </p:clrMapOvr>
+</p:notes>
+</file>
+
+<file path=ppt/notesSlides/notesSlide29.xml><?xml version="1.0" encoding="utf-8"?>
+<p:notes xmlns:a="http://schemas.openxmlformats.org/drawingml/2006/main" xmlns:r="http://schemas.openxmlformats.org/officeDocument/2006/relationships" xmlns:p="http://schemas.openxmlformats.org/presentationml/2006/main">
+  <p:cSld>
+    <p:spTree>
+      <p:nvGrpSpPr>
+        <p:cNvPr id="1" name="">
+          <a:extLst>
+            <a:ext uri="{FF2B5EF4-FFF2-40B4-BE49-F238E27FC236}">
+              <a16:creationId xmlns:a16="http://schemas.microsoft.com/office/drawing/2014/main" id="{473E1CB0-F243-325D-FEFE-0C86ABCC5B53}"/>
+            </a:ext>
+          </a:extLst>
+        </p:cNvPr>
+        <p:cNvGrpSpPr/>
+        <p:nvPr/>
+      </p:nvGrpSpPr>
+      <p:grpSpPr>
+        <a:xfrm>
+          <a:off x="0" y="0"/>
+          <a:ext cx="0" cy="0"/>
+          <a:chOff x="0" y="0"/>
+          <a:chExt cx="0" cy="0"/>
+        </a:xfrm>
+      </p:grpSpPr>
+      <p:sp>
+        <p:nvSpPr>
+          <p:cNvPr id="2" name="Slide Image Placeholder 1">
+            <a:extLst>
+              <a:ext uri="{FF2B5EF4-FFF2-40B4-BE49-F238E27FC236}">
+                <a16:creationId xmlns:a16="http://schemas.microsoft.com/office/drawing/2014/main" id="{C04A08C4-7EFC-0C39-29D0-67178CA502ED}"/>
+              </a:ext>
+            </a:extLst>
+          </p:cNvPr>
+          <p:cNvSpPr>
+            <a:spLocks noGrp="1" noRot="1" noChangeAspect="1"/>
+          </p:cNvSpPr>
+          <p:nvPr>
+            <p:ph type="sldImg"/>
+          </p:nvPr>
+        </p:nvSpPr>
+        <p:spPr/>
+      </p:sp>
+      <p:sp>
+        <p:nvSpPr>
+          <p:cNvPr id="3" name="Notes Placeholder 2">
+            <a:extLst>
+              <a:ext uri="{FF2B5EF4-FFF2-40B4-BE49-F238E27FC236}">
+                <a16:creationId xmlns:a16="http://schemas.microsoft.com/office/drawing/2014/main" id="{879B95B1-2782-ED03-141C-4B6A67A01624}"/>
+              </a:ext>
+            </a:extLst>
+          </p:cNvPr>
+          <p:cNvSpPr>
+            <a:spLocks noGrp="1"/>
+          </p:cNvSpPr>
+          <p:nvPr>
+            <p:ph type="body" idx="1"/>
+          </p:nvPr>
+        </p:nvSpPr>
+        <p:spPr/>
+        <p:txBody>
+          <a:bodyPr/>
+          <a:lstStyle/>
+          <a:p>
+            <a:endParaRPr lang="en-US"/>
+          </a:p>
+        </p:txBody>
+      </p:sp>
+      <p:sp>
+        <p:nvSpPr>
+          <p:cNvPr id="4" name="Slide Number Placeholder 3">
+            <a:extLst>
+              <a:ext uri="{FF2B5EF4-FFF2-40B4-BE49-F238E27FC236}">
+                <a16:creationId xmlns:a16="http://schemas.microsoft.com/office/drawing/2014/main" id="{59CE995A-6A69-201F-4F9E-FA31C41688B6}"/>
+              </a:ext>
+            </a:extLst>
+          </p:cNvPr>
+          <p:cNvSpPr>
+            <a:spLocks noGrp="1"/>
+          </p:cNvSpPr>
+          <p:nvPr>
+            <p:ph type="sldNum" sz="quarter" idx="5"/>
+          </p:nvPr>
+        </p:nvSpPr>
+        <p:spPr/>
+        <p:txBody>
+          <a:bodyPr/>
+          <a:lstStyle/>
+          <a:p>
+            <a:fld id="{659E7695-2856-4E04-B435-7203877CB9AD}" type="slidenum">
+              <a:rPr lang="en-US" smtClean="0"/>
+              <a:t>29</a:t>
+            </a:fld>
+            <a:endParaRPr lang="en-US"/>
+          </a:p>
+        </p:txBody>
+      </p:sp>
+    </p:spTree>
+    <p:extLst>
+      <p:ext uri="{BB962C8B-B14F-4D97-AF65-F5344CB8AC3E}">
+        <p14:creationId xmlns:p14="http://schemas.microsoft.com/office/powerpoint/2010/main" val="3939517002"/>
       </p:ext>
     </p:extLst>
   </p:cSld>
@@ -2990,114 +2997,6 @@
         <p:cNvPr id="1" name="">
           <a:extLst>
             <a:ext uri="{FF2B5EF4-FFF2-40B4-BE49-F238E27FC236}">
-              <a16:creationId xmlns:a16="http://schemas.microsoft.com/office/drawing/2014/main" id="{473E1CB0-F243-325D-FEFE-0C86ABCC5B53}"/>
-            </a:ext>
-          </a:extLst>
-        </p:cNvPr>
-        <p:cNvGrpSpPr/>
-        <p:nvPr/>
-      </p:nvGrpSpPr>
-      <p:grpSpPr>
-        <a:xfrm>
-          <a:off x="0" y="0"/>
-          <a:ext cx="0" cy="0"/>
-          <a:chOff x="0" y="0"/>
-          <a:chExt cx="0" cy="0"/>
-        </a:xfrm>
-      </p:grpSpPr>
-      <p:sp>
-        <p:nvSpPr>
-          <p:cNvPr id="2" name="Slide Image Placeholder 1">
-            <a:extLst>
-              <a:ext uri="{FF2B5EF4-FFF2-40B4-BE49-F238E27FC236}">
-                <a16:creationId xmlns:a16="http://schemas.microsoft.com/office/drawing/2014/main" id="{C04A08C4-7EFC-0C39-29D0-67178CA502ED}"/>
-              </a:ext>
-            </a:extLst>
-          </p:cNvPr>
-          <p:cNvSpPr>
-            <a:spLocks noGrp="1" noRot="1" noChangeAspect="1"/>
-          </p:cNvSpPr>
-          <p:nvPr>
-            <p:ph type="sldImg"/>
-          </p:nvPr>
-        </p:nvSpPr>
-        <p:spPr/>
-      </p:sp>
-      <p:sp>
-        <p:nvSpPr>
-          <p:cNvPr id="3" name="Notes Placeholder 2">
-            <a:extLst>
-              <a:ext uri="{FF2B5EF4-FFF2-40B4-BE49-F238E27FC236}">
-                <a16:creationId xmlns:a16="http://schemas.microsoft.com/office/drawing/2014/main" id="{879B95B1-2782-ED03-141C-4B6A67A01624}"/>
-              </a:ext>
-            </a:extLst>
-          </p:cNvPr>
-          <p:cNvSpPr>
-            <a:spLocks noGrp="1"/>
-          </p:cNvSpPr>
-          <p:nvPr>
-            <p:ph type="body" idx="1"/>
-          </p:nvPr>
-        </p:nvSpPr>
-        <p:spPr/>
-        <p:txBody>
-          <a:bodyPr/>
-          <a:lstStyle/>
-          <a:p>
-            <a:endParaRPr lang="en-US"/>
-          </a:p>
-        </p:txBody>
-      </p:sp>
-      <p:sp>
-        <p:nvSpPr>
-          <p:cNvPr id="4" name="Slide Number Placeholder 3">
-            <a:extLst>
-              <a:ext uri="{FF2B5EF4-FFF2-40B4-BE49-F238E27FC236}">
-                <a16:creationId xmlns:a16="http://schemas.microsoft.com/office/drawing/2014/main" id="{59CE995A-6A69-201F-4F9E-FA31C41688B6}"/>
-              </a:ext>
-            </a:extLst>
-          </p:cNvPr>
-          <p:cNvSpPr>
-            <a:spLocks noGrp="1"/>
-          </p:cNvSpPr>
-          <p:nvPr>
-            <p:ph type="sldNum" sz="quarter" idx="5"/>
-          </p:nvPr>
-        </p:nvSpPr>
-        <p:spPr/>
-        <p:txBody>
-          <a:bodyPr/>
-          <a:lstStyle/>
-          <a:p>
-            <a:fld id="{659E7695-2856-4E04-B435-7203877CB9AD}" type="slidenum">
-              <a:rPr lang="en-US" smtClean="0"/>
-              <a:t>30</a:t>
-            </a:fld>
-            <a:endParaRPr lang="en-US"/>
-          </a:p>
-        </p:txBody>
-      </p:sp>
-    </p:spTree>
-    <p:extLst>
-      <p:ext uri="{BB962C8B-B14F-4D97-AF65-F5344CB8AC3E}">
-        <p14:creationId xmlns:p14="http://schemas.microsoft.com/office/powerpoint/2010/main" val="3939517002"/>
-      </p:ext>
-    </p:extLst>
-  </p:cSld>
-  <p:clrMapOvr>
-    <a:masterClrMapping/>
-  </p:clrMapOvr>
-</p:notes>
-</file>
-
-<file path=ppt/notesSlides/notesSlide31.xml><?xml version="1.0" encoding="utf-8"?>
-<p:notes xmlns:a="http://schemas.openxmlformats.org/drawingml/2006/main" xmlns:r="http://schemas.openxmlformats.org/officeDocument/2006/relationships" xmlns:p="http://schemas.openxmlformats.org/presentationml/2006/main">
-  <p:cSld>
-    <p:spTree>
-      <p:nvGrpSpPr>
-        <p:cNvPr id="1" name="">
-          <a:extLst>
-            <a:ext uri="{FF2B5EF4-FFF2-40B4-BE49-F238E27FC236}">
               <a16:creationId xmlns:a16="http://schemas.microsoft.com/office/drawing/2014/main" id="{5F362690-90EF-0963-02EE-9532801A58EF}"/>
             </a:ext>
           </a:extLst>
@@ -3179,7 +3078,7 @@
           <a:p>
             <a:fld id="{659E7695-2856-4E04-B435-7203877CB9AD}" type="slidenum">
               <a:rPr lang="en-US" smtClean="0"/>
-              <a:t>31</a:t>
+              <a:t>30</a:t>
             </a:fld>
             <a:endParaRPr lang="en-US"/>
           </a:p>
@@ -3198,7 +3097,7 @@
 </p:notes>
 </file>
 
-<file path=ppt/notesSlides/notesSlide32.xml><?xml version="1.0" encoding="utf-8"?>
+<file path=ppt/notesSlides/notesSlide31.xml><?xml version="1.0" encoding="utf-8"?>
 <p:notes xmlns:a="http://schemas.openxmlformats.org/drawingml/2006/main" xmlns:r="http://schemas.openxmlformats.org/officeDocument/2006/relationships" xmlns:p="http://schemas.openxmlformats.org/presentationml/2006/main">
   <p:cSld>
     <p:spTree>
@@ -3287,7 +3186,7 @@
           <a:p>
             <a:fld id="{659E7695-2856-4E04-B435-7203877CB9AD}" type="slidenum">
               <a:rPr lang="en-US" smtClean="0"/>
-              <a:t>32</a:t>
+              <a:t>31</a:t>
             </a:fld>
             <a:endParaRPr lang="en-US"/>
           </a:p>
@@ -3306,7 +3205,7 @@
 </p:notes>
 </file>
 
-<file path=ppt/notesSlides/notesSlide33.xml><?xml version="1.0" encoding="utf-8"?>
+<file path=ppt/notesSlides/notesSlide32.xml><?xml version="1.0" encoding="utf-8"?>
 <p:notes xmlns:a="http://schemas.openxmlformats.org/drawingml/2006/main" xmlns:r="http://schemas.openxmlformats.org/officeDocument/2006/relationships" xmlns:p="http://schemas.openxmlformats.org/presentationml/2006/main">
   <p:cSld>
     <p:spTree>
@@ -3395,7 +3294,7 @@
           <a:p>
             <a:fld id="{659E7695-2856-4E04-B435-7203877CB9AD}" type="slidenum">
               <a:rPr lang="en-US" smtClean="0"/>
-              <a:t>33</a:t>
+              <a:t>32</a:t>
             </a:fld>
             <a:endParaRPr lang="en-US"/>
           </a:p>
@@ -3414,7 +3313,7 @@
 </p:notes>
 </file>
 
-<file path=ppt/notesSlides/notesSlide34.xml><?xml version="1.0" encoding="utf-8"?>
+<file path=ppt/notesSlides/notesSlide33.xml><?xml version="1.0" encoding="utf-8"?>
 <p:notes xmlns:a="http://schemas.openxmlformats.org/drawingml/2006/main" xmlns:r="http://schemas.openxmlformats.org/officeDocument/2006/relationships" xmlns:p="http://schemas.openxmlformats.org/presentationml/2006/main">
   <p:cSld>
     <p:spTree>
@@ -3503,7 +3402,7 @@
           <a:p>
             <a:fld id="{659E7695-2856-4E04-B435-7203877CB9AD}" type="slidenum">
               <a:rPr lang="en-US" smtClean="0"/>
-              <a:t>34</a:t>
+              <a:t>33</a:t>
             </a:fld>
             <a:endParaRPr lang="en-US"/>
           </a:p>
@@ -3513,6 +3412,114 @@
     <p:extLst>
       <p:ext uri="{BB962C8B-B14F-4D97-AF65-F5344CB8AC3E}">
         <p14:creationId xmlns:p14="http://schemas.microsoft.com/office/powerpoint/2010/main" val="2946817643"/>
+      </p:ext>
+    </p:extLst>
+  </p:cSld>
+  <p:clrMapOvr>
+    <a:masterClrMapping/>
+  </p:clrMapOvr>
+</p:notes>
+</file>
+
+<file path=ppt/notesSlides/notesSlide34.xml><?xml version="1.0" encoding="utf-8"?>
+<p:notes xmlns:a="http://schemas.openxmlformats.org/drawingml/2006/main" xmlns:r="http://schemas.openxmlformats.org/officeDocument/2006/relationships" xmlns:p="http://schemas.openxmlformats.org/presentationml/2006/main">
+  <p:cSld>
+    <p:spTree>
+      <p:nvGrpSpPr>
+        <p:cNvPr id="1" name="">
+          <a:extLst>
+            <a:ext uri="{FF2B5EF4-FFF2-40B4-BE49-F238E27FC236}">
+              <a16:creationId xmlns:a16="http://schemas.microsoft.com/office/drawing/2014/main" id="{D58C90EF-8E77-9EAE-EA67-694F82B15C6F}"/>
+            </a:ext>
+          </a:extLst>
+        </p:cNvPr>
+        <p:cNvGrpSpPr/>
+        <p:nvPr/>
+      </p:nvGrpSpPr>
+      <p:grpSpPr>
+        <a:xfrm>
+          <a:off x="0" y="0"/>
+          <a:ext cx="0" cy="0"/>
+          <a:chOff x="0" y="0"/>
+          <a:chExt cx="0" cy="0"/>
+        </a:xfrm>
+      </p:grpSpPr>
+      <p:sp>
+        <p:nvSpPr>
+          <p:cNvPr id="2" name="Slide Image Placeholder 1">
+            <a:extLst>
+              <a:ext uri="{FF2B5EF4-FFF2-40B4-BE49-F238E27FC236}">
+                <a16:creationId xmlns:a16="http://schemas.microsoft.com/office/drawing/2014/main" id="{640BB910-6E5C-10C7-18AA-DA0D202EB3DA}"/>
+              </a:ext>
+            </a:extLst>
+          </p:cNvPr>
+          <p:cNvSpPr>
+            <a:spLocks noGrp="1" noRot="1" noChangeAspect="1"/>
+          </p:cNvSpPr>
+          <p:nvPr>
+            <p:ph type="sldImg"/>
+          </p:nvPr>
+        </p:nvSpPr>
+        <p:spPr/>
+      </p:sp>
+      <p:sp>
+        <p:nvSpPr>
+          <p:cNvPr id="3" name="Notes Placeholder 2">
+            <a:extLst>
+              <a:ext uri="{FF2B5EF4-FFF2-40B4-BE49-F238E27FC236}">
+                <a16:creationId xmlns:a16="http://schemas.microsoft.com/office/drawing/2014/main" id="{956EAED6-5ACB-5D8C-2779-1730AB532524}"/>
+              </a:ext>
+            </a:extLst>
+          </p:cNvPr>
+          <p:cNvSpPr>
+            <a:spLocks noGrp="1"/>
+          </p:cNvSpPr>
+          <p:nvPr>
+            <p:ph type="body" idx="1"/>
+          </p:nvPr>
+        </p:nvSpPr>
+        <p:spPr/>
+        <p:txBody>
+          <a:bodyPr/>
+          <a:lstStyle/>
+          <a:p>
+            <a:endParaRPr lang="en-US"/>
+          </a:p>
+        </p:txBody>
+      </p:sp>
+      <p:sp>
+        <p:nvSpPr>
+          <p:cNvPr id="4" name="Slide Number Placeholder 3">
+            <a:extLst>
+              <a:ext uri="{FF2B5EF4-FFF2-40B4-BE49-F238E27FC236}">
+                <a16:creationId xmlns:a16="http://schemas.microsoft.com/office/drawing/2014/main" id="{4CCBB3BC-0E81-4925-0BDE-C466FE2A12AE}"/>
+              </a:ext>
+            </a:extLst>
+          </p:cNvPr>
+          <p:cNvSpPr>
+            <a:spLocks noGrp="1"/>
+          </p:cNvSpPr>
+          <p:nvPr>
+            <p:ph type="sldNum" sz="quarter" idx="5"/>
+          </p:nvPr>
+        </p:nvSpPr>
+        <p:spPr/>
+        <p:txBody>
+          <a:bodyPr/>
+          <a:lstStyle/>
+          <a:p>
+            <a:fld id="{659E7695-2856-4E04-B435-7203877CB9AD}" type="slidenum">
+              <a:rPr lang="en-US" smtClean="0"/>
+              <a:t>34</a:t>
+            </a:fld>
+            <a:endParaRPr lang="en-US"/>
+          </a:p>
+        </p:txBody>
+      </p:sp>
+    </p:spTree>
+    <p:extLst>
+      <p:ext uri="{BB962C8B-B14F-4D97-AF65-F5344CB8AC3E}">
+        <p14:creationId xmlns:p14="http://schemas.microsoft.com/office/powerpoint/2010/main" val="1733396169"/>
       </p:ext>
     </p:extLst>
   </p:cSld>
@@ -3630,6 +3637,438 @@
 </p:notes>
 </file>
 
+<file path=ppt/notesSlides/notesSlide36.xml><?xml version="1.0" encoding="utf-8"?>
+<p:notes xmlns:a="http://schemas.openxmlformats.org/drawingml/2006/main" xmlns:r="http://schemas.openxmlformats.org/officeDocument/2006/relationships" xmlns:p="http://schemas.openxmlformats.org/presentationml/2006/main">
+  <p:cSld>
+    <p:spTree>
+      <p:nvGrpSpPr>
+        <p:cNvPr id="1" name="">
+          <a:extLst>
+            <a:ext uri="{FF2B5EF4-FFF2-40B4-BE49-F238E27FC236}">
+              <a16:creationId xmlns:a16="http://schemas.microsoft.com/office/drawing/2014/main" id="{F8632A03-B6E6-6A47-DE6F-02BB4BF2B9A5}"/>
+            </a:ext>
+          </a:extLst>
+        </p:cNvPr>
+        <p:cNvGrpSpPr/>
+        <p:nvPr/>
+      </p:nvGrpSpPr>
+      <p:grpSpPr>
+        <a:xfrm>
+          <a:off x="0" y="0"/>
+          <a:ext cx="0" cy="0"/>
+          <a:chOff x="0" y="0"/>
+          <a:chExt cx="0" cy="0"/>
+        </a:xfrm>
+      </p:grpSpPr>
+      <p:sp>
+        <p:nvSpPr>
+          <p:cNvPr id="2" name="Slide Image Placeholder 1">
+            <a:extLst>
+              <a:ext uri="{FF2B5EF4-FFF2-40B4-BE49-F238E27FC236}">
+                <a16:creationId xmlns:a16="http://schemas.microsoft.com/office/drawing/2014/main" id="{E2A58E7F-0AD6-B97C-2557-C8AEF39EF792}"/>
+              </a:ext>
+            </a:extLst>
+          </p:cNvPr>
+          <p:cNvSpPr>
+            <a:spLocks noGrp="1" noRot="1" noChangeAspect="1"/>
+          </p:cNvSpPr>
+          <p:nvPr>
+            <p:ph type="sldImg"/>
+          </p:nvPr>
+        </p:nvSpPr>
+        <p:spPr/>
+      </p:sp>
+      <p:sp>
+        <p:nvSpPr>
+          <p:cNvPr id="3" name="Notes Placeholder 2">
+            <a:extLst>
+              <a:ext uri="{FF2B5EF4-FFF2-40B4-BE49-F238E27FC236}">
+                <a16:creationId xmlns:a16="http://schemas.microsoft.com/office/drawing/2014/main" id="{140E20A4-6D90-66EE-3064-E48387ED01B8}"/>
+              </a:ext>
+            </a:extLst>
+          </p:cNvPr>
+          <p:cNvSpPr>
+            <a:spLocks noGrp="1"/>
+          </p:cNvSpPr>
+          <p:nvPr>
+            <p:ph type="body" idx="1"/>
+          </p:nvPr>
+        </p:nvSpPr>
+        <p:spPr/>
+        <p:txBody>
+          <a:bodyPr/>
+          <a:lstStyle/>
+          <a:p>
+            <a:endParaRPr lang="en-US"/>
+          </a:p>
+        </p:txBody>
+      </p:sp>
+      <p:sp>
+        <p:nvSpPr>
+          <p:cNvPr id="4" name="Slide Number Placeholder 3">
+            <a:extLst>
+              <a:ext uri="{FF2B5EF4-FFF2-40B4-BE49-F238E27FC236}">
+                <a16:creationId xmlns:a16="http://schemas.microsoft.com/office/drawing/2014/main" id="{71FA0779-0CC2-5ECA-2F20-9DAF5CCA4BDB}"/>
+              </a:ext>
+            </a:extLst>
+          </p:cNvPr>
+          <p:cNvSpPr>
+            <a:spLocks noGrp="1"/>
+          </p:cNvSpPr>
+          <p:nvPr>
+            <p:ph type="sldNum" sz="quarter" idx="5"/>
+          </p:nvPr>
+        </p:nvSpPr>
+        <p:spPr/>
+        <p:txBody>
+          <a:bodyPr/>
+          <a:lstStyle/>
+          <a:p>
+            <a:fld id="{659E7695-2856-4E04-B435-7203877CB9AD}" type="slidenum">
+              <a:rPr lang="en-US" smtClean="0"/>
+              <a:t>36</a:t>
+            </a:fld>
+            <a:endParaRPr lang="en-US"/>
+          </a:p>
+        </p:txBody>
+      </p:sp>
+    </p:spTree>
+    <p:extLst>
+      <p:ext uri="{BB962C8B-B14F-4D97-AF65-F5344CB8AC3E}">
+        <p14:creationId xmlns:p14="http://schemas.microsoft.com/office/powerpoint/2010/main" val="385210476"/>
+      </p:ext>
+    </p:extLst>
+  </p:cSld>
+  <p:clrMapOvr>
+    <a:masterClrMapping/>
+  </p:clrMapOvr>
+</p:notes>
+</file>
+
+<file path=ppt/notesSlides/notesSlide37.xml><?xml version="1.0" encoding="utf-8"?>
+<p:notes xmlns:a="http://schemas.openxmlformats.org/drawingml/2006/main" xmlns:r="http://schemas.openxmlformats.org/officeDocument/2006/relationships" xmlns:p="http://schemas.openxmlformats.org/presentationml/2006/main">
+  <p:cSld>
+    <p:spTree>
+      <p:nvGrpSpPr>
+        <p:cNvPr id="1" name="">
+          <a:extLst>
+            <a:ext uri="{FF2B5EF4-FFF2-40B4-BE49-F238E27FC236}">
+              <a16:creationId xmlns:a16="http://schemas.microsoft.com/office/drawing/2014/main" id="{63140C06-42C2-1704-3F4F-C5EC88D40387}"/>
+            </a:ext>
+          </a:extLst>
+        </p:cNvPr>
+        <p:cNvGrpSpPr/>
+        <p:nvPr/>
+      </p:nvGrpSpPr>
+      <p:grpSpPr>
+        <a:xfrm>
+          <a:off x="0" y="0"/>
+          <a:ext cx="0" cy="0"/>
+          <a:chOff x="0" y="0"/>
+          <a:chExt cx="0" cy="0"/>
+        </a:xfrm>
+      </p:grpSpPr>
+      <p:sp>
+        <p:nvSpPr>
+          <p:cNvPr id="2" name="Slide Image Placeholder 1">
+            <a:extLst>
+              <a:ext uri="{FF2B5EF4-FFF2-40B4-BE49-F238E27FC236}">
+                <a16:creationId xmlns:a16="http://schemas.microsoft.com/office/drawing/2014/main" id="{8595F4FF-CB4E-EBB5-3275-BC6C6CB47EAC}"/>
+              </a:ext>
+            </a:extLst>
+          </p:cNvPr>
+          <p:cNvSpPr>
+            <a:spLocks noGrp="1" noRot="1" noChangeAspect="1"/>
+          </p:cNvSpPr>
+          <p:nvPr>
+            <p:ph type="sldImg"/>
+          </p:nvPr>
+        </p:nvSpPr>
+        <p:spPr/>
+      </p:sp>
+      <p:sp>
+        <p:nvSpPr>
+          <p:cNvPr id="3" name="Notes Placeholder 2">
+            <a:extLst>
+              <a:ext uri="{FF2B5EF4-FFF2-40B4-BE49-F238E27FC236}">
+                <a16:creationId xmlns:a16="http://schemas.microsoft.com/office/drawing/2014/main" id="{69220567-4CAF-DB17-0190-FE9C237E2770}"/>
+              </a:ext>
+            </a:extLst>
+          </p:cNvPr>
+          <p:cNvSpPr>
+            <a:spLocks noGrp="1"/>
+          </p:cNvSpPr>
+          <p:nvPr>
+            <p:ph type="body" idx="1"/>
+          </p:nvPr>
+        </p:nvSpPr>
+        <p:spPr/>
+        <p:txBody>
+          <a:bodyPr/>
+          <a:lstStyle/>
+          <a:p>
+            <a:endParaRPr lang="en-US"/>
+          </a:p>
+        </p:txBody>
+      </p:sp>
+      <p:sp>
+        <p:nvSpPr>
+          <p:cNvPr id="4" name="Slide Number Placeholder 3">
+            <a:extLst>
+              <a:ext uri="{FF2B5EF4-FFF2-40B4-BE49-F238E27FC236}">
+                <a16:creationId xmlns:a16="http://schemas.microsoft.com/office/drawing/2014/main" id="{CE816716-9A86-AE0A-EC65-4EECB82C18E4}"/>
+              </a:ext>
+            </a:extLst>
+          </p:cNvPr>
+          <p:cNvSpPr>
+            <a:spLocks noGrp="1"/>
+          </p:cNvSpPr>
+          <p:nvPr>
+            <p:ph type="sldNum" sz="quarter" idx="5"/>
+          </p:nvPr>
+        </p:nvSpPr>
+        <p:spPr/>
+        <p:txBody>
+          <a:bodyPr/>
+          <a:lstStyle/>
+          <a:p>
+            <a:fld id="{659E7695-2856-4E04-B435-7203877CB9AD}" type="slidenum">
+              <a:rPr lang="en-US" smtClean="0"/>
+              <a:t>37</a:t>
+            </a:fld>
+            <a:endParaRPr lang="en-US"/>
+          </a:p>
+        </p:txBody>
+      </p:sp>
+    </p:spTree>
+    <p:extLst>
+      <p:ext uri="{BB962C8B-B14F-4D97-AF65-F5344CB8AC3E}">
+        <p14:creationId xmlns:p14="http://schemas.microsoft.com/office/powerpoint/2010/main" val="1842750891"/>
+      </p:ext>
+    </p:extLst>
+  </p:cSld>
+  <p:clrMapOvr>
+    <a:masterClrMapping/>
+  </p:clrMapOvr>
+</p:notes>
+</file>
+
+<file path=ppt/notesSlides/notesSlide38.xml><?xml version="1.0" encoding="utf-8"?>
+<p:notes xmlns:a="http://schemas.openxmlformats.org/drawingml/2006/main" xmlns:r="http://schemas.openxmlformats.org/officeDocument/2006/relationships" xmlns:p="http://schemas.openxmlformats.org/presentationml/2006/main">
+  <p:cSld>
+    <p:spTree>
+      <p:nvGrpSpPr>
+        <p:cNvPr id="1" name="">
+          <a:extLst>
+            <a:ext uri="{FF2B5EF4-FFF2-40B4-BE49-F238E27FC236}">
+              <a16:creationId xmlns:a16="http://schemas.microsoft.com/office/drawing/2014/main" id="{0D677723-79B7-CA37-546A-81AA8E7D93C9}"/>
+            </a:ext>
+          </a:extLst>
+        </p:cNvPr>
+        <p:cNvGrpSpPr/>
+        <p:nvPr/>
+      </p:nvGrpSpPr>
+      <p:grpSpPr>
+        <a:xfrm>
+          <a:off x="0" y="0"/>
+          <a:ext cx="0" cy="0"/>
+          <a:chOff x="0" y="0"/>
+          <a:chExt cx="0" cy="0"/>
+        </a:xfrm>
+      </p:grpSpPr>
+      <p:sp>
+        <p:nvSpPr>
+          <p:cNvPr id="2" name="Slide Image Placeholder 1">
+            <a:extLst>
+              <a:ext uri="{FF2B5EF4-FFF2-40B4-BE49-F238E27FC236}">
+                <a16:creationId xmlns:a16="http://schemas.microsoft.com/office/drawing/2014/main" id="{F3E27156-1EB3-A547-3C5D-6D03F3AFF57E}"/>
+              </a:ext>
+            </a:extLst>
+          </p:cNvPr>
+          <p:cNvSpPr>
+            <a:spLocks noGrp="1" noRot="1" noChangeAspect="1"/>
+          </p:cNvSpPr>
+          <p:nvPr>
+            <p:ph type="sldImg"/>
+          </p:nvPr>
+        </p:nvSpPr>
+        <p:spPr/>
+      </p:sp>
+      <p:sp>
+        <p:nvSpPr>
+          <p:cNvPr id="3" name="Notes Placeholder 2">
+            <a:extLst>
+              <a:ext uri="{FF2B5EF4-FFF2-40B4-BE49-F238E27FC236}">
+                <a16:creationId xmlns:a16="http://schemas.microsoft.com/office/drawing/2014/main" id="{6267835E-8D87-19BA-198E-87485DE2A819}"/>
+              </a:ext>
+            </a:extLst>
+          </p:cNvPr>
+          <p:cNvSpPr>
+            <a:spLocks noGrp="1"/>
+          </p:cNvSpPr>
+          <p:nvPr>
+            <p:ph type="body" idx="1"/>
+          </p:nvPr>
+        </p:nvSpPr>
+        <p:spPr/>
+        <p:txBody>
+          <a:bodyPr/>
+          <a:lstStyle/>
+          <a:p>
+            <a:endParaRPr lang="en-US"/>
+          </a:p>
+        </p:txBody>
+      </p:sp>
+      <p:sp>
+        <p:nvSpPr>
+          <p:cNvPr id="4" name="Slide Number Placeholder 3">
+            <a:extLst>
+              <a:ext uri="{FF2B5EF4-FFF2-40B4-BE49-F238E27FC236}">
+                <a16:creationId xmlns:a16="http://schemas.microsoft.com/office/drawing/2014/main" id="{1480479B-58A5-0DC5-141B-317913EB5BD5}"/>
+              </a:ext>
+            </a:extLst>
+          </p:cNvPr>
+          <p:cNvSpPr>
+            <a:spLocks noGrp="1"/>
+          </p:cNvSpPr>
+          <p:nvPr>
+            <p:ph type="sldNum" sz="quarter" idx="5"/>
+          </p:nvPr>
+        </p:nvSpPr>
+        <p:spPr/>
+        <p:txBody>
+          <a:bodyPr/>
+          <a:lstStyle/>
+          <a:p>
+            <a:fld id="{659E7695-2856-4E04-B435-7203877CB9AD}" type="slidenum">
+              <a:rPr lang="en-US" smtClean="0"/>
+              <a:t>38</a:t>
+            </a:fld>
+            <a:endParaRPr lang="en-US"/>
+          </a:p>
+        </p:txBody>
+      </p:sp>
+    </p:spTree>
+    <p:extLst>
+      <p:ext uri="{BB962C8B-B14F-4D97-AF65-F5344CB8AC3E}">
+        <p14:creationId xmlns:p14="http://schemas.microsoft.com/office/powerpoint/2010/main" val="2137458875"/>
+      </p:ext>
+    </p:extLst>
+  </p:cSld>
+  <p:clrMapOvr>
+    <a:masterClrMapping/>
+  </p:clrMapOvr>
+</p:notes>
+</file>
+
+<file path=ppt/notesSlides/notesSlide39.xml><?xml version="1.0" encoding="utf-8"?>
+<p:notes xmlns:a="http://schemas.openxmlformats.org/drawingml/2006/main" xmlns:r="http://schemas.openxmlformats.org/officeDocument/2006/relationships" xmlns:p="http://schemas.openxmlformats.org/presentationml/2006/main">
+  <p:cSld>
+    <p:spTree>
+      <p:nvGrpSpPr>
+        <p:cNvPr id="1" name="">
+          <a:extLst>
+            <a:ext uri="{FF2B5EF4-FFF2-40B4-BE49-F238E27FC236}">
+              <a16:creationId xmlns:a16="http://schemas.microsoft.com/office/drawing/2014/main" id="{23581E6C-2BEF-BF00-1272-5155B4AEB110}"/>
+            </a:ext>
+          </a:extLst>
+        </p:cNvPr>
+        <p:cNvGrpSpPr/>
+        <p:nvPr/>
+      </p:nvGrpSpPr>
+      <p:grpSpPr>
+        <a:xfrm>
+          <a:off x="0" y="0"/>
+          <a:ext cx="0" cy="0"/>
+          <a:chOff x="0" y="0"/>
+          <a:chExt cx="0" cy="0"/>
+        </a:xfrm>
+      </p:grpSpPr>
+      <p:sp>
+        <p:nvSpPr>
+          <p:cNvPr id="2" name="Slide Image Placeholder 1">
+            <a:extLst>
+              <a:ext uri="{FF2B5EF4-FFF2-40B4-BE49-F238E27FC236}">
+                <a16:creationId xmlns:a16="http://schemas.microsoft.com/office/drawing/2014/main" id="{BD5EE568-ACDC-2C02-E610-EE51DBFA9E54}"/>
+              </a:ext>
+            </a:extLst>
+          </p:cNvPr>
+          <p:cNvSpPr>
+            <a:spLocks noGrp="1" noRot="1" noChangeAspect="1"/>
+          </p:cNvSpPr>
+          <p:nvPr>
+            <p:ph type="sldImg"/>
+          </p:nvPr>
+        </p:nvSpPr>
+        <p:spPr/>
+      </p:sp>
+      <p:sp>
+        <p:nvSpPr>
+          <p:cNvPr id="3" name="Notes Placeholder 2">
+            <a:extLst>
+              <a:ext uri="{FF2B5EF4-FFF2-40B4-BE49-F238E27FC236}">
+                <a16:creationId xmlns:a16="http://schemas.microsoft.com/office/drawing/2014/main" id="{3DFC3A8A-B882-1076-30A7-DB18411E4784}"/>
+              </a:ext>
+            </a:extLst>
+          </p:cNvPr>
+          <p:cNvSpPr>
+            <a:spLocks noGrp="1"/>
+          </p:cNvSpPr>
+          <p:nvPr>
+            <p:ph type="body" idx="1"/>
+          </p:nvPr>
+        </p:nvSpPr>
+        <p:spPr/>
+        <p:txBody>
+          <a:bodyPr/>
+          <a:lstStyle/>
+          <a:p>
+            <a:endParaRPr lang="en-US"/>
+          </a:p>
+        </p:txBody>
+      </p:sp>
+      <p:sp>
+        <p:nvSpPr>
+          <p:cNvPr id="4" name="Slide Number Placeholder 3">
+            <a:extLst>
+              <a:ext uri="{FF2B5EF4-FFF2-40B4-BE49-F238E27FC236}">
+                <a16:creationId xmlns:a16="http://schemas.microsoft.com/office/drawing/2014/main" id="{3B18AEEC-612B-FAAB-0450-00A2440CE7A0}"/>
+              </a:ext>
+            </a:extLst>
+          </p:cNvPr>
+          <p:cNvSpPr>
+            <a:spLocks noGrp="1"/>
+          </p:cNvSpPr>
+          <p:nvPr>
+            <p:ph type="sldNum" sz="quarter" idx="5"/>
+          </p:nvPr>
+        </p:nvSpPr>
+        <p:spPr/>
+        <p:txBody>
+          <a:bodyPr/>
+          <a:lstStyle/>
+          <a:p>
+            <a:fld id="{659E7695-2856-4E04-B435-7203877CB9AD}" type="slidenum">
+              <a:rPr lang="en-US" smtClean="0"/>
+              <a:t>39</a:t>
+            </a:fld>
+            <a:endParaRPr lang="en-US"/>
+          </a:p>
+        </p:txBody>
+      </p:sp>
+    </p:spTree>
+    <p:extLst>
+      <p:ext uri="{BB962C8B-B14F-4D97-AF65-F5344CB8AC3E}">
+        <p14:creationId xmlns:p14="http://schemas.microsoft.com/office/powerpoint/2010/main" val="883059924"/>
+      </p:ext>
+    </p:extLst>
+  </p:cSld>
+  <p:clrMapOvr>
+    <a:masterClrMapping/>
+  </p:clrMapOvr>
+</p:notes>
+</file>
+
 <file path=ppt/notesSlides/notesSlide4.xml><?xml version="1.0" encoding="utf-8"?>
 <p:notes xmlns:a="http://schemas.openxmlformats.org/drawingml/2006/main" xmlns:r="http://schemas.openxmlformats.org/officeDocument/2006/relationships" xmlns:p="http://schemas.openxmlformats.org/presentationml/2006/main">
   <p:cSld>
@@ -3729,6 +4168,330 @@
     <p:extLst>
       <p:ext uri="{BB962C8B-B14F-4D97-AF65-F5344CB8AC3E}">
         <p14:creationId xmlns:p14="http://schemas.microsoft.com/office/powerpoint/2010/main" val="4039855223"/>
+      </p:ext>
+    </p:extLst>
+  </p:cSld>
+  <p:clrMapOvr>
+    <a:masterClrMapping/>
+  </p:clrMapOvr>
+</p:notes>
+</file>
+
+<file path=ppt/notesSlides/notesSlide40.xml><?xml version="1.0" encoding="utf-8"?>
+<p:notes xmlns:a="http://schemas.openxmlformats.org/drawingml/2006/main" xmlns:r="http://schemas.openxmlformats.org/officeDocument/2006/relationships" xmlns:p="http://schemas.openxmlformats.org/presentationml/2006/main">
+  <p:cSld>
+    <p:spTree>
+      <p:nvGrpSpPr>
+        <p:cNvPr id="1" name="">
+          <a:extLst>
+            <a:ext uri="{FF2B5EF4-FFF2-40B4-BE49-F238E27FC236}">
+              <a16:creationId xmlns:a16="http://schemas.microsoft.com/office/drawing/2014/main" id="{00CB0656-74FC-ACC8-E909-31D427ACFA5C}"/>
+            </a:ext>
+          </a:extLst>
+        </p:cNvPr>
+        <p:cNvGrpSpPr/>
+        <p:nvPr/>
+      </p:nvGrpSpPr>
+      <p:grpSpPr>
+        <a:xfrm>
+          <a:off x="0" y="0"/>
+          <a:ext cx="0" cy="0"/>
+          <a:chOff x="0" y="0"/>
+          <a:chExt cx="0" cy="0"/>
+        </a:xfrm>
+      </p:grpSpPr>
+      <p:sp>
+        <p:nvSpPr>
+          <p:cNvPr id="2" name="Slide Image Placeholder 1">
+            <a:extLst>
+              <a:ext uri="{FF2B5EF4-FFF2-40B4-BE49-F238E27FC236}">
+                <a16:creationId xmlns:a16="http://schemas.microsoft.com/office/drawing/2014/main" id="{654501BA-317E-0755-0A50-9697F45855CE}"/>
+              </a:ext>
+            </a:extLst>
+          </p:cNvPr>
+          <p:cNvSpPr>
+            <a:spLocks noGrp="1" noRot="1" noChangeAspect="1"/>
+          </p:cNvSpPr>
+          <p:nvPr>
+            <p:ph type="sldImg"/>
+          </p:nvPr>
+        </p:nvSpPr>
+        <p:spPr/>
+      </p:sp>
+      <p:sp>
+        <p:nvSpPr>
+          <p:cNvPr id="3" name="Notes Placeholder 2">
+            <a:extLst>
+              <a:ext uri="{FF2B5EF4-FFF2-40B4-BE49-F238E27FC236}">
+                <a16:creationId xmlns:a16="http://schemas.microsoft.com/office/drawing/2014/main" id="{B262670C-9A56-73AD-B49D-E17EF8AD45C8}"/>
+              </a:ext>
+            </a:extLst>
+          </p:cNvPr>
+          <p:cNvSpPr>
+            <a:spLocks noGrp="1"/>
+          </p:cNvSpPr>
+          <p:nvPr>
+            <p:ph type="body" idx="1"/>
+          </p:nvPr>
+        </p:nvSpPr>
+        <p:spPr/>
+        <p:txBody>
+          <a:bodyPr/>
+          <a:lstStyle/>
+          <a:p>
+            <a:endParaRPr lang="en-US"/>
+          </a:p>
+        </p:txBody>
+      </p:sp>
+      <p:sp>
+        <p:nvSpPr>
+          <p:cNvPr id="4" name="Slide Number Placeholder 3">
+            <a:extLst>
+              <a:ext uri="{FF2B5EF4-FFF2-40B4-BE49-F238E27FC236}">
+                <a16:creationId xmlns:a16="http://schemas.microsoft.com/office/drawing/2014/main" id="{8DAA7B25-9B8D-C7C7-6E09-44A85324B198}"/>
+              </a:ext>
+            </a:extLst>
+          </p:cNvPr>
+          <p:cNvSpPr>
+            <a:spLocks noGrp="1"/>
+          </p:cNvSpPr>
+          <p:nvPr>
+            <p:ph type="sldNum" sz="quarter" idx="5"/>
+          </p:nvPr>
+        </p:nvSpPr>
+        <p:spPr/>
+        <p:txBody>
+          <a:bodyPr/>
+          <a:lstStyle/>
+          <a:p>
+            <a:fld id="{659E7695-2856-4E04-B435-7203877CB9AD}" type="slidenum">
+              <a:rPr lang="en-US" smtClean="0"/>
+              <a:t>40</a:t>
+            </a:fld>
+            <a:endParaRPr lang="en-US"/>
+          </a:p>
+        </p:txBody>
+      </p:sp>
+    </p:spTree>
+    <p:extLst>
+      <p:ext uri="{BB962C8B-B14F-4D97-AF65-F5344CB8AC3E}">
+        <p14:creationId xmlns:p14="http://schemas.microsoft.com/office/powerpoint/2010/main" val="475229788"/>
+      </p:ext>
+    </p:extLst>
+  </p:cSld>
+  <p:clrMapOvr>
+    <a:masterClrMapping/>
+  </p:clrMapOvr>
+</p:notes>
+</file>
+
+<file path=ppt/notesSlides/notesSlide41.xml><?xml version="1.0" encoding="utf-8"?>
+<p:notes xmlns:a="http://schemas.openxmlformats.org/drawingml/2006/main" xmlns:r="http://schemas.openxmlformats.org/officeDocument/2006/relationships" xmlns:p="http://schemas.openxmlformats.org/presentationml/2006/main">
+  <p:cSld>
+    <p:spTree>
+      <p:nvGrpSpPr>
+        <p:cNvPr id="1" name="">
+          <a:extLst>
+            <a:ext uri="{FF2B5EF4-FFF2-40B4-BE49-F238E27FC236}">
+              <a16:creationId xmlns:a16="http://schemas.microsoft.com/office/drawing/2014/main" id="{6ADF90BD-251A-2E9C-EDE0-BE0E27BEB8D2}"/>
+            </a:ext>
+          </a:extLst>
+        </p:cNvPr>
+        <p:cNvGrpSpPr/>
+        <p:nvPr/>
+      </p:nvGrpSpPr>
+      <p:grpSpPr>
+        <a:xfrm>
+          <a:off x="0" y="0"/>
+          <a:ext cx="0" cy="0"/>
+          <a:chOff x="0" y="0"/>
+          <a:chExt cx="0" cy="0"/>
+        </a:xfrm>
+      </p:grpSpPr>
+      <p:sp>
+        <p:nvSpPr>
+          <p:cNvPr id="2" name="Slide Image Placeholder 1">
+            <a:extLst>
+              <a:ext uri="{FF2B5EF4-FFF2-40B4-BE49-F238E27FC236}">
+                <a16:creationId xmlns:a16="http://schemas.microsoft.com/office/drawing/2014/main" id="{C0D0B147-971F-90AF-ABDB-7DCA86E75D2F}"/>
+              </a:ext>
+            </a:extLst>
+          </p:cNvPr>
+          <p:cNvSpPr>
+            <a:spLocks noGrp="1" noRot="1" noChangeAspect="1"/>
+          </p:cNvSpPr>
+          <p:nvPr>
+            <p:ph type="sldImg"/>
+          </p:nvPr>
+        </p:nvSpPr>
+        <p:spPr/>
+      </p:sp>
+      <p:sp>
+        <p:nvSpPr>
+          <p:cNvPr id="3" name="Notes Placeholder 2">
+            <a:extLst>
+              <a:ext uri="{FF2B5EF4-FFF2-40B4-BE49-F238E27FC236}">
+                <a16:creationId xmlns:a16="http://schemas.microsoft.com/office/drawing/2014/main" id="{D0F663B2-86EE-C440-1848-6916AD16F592}"/>
+              </a:ext>
+            </a:extLst>
+          </p:cNvPr>
+          <p:cNvSpPr>
+            <a:spLocks noGrp="1"/>
+          </p:cNvSpPr>
+          <p:nvPr>
+            <p:ph type="body" idx="1"/>
+          </p:nvPr>
+        </p:nvSpPr>
+        <p:spPr/>
+        <p:txBody>
+          <a:bodyPr/>
+          <a:lstStyle/>
+          <a:p>
+            <a:endParaRPr lang="en-US"/>
+          </a:p>
+        </p:txBody>
+      </p:sp>
+      <p:sp>
+        <p:nvSpPr>
+          <p:cNvPr id="4" name="Slide Number Placeholder 3">
+            <a:extLst>
+              <a:ext uri="{FF2B5EF4-FFF2-40B4-BE49-F238E27FC236}">
+                <a16:creationId xmlns:a16="http://schemas.microsoft.com/office/drawing/2014/main" id="{2798CDC5-BE19-6621-9CB1-5E86105ED00D}"/>
+              </a:ext>
+            </a:extLst>
+          </p:cNvPr>
+          <p:cNvSpPr>
+            <a:spLocks noGrp="1"/>
+          </p:cNvSpPr>
+          <p:nvPr>
+            <p:ph type="sldNum" sz="quarter" idx="5"/>
+          </p:nvPr>
+        </p:nvSpPr>
+        <p:spPr/>
+        <p:txBody>
+          <a:bodyPr/>
+          <a:lstStyle/>
+          <a:p>
+            <a:fld id="{659E7695-2856-4E04-B435-7203877CB9AD}" type="slidenum">
+              <a:rPr lang="en-US" smtClean="0"/>
+              <a:t>41</a:t>
+            </a:fld>
+            <a:endParaRPr lang="en-US"/>
+          </a:p>
+        </p:txBody>
+      </p:sp>
+    </p:spTree>
+    <p:extLst>
+      <p:ext uri="{BB962C8B-B14F-4D97-AF65-F5344CB8AC3E}">
+        <p14:creationId xmlns:p14="http://schemas.microsoft.com/office/powerpoint/2010/main" val="2576586148"/>
+      </p:ext>
+    </p:extLst>
+  </p:cSld>
+  <p:clrMapOvr>
+    <a:masterClrMapping/>
+  </p:clrMapOvr>
+</p:notes>
+</file>
+
+<file path=ppt/notesSlides/notesSlide42.xml><?xml version="1.0" encoding="utf-8"?>
+<p:notes xmlns:a="http://schemas.openxmlformats.org/drawingml/2006/main" xmlns:r="http://schemas.openxmlformats.org/officeDocument/2006/relationships" xmlns:p="http://schemas.openxmlformats.org/presentationml/2006/main">
+  <p:cSld>
+    <p:spTree>
+      <p:nvGrpSpPr>
+        <p:cNvPr id="1" name="">
+          <a:extLst>
+            <a:ext uri="{FF2B5EF4-FFF2-40B4-BE49-F238E27FC236}">
+              <a16:creationId xmlns:a16="http://schemas.microsoft.com/office/drawing/2014/main" id="{6B258046-6E6B-3B95-ED29-3810AD99571B}"/>
+            </a:ext>
+          </a:extLst>
+        </p:cNvPr>
+        <p:cNvGrpSpPr/>
+        <p:nvPr/>
+      </p:nvGrpSpPr>
+      <p:grpSpPr>
+        <a:xfrm>
+          <a:off x="0" y="0"/>
+          <a:ext cx="0" cy="0"/>
+          <a:chOff x="0" y="0"/>
+          <a:chExt cx="0" cy="0"/>
+        </a:xfrm>
+      </p:grpSpPr>
+      <p:sp>
+        <p:nvSpPr>
+          <p:cNvPr id="2" name="Slide Image Placeholder 1">
+            <a:extLst>
+              <a:ext uri="{FF2B5EF4-FFF2-40B4-BE49-F238E27FC236}">
+                <a16:creationId xmlns:a16="http://schemas.microsoft.com/office/drawing/2014/main" id="{0167237D-1524-DA0F-B758-956AF13BA173}"/>
+              </a:ext>
+            </a:extLst>
+          </p:cNvPr>
+          <p:cNvSpPr>
+            <a:spLocks noGrp="1" noRot="1" noChangeAspect="1"/>
+          </p:cNvSpPr>
+          <p:nvPr>
+            <p:ph type="sldImg"/>
+          </p:nvPr>
+        </p:nvSpPr>
+        <p:spPr/>
+      </p:sp>
+      <p:sp>
+        <p:nvSpPr>
+          <p:cNvPr id="3" name="Notes Placeholder 2">
+            <a:extLst>
+              <a:ext uri="{FF2B5EF4-FFF2-40B4-BE49-F238E27FC236}">
+                <a16:creationId xmlns:a16="http://schemas.microsoft.com/office/drawing/2014/main" id="{6DFA2856-AF18-5879-5AFF-54391E07A910}"/>
+              </a:ext>
+            </a:extLst>
+          </p:cNvPr>
+          <p:cNvSpPr>
+            <a:spLocks noGrp="1"/>
+          </p:cNvSpPr>
+          <p:nvPr>
+            <p:ph type="body" idx="1"/>
+          </p:nvPr>
+        </p:nvSpPr>
+        <p:spPr/>
+        <p:txBody>
+          <a:bodyPr/>
+          <a:lstStyle/>
+          <a:p>
+            <a:endParaRPr lang="en-US"/>
+          </a:p>
+        </p:txBody>
+      </p:sp>
+      <p:sp>
+        <p:nvSpPr>
+          <p:cNvPr id="4" name="Slide Number Placeholder 3">
+            <a:extLst>
+              <a:ext uri="{FF2B5EF4-FFF2-40B4-BE49-F238E27FC236}">
+                <a16:creationId xmlns:a16="http://schemas.microsoft.com/office/drawing/2014/main" id="{39E93103-645C-47E6-E817-8E1FC5EED13B}"/>
+              </a:ext>
+            </a:extLst>
+          </p:cNvPr>
+          <p:cNvSpPr>
+            <a:spLocks noGrp="1"/>
+          </p:cNvSpPr>
+          <p:nvPr>
+            <p:ph type="sldNum" sz="quarter" idx="5"/>
+          </p:nvPr>
+        </p:nvSpPr>
+        <p:spPr/>
+        <p:txBody>
+          <a:bodyPr/>
+          <a:lstStyle/>
+          <a:p>
+            <a:fld id="{659E7695-2856-4E04-B435-7203877CB9AD}" type="slidenum">
+              <a:rPr lang="en-US" smtClean="0"/>
+              <a:t>42</a:t>
+            </a:fld>
+            <a:endParaRPr lang="en-US"/>
+          </a:p>
+        </p:txBody>
+      </p:sp>
+    </p:spTree>
+    <p:extLst>
+      <p:ext uri="{BB962C8B-B14F-4D97-AF65-F5344CB8AC3E}">
+        <p14:creationId xmlns:p14="http://schemas.microsoft.com/office/powerpoint/2010/main" val="3065393100"/>
       </p:ext>
     </p:extLst>
   </p:cSld>
@@ -4425,7 +5188,7 @@
           <a:p>
             <a:fld id="{CA16844A-366F-47C4-B77D-42DFAB3943AB}" type="datetimeFigureOut">
               <a:rPr lang="en-US" smtClean="0"/>
-              <a:t>3/22/2025</a:t>
+              <a:t>3/25/2025</a:t>
             </a:fld>
             <a:endParaRPr lang="en-US"/>
           </a:p>
@@ -4623,7 +5386,7 @@
           <a:p>
             <a:fld id="{CA16844A-366F-47C4-B77D-42DFAB3943AB}" type="datetimeFigureOut">
               <a:rPr lang="en-US" smtClean="0"/>
-              <a:t>3/22/2025</a:t>
+              <a:t>3/25/2025</a:t>
             </a:fld>
             <a:endParaRPr lang="en-US"/>
           </a:p>
@@ -4831,7 +5594,7 @@
           <a:p>
             <a:fld id="{CA16844A-366F-47C4-B77D-42DFAB3943AB}" type="datetimeFigureOut">
               <a:rPr lang="en-US" smtClean="0"/>
-              <a:t>3/22/2025</a:t>
+              <a:t>3/25/2025</a:t>
             </a:fld>
             <a:endParaRPr lang="en-US"/>
           </a:p>
@@ -5029,7 +5792,7 @@
           <a:p>
             <a:fld id="{CA16844A-366F-47C4-B77D-42DFAB3943AB}" type="datetimeFigureOut">
               <a:rPr lang="en-US" smtClean="0"/>
-              <a:t>3/22/2025</a:t>
+              <a:t>3/25/2025</a:t>
             </a:fld>
             <a:endParaRPr lang="en-US"/>
           </a:p>
@@ -5304,7 +6067,7 @@
           <a:p>
             <a:fld id="{CA16844A-366F-47C4-B77D-42DFAB3943AB}" type="datetimeFigureOut">
               <a:rPr lang="en-US" smtClean="0"/>
-              <a:t>3/22/2025</a:t>
+              <a:t>3/25/2025</a:t>
             </a:fld>
             <a:endParaRPr lang="en-US"/>
           </a:p>
@@ -5569,7 +6332,7 @@
           <a:p>
             <a:fld id="{CA16844A-366F-47C4-B77D-42DFAB3943AB}" type="datetimeFigureOut">
               <a:rPr lang="en-US" smtClean="0"/>
-              <a:t>3/22/2025</a:t>
+              <a:t>3/25/2025</a:t>
             </a:fld>
             <a:endParaRPr lang="en-US"/>
           </a:p>
@@ -5981,7 +6744,7 @@
           <a:p>
             <a:fld id="{CA16844A-366F-47C4-B77D-42DFAB3943AB}" type="datetimeFigureOut">
               <a:rPr lang="en-US" smtClean="0"/>
-              <a:t>3/22/2025</a:t>
+              <a:t>3/25/2025</a:t>
             </a:fld>
             <a:endParaRPr lang="en-US"/>
           </a:p>
@@ -6122,7 +6885,7 @@
           <a:p>
             <a:fld id="{CA16844A-366F-47C4-B77D-42DFAB3943AB}" type="datetimeFigureOut">
               <a:rPr lang="en-US" smtClean="0"/>
-              <a:t>3/22/2025</a:t>
+              <a:t>3/25/2025</a:t>
             </a:fld>
             <a:endParaRPr lang="en-US"/>
           </a:p>
@@ -6235,7 +6998,7 @@
           <a:p>
             <a:fld id="{CA16844A-366F-47C4-B77D-42DFAB3943AB}" type="datetimeFigureOut">
               <a:rPr lang="en-US" smtClean="0"/>
-              <a:t>3/22/2025</a:t>
+              <a:t>3/25/2025</a:t>
             </a:fld>
             <a:endParaRPr lang="en-US"/>
           </a:p>
@@ -6546,7 +7309,7 @@
           <a:p>
             <a:fld id="{CA16844A-366F-47C4-B77D-42DFAB3943AB}" type="datetimeFigureOut">
               <a:rPr lang="en-US" smtClean="0"/>
-              <a:t>3/22/2025</a:t>
+              <a:t>3/25/2025</a:t>
             </a:fld>
             <a:endParaRPr lang="en-US"/>
           </a:p>
@@ -6834,7 +7597,7 @@
           <a:p>
             <a:fld id="{CA16844A-366F-47C4-B77D-42DFAB3943AB}" type="datetimeFigureOut">
               <a:rPr lang="en-US" smtClean="0"/>
-              <a:t>3/22/2025</a:t>
+              <a:t>3/25/2025</a:t>
             </a:fld>
             <a:endParaRPr lang="en-US"/>
           </a:p>
@@ -7075,7 +7838,7 @@
           <a:p>
             <a:fld id="{CA16844A-366F-47C4-B77D-42DFAB3943AB}" type="datetimeFigureOut">
               <a:rPr lang="en-US" smtClean="0"/>
-              <a:t>3/22/2025</a:t>
+              <a:t>3/25/2025</a:t>
             </a:fld>
             <a:endParaRPr lang="en-US"/>
           </a:p>
@@ -8554,889 +9317,6 @@
         <p:cNvPr id="1" name="">
           <a:extLst>
             <a:ext uri="{FF2B5EF4-FFF2-40B4-BE49-F238E27FC236}">
-              <a16:creationId xmlns:a16="http://schemas.microsoft.com/office/drawing/2014/main" id="{18DB8947-102F-7EC8-82D7-79BC18DFA797}"/>
-            </a:ext>
-          </a:extLst>
-        </p:cNvPr>
-        <p:cNvGrpSpPr/>
-        <p:nvPr/>
-      </p:nvGrpSpPr>
-      <p:grpSpPr>
-        <a:xfrm>
-          <a:off x="0" y="0"/>
-          <a:ext cx="0" cy="0"/>
-          <a:chOff x="0" y="0"/>
-          <a:chExt cx="0" cy="0"/>
-        </a:xfrm>
-      </p:grpSpPr>
-      <p:sp>
-        <p:nvSpPr>
-          <p:cNvPr id="3" name="TextBox 2">
-            <a:extLst>
-              <a:ext uri="{FF2B5EF4-FFF2-40B4-BE49-F238E27FC236}">
-                <a16:creationId xmlns:a16="http://schemas.microsoft.com/office/drawing/2014/main" id="{29E31AE3-E3EA-C8B8-34F4-1E3E37C39CD7}"/>
-              </a:ext>
-            </a:extLst>
-          </p:cNvPr>
-          <p:cNvSpPr txBox="1"/>
-          <p:nvPr/>
-        </p:nvSpPr>
-        <p:spPr>
-          <a:xfrm rot="10800000" flipV="1">
-            <a:off x="199053" y="292171"/>
-            <a:ext cx="11793893" cy="5093702"/>
-          </a:xfrm>
-          <a:prstGeom prst="rect">
-            <a:avLst/>
-          </a:prstGeom>
-          <a:noFill/>
-        </p:spPr>
-        <p:txBody>
-          <a:bodyPr wrap="square">
-            <a:spAutoFit/>
-          </a:bodyPr>
-          <a:lstStyle/>
-          <a:p>
-            <a:pPr marL="285750" marR="0" lvl="0" indent="-285750" algn="l" defTabSz="914400" rtl="0" eaLnBrk="0" fontAlgn="base" latinLnBrk="0" hangingPunct="0">
-              <a:lnSpc>
-                <a:spcPct val="100000"/>
-              </a:lnSpc>
-              <a:spcBef>
-                <a:spcPct val="0"/>
-              </a:spcBef>
-              <a:spcAft>
-                <a:spcPct val="0"/>
-              </a:spcAft>
-              <a:buClrTx/>
-              <a:buSzTx/>
-              <a:buFont typeface="Arial" panose="020B0604020202020204" pitchFamily="34" charset="0"/>
-              <a:buChar char="•"/>
-              <a:tabLst/>
-            </a:pPr>
-            <a:r>
-              <a:rPr kumimoji="0" lang="en-US" altLang="en-US" sz="1300" b="1" i="0" u="none" strike="noStrike" cap="none" normalizeH="0" baseline="0">
-                <a:ln>
-                  <a:noFill/>
-                </a:ln>
-                <a:solidFill>
-                  <a:schemeClr val="tx1"/>
-                </a:solidFill>
-                <a:effectLst/>
-                <a:latin typeface="Arial" panose="020B0604020202020204" pitchFamily="34" charset="0"/>
-              </a:rPr>
-              <a:t>User Scenario (İstifadəçi Ssenarisi)</a:t>
-            </a:r>
-            <a:br>
-              <a:rPr kumimoji="0" lang="en-US" altLang="en-US" sz="1300" b="0" i="0" u="none" strike="noStrike" cap="none" normalizeH="0" baseline="0">
-                <a:ln>
-                  <a:noFill/>
-                </a:ln>
-                <a:solidFill>
-                  <a:schemeClr val="tx1"/>
-                </a:solidFill>
-                <a:effectLst/>
-                <a:latin typeface="Arial" panose="020B0604020202020204" pitchFamily="34" charset="0"/>
-              </a:rPr>
-            </a:br>
-            <a:r>
-              <a:rPr kumimoji="0" lang="en-US" altLang="en-US" sz="1300" b="0" i="0" u="none" strike="noStrike" cap="none" normalizeH="0" baseline="0">
-                <a:ln>
-                  <a:noFill/>
-                </a:ln>
-                <a:solidFill>
-                  <a:schemeClr val="tx1"/>
-                </a:solidFill>
-                <a:effectLst/>
-                <a:latin typeface="Arial" panose="020B0604020202020204" pitchFamily="34" charset="0"/>
-              </a:rPr>
-              <a:t>İstifadəçinin məqsədinə çatmaq üçün izlədiyi addımların ardıcıllığıdır. Məsələn, bir sənəd yazmaq və onu çap etmək.</a:t>
-            </a:r>
-            <a:endParaRPr kumimoji="0" lang="az-Latn-AZ" altLang="en-US" sz="1300" b="0" i="0" u="none" strike="noStrike" cap="none" normalizeH="0" baseline="0">
-              <a:ln>
-                <a:noFill/>
-              </a:ln>
-              <a:solidFill>
-                <a:schemeClr val="tx1"/>
-              </a:solidFill>
-              <a:effectLst/>
-              <a:latin typeface="Arial" panose="020B0604020202020204" pitchFamily="34" charset="0"/>
-            </a:endParaRPr>
-          </a:p>
-          <a:p>
-            <a:pPr marL="0" marR="0" lvl="0" indent="0" algn="l" defTabSz="914400" rtl="0" eaLnBrk="0" fontAlgn="base" latinLnBrk="0" hangingPunct="0">
-              <a:lnSpc>
-                <a:spcPct val="100000"/>
-              </a:lnSpc>
-              <a:spcBef>
-                <a:spcPct val="0"/>
-              </a:spcBef>
-              <a:spcAft>
-                <a:spcPct val="0"/>
-              </a:spcAft>
-              <a:buClrTx/>
-              <a:buSzTx/>
-              <a:buFontTx/>
-              <a:buChar char="•"/>
-              <a:tabLst/>
-            </a:pPr>
-            <a:endParaRPr kumimoji="0" lang="en-US" altLang="en-US" sz="1300" b="0" i="0" u="none" strike="noStrike" cap="none" normalizeH="0" baseline="0">
-              <a:ln>
-                <a:noFill/>
-              </a:ln>
-              <a:solidFill>
-                <a:schemeClr val="tx1"/>
-              </a:solidFill>
-              <a:effectLst/>
-              <a:latin typeface="Arial" panose="020B0604020202020204" pitchFamily="34" charset="0"/>
-            </a:endParaRPr>
-          </a:p>
-          <a:p>
-            <a:pPr marL="285750" marR="0" lvl="0" indent="-285750" algn="l" defTabSz="914400" rtl="0" eaLnBrk="0" fontAlgn="base" latinLnBrk="0" hangingPunct="0">
-              <a:lnSpc>
-                <a:spcPct val="100000"/>
-              </a:lnSpc>
-              <a:spcBef>
-                <a:spcPct val="0"/>
-              </a:spcBef>
-              <a:spcAft>
-                <a:spcPct val="0"/>
-              </a:spcAft>
-              <a:buClrTx/>
-              <a:buSzTx/>
-              <a:buFont typeface="Arial" panose="020B0604020202020204" pitchFamily="34" charset="0"/>
-              <a:buChar char="•"/>
-              <a:tabLst/>
-            </a:pPr>
-            <a:r>
-              <a:rPr kumimoji="0" lang="en-US" altLang="en-US" sz="1300" b="1" i="0" u="none" strike="noStrike" cap="none" normalizeH="0" baseline="0">
-                <a:ln>
-                  <a:noFill/>
-                </a:ln>
-                <a:solidFill>
-                  <a:schemeClr val="tx1"/>
-                </a:solidFill>
-                <a:effectLst/>
-                <a:latin typeface="Arial" panose="020B0604020202020204" pitchFamily="34" charset="0"/>
-              </a:rPr>
-              <a:t>Test Scenario (Test Ssenarisi)</a:t>
-            </a:r>
-            <a:br>
-              <a:rPr kumimoji="0" lang="en-US" altLang="en-US" sz="1300" b="0" i="0" u="none" strike="noStrike" cap="none" normalizeH="0" baseline="0">
-                <a:ln>
-                  <a:noFill/>
-                </a:ln>
-                <a:solidFill>
-                  <a:schemeClr val="tx1"/>
-                </a:solidFill>
-                <a:effectLst/>
-                <a:latin typeface="Arial" panose="020B0604020202020204" pitchFamily="34" charset="0"/>
-              </a:rPr>
-            </a:br>
-            <a:r>
-              <a:rPr kumimoji="0" lang="en-US" altLang="en-US" sz="1300" b="0" i="0" u="none" strike="noStrike" cap="none" normalizeH="0" baseline="0">
-                <a:ln>
-                  <a:noFill/>
-                </a:ln>
-                <a:solidFill>
-                  <a:schemeClr val="tx1"/>
-                </a:solidFill>
-                <a:effectLst/>
-                <a:latin typeface="Arial" panose="020B0604020202020204" pitchFamily="34" charset="0"/>
-              </a:rPr>
-              <a:t>Testin necə keçirilməsi ilə bağlı addım-addım təlimatları göstərən sənəddir. Məsələn, bir funksiyanın işləyib-işləmədiyini yoxlamaq üçün hansı əməliyyatların yerinə yetirilməsi lazım olduğunu izah edir.</a:t>
-            </a:r>
-            <a:endParaRPr kumimoji="0" lang="az-Latn-AZ" altLang="en-US" sz="1300" b="0" i="0" u="none" strike="noStrike" cap="none" normalizeH="0" baseline="0">
-              <a:ln>
-                <a:noFill/>
-              </a:ln>
-              <a:solidFill>
-                <a:schemeClr val="tx1"/>
-              </a:solidFill>
-              <a:effectLst/>
-              <a:latin typeface="Arial" panose="020B0604020202020204" pitchFamily="34" charset="0"/>
-            </a:endParaRPr>
-          </a:p>
-          <a:p>
-            <a:pPr marL="0" marR="0" lvl="0" indent="0" algn="l" defTabSz="914400" rtl="0" eaLnBrk="0" fontAlgn="base" latinLnBrk="0" hangingPunct="0">
-              <a:lnSpc>
-                <a:spcPct val="100000"/>
-              </a:lnSpc>
-              <a:spcBef>
-                <a:spcPct val="0"/>
-              </a:spcBef>
-              <a:spcAft>
-                <a:spcPct val="0"/>
-              </a:spcAft>
-              <a:buClrTx/>
-              <a:buSzTx/>
-              <a:buFontTx/>
-              <a:buChar char="•"/>
-              <a:tabLst/>
-            </a:pPr>
-            <a:endParaRPr kumimoji="0" lang="en-US" altLang="en-US" sz="1300" b="0" i="0" u="none" strike="noStrike" cap="none" normalizeH="0" baseline="0">
-              <a:ln>
-                <a:noFill/>
-              </a:ln>
-              <a:solidFill>
-                <a:schemeClr val="tx1"/>
-              </a:solidFill>
-              <a:effectLst/>
-              <a:latin typeface="Arial" panose="020B0604020202020204" pitchFamily="34" charset="0"/>
-            </a:endParaRPr>
-          </a:p>
-          <a:p>
-            <a:pPr marL="285750" marR="0" lvl="0" indent="-285750" algn="l" defTabSz="914400" rtl="0" eaLnBrk="0" fontAlgn="base" latinLnBrk="0" hangingPunct="0">
-              <a:lnSpc>
-                <a:spcPct val="100000"/>
-              </a:lnSpc>
-              <a:spcBef>
-                <a:spcPct val="0"/>
-              </a:spcBef>
-              <a:spcAft>
-                <a:spcPct val="0"/>
-              </a:spcAft>
-              <a:buClrTx/>
-              <a:buSzTx/>
-              <a:buFont typeface="Arial" panose="020B0604020202020204" pitchFamily="34" charset="0"/>
-              <a:buChar char="•"/>
-              <a:tabLst/>
-            </a:pPr>
-            <a:r>
-              <a:rPr kumimoji="0" lang="en-US" altLang="en-US" sz="1300" b="1" i="0" u="none" strike="noStrike" cap="none" normalizeH="0" baseline="0">
-                <a:ln>
-                  <a:noFill/>
-                </a:ln>
-                <a:solidFill>
-                  <a:schemeClr val="tx1"/>
-                </a:solidFill>
-                <a:effectLst/>
-                <a:latin typeface="Arial" panose="020B0604020202020204" pitchFamily="34" charset="0"/>
-              </a:rPr>
-              <a:t>Test Suite (Test Qutusu)</a:t>
-            </a:r>
-            <a:br>
-              <a:rPr kumimoji="0" lang="en-US" altLang="en-US" sz="1300" b="0" i="0" u="none" strike="noStrike" cap="none" normalizeH="0" baseline="0">
-                <a:ln>
-                  <a:noFill/>
-                </a:ln>
-                <a:solidFill>
-                  <a:schemeClr val="tx1"/>
-                </a:solidFill>
-                <a:effectLst/>
-                <a:latin typeface="Arial" panose="020B0604020202020204" pitchFamily="34" charset="0"/>
-              </a:rPr>
-            </a:br>
-            <a:r>
-              <a:rPr kumimoji="0" lang="en-US" altLang="en-US" sz="1300" b="0" i="0" u="none" strike="noStrike" cap="none" normalizeH="0" baseline="0">
-                <a:ln>
-                  <a:noFill/>
-                </a:ln>
-                <a:solidFill>
-                  <a:schemeClr val="tx1"/>
-                </a:solidFill>
-                <a:effectLst/>
-                <a:latin typeface="Arial" panose="020B0604020202020204" pitchFamily="34" charset="0"/>
-              </a:rPr>
-              <a:t>Bir neçə test ssenarisindən və ya test halından ibarət olan bir yığımdır. Testlər bir yerdə icra olunur.</a:t>
-            </a:r>
-            <a:endParaRPr kumimoji="0" lang="az-Latn-AZ" altLang="en-US" sz="1300" b="0" i="0" u="none" strike="noStrike" cap="none" normalizeH="0" baseline="0">
-              <a:ln>
-                <a:noFill/>
-              </a:ln>
-              <a:solidFill>
-                <a:schemeClr val="tx1"/>
-              </a:solidFill>
-              <a:effectLst/>
-              <a:latin typeface="Arial" panose="020B0604020202020204" pitchFamily="34" charset="0"/>
-            </a:endParaRPr>
-          </a:p>
-          <a:p>
-            <a:pPr marL="0" marR="0" lvl="0" indent="0" algn="l" defTabSz="914400" rtl="0" eaLnBrk="0" fontAlgn="base" latinLnBrk="0" hangingPunct="0">
-              <a:lnSpc>
-                <a:spcPct val="100000"/>
-              </a:lnSpc>
-              <a:spcBef>
-                <a:spcPct val="0"/>
-              </a:spcBef>
-              <a:spcAft>
-                <a:spcPct val="0"/>
-              </a:spcAft>
-              <a:buClrTx/>
-              <a:buSzTx/>
-              <a:buFontTx/>
-              <a:buChar char="•"/>
-              <a:tabLst/>
-            </a:pPr>
-            <a:endParaRPr kumimoji="0" lang="en-US" altLang="en-US" sz="1300" b="0" i="0" u="none" strike="noStrike" cap="none" normalizeH="0" baseline="0">
-              <a:ln>
-                <a:noFill/>
-              </a:ln>
-              <a:solidFill>
-                <a:schemeClr val="tx1"/>
-              </a:solidFill>
-              <a:effectLst/>
-              <a:latin typeface="Arial" panose="020B0604020202020204" pitchFamily="34" charset="0"/>
-            </a:endParaRPr>
-          </a:p>
-          <a:p>
-            <a:pPr marL="285750" marR="0" lvl="0" indent="-285750" algn="l" defTabSz="914400" rtl="0" eaLnBrk="0" fontAlgn="base" latinLnBrk="0" hangingPunct="0">
-              <a:lnSpc>
-                <a:spcPct val="100000"/>
-              </a:lnSpc>
-              <a:spcBef>
-                <a:spcPct val="0"/>
-              </a:spcBef>
-              <a:spcAft>
-                <a:spcPct val="0"/>
-              </a:spcAft>
-              <a:buClrTx/>
-              <a:buSzTx/>
-              <a:buFont typeface="Arial" panose="020B0604020202020204" pitchFamily="34" charset="0"/>
-              <a:buChar char="•"/>
-              <a:tabLst/>
-            </a:pPr>
-            <a:r>
-              <a:rPr kumimoji="0" lang="en-US" altLang="en-US" sz="1300" b="1" i="0" u="none" strike="noStrike" cap="none" normalizeH="0" baseline="0">
-                <a:ln>
-                  <a:noFill/>
-                </a:ln>
-                <a:solidFill>
-                  <a:schemeClr val="tx1"/>
-                </a:solidFill>
-                <a:effectLst/>
-                <a:latin typeface="Arial" panose="020B0604020202020204" pitchFamily="34" charset="0"/>
-              </a:rPr>
-              <a:t>Test Case (Test Halı)</a:t>
-            </a:r>
-            <a:br>
-              <a:rPr kumimoji="0" lang="en-US" altLang="en-US" sz="1300" b="0" i="0" u="none" strike="noStrike" cap="none" normalizeH="0" baseline="0">
-                <a:ln>
-                  <a:noFill/>
-                </a:ln>
-                <a:solidFill>
-                  <a:schemeClr val="tx1"/>
-                </a:solidFill>
-                <a:effectLst/>
-                <a:latin typeface="Arial" panose="020B0604020202020204" pitchFamily="34" charset="0"/>
-              </a:rPr>
-            </a:br>
-            <a:r>
-              <a:rPr kumimoji="0" lang="en-US" altLang="en-US" sz="1300" b="0" i="0" u="none" strike="noStrike" cap="none" normalizeH="0" baseline="0">
-                <a:ln>
-                  <a:noFill/>
-                </a:ln>
-                <a:solidFill>
-                  <a:schemeClr val="tx1"/>
-                </a:solidFill>
-                <a:effectLst/>
-                <a:latin typeface="Arial" panose="020B0604020202020204" pitchFamily="34" charset="0"/>
-              </a:rPr>
-              <a:t>Məqsədli bir testin nə zaman və necə keçirilməsini göstərən sənəddir. Məsələn, bir düymənin düzgün işləməsi üçün hansı addımların atılması və nə nəticə gözlənildiyini təsvir edir.</a:t>
-            </a:r>
-            <a:endParaRPr kumimoji="0" lang="az-Latn-AZ" altLang="en-US" sz="1300" b="0" i="0" u="none" strike="noStrike" cap="none" normalizeH="0" baseline="0">
-              <a:ln>
-                <a:noFill/>
-              </a:ln>
-              <a:solidFill>
-                <a:schemeClr val="tx1"/>
-              </a:solidFill>
-              <a:effectLst/>
-              <a:latin typeface="Arial" panose="020B0604020202020204" pitchFamily="34" charset="0"/>
-            </a:endParaRPr>
-          </a:p>
-          <a:p>
-            <a:pPr marL="0" marR="0" lvl="0" indent="0" algn="l" defTabSz="914400" rtl="0" eaLnBrk="0" fontAlgn="base" latinLnBrk="0" hangingPunct="0">
-              <a:lnSpc>
-                <a:spcPct val="100000"/>
-              </a:lnSpc>
-              <a:spcBef>
-                <a:spcPct val="0"/>
-              </a:spcBef>
-              <a:spcAft>
-                <a:spcPct val="0"/>
-              </a:spcAft>
-              <a:buClrTx/>
-              <a:buSzTx/>
-              <a:buFontTx/>
-              <a:buChar char="•"/>
-              <a:tabLst/>
-            </a:pPr>
-            <a:endParaRPr kumimoji="0" lang="en-US" altLang="en-US" sz="1300" b="0" i="0" u="none" strike="noStrike" cap="none" normalizeH="0" baseline="0">
-              <a:ln>
-                <a:noFill/>
-              </a:ln>
-              <a:solidFill>
-                <a:schemeClr val="tx1"/>
-              </a:solidFill>
-              <a:effectLst/>
-              <a:latin typeface="Arial" panose="020B0604020202020204" pitchFamily="34" charset="0"/>
-            </a:endParaRPr>
-          </a:p>
-          <a:p>
-            <a:pPr marL="285750" marR="0" lvl="0" indent="-285750" algn="l" defTabSz="914400" rtl="0" eaLnBrk="0" fontAlgn="base" latinLnBrk="0" hangingPunct="0">
-              <a:lnSpc>
-                <a:spcPct val="100000"/>
-              </a:lnSpc>
-              <a:spcBef>
-                <a:spcPct val="0"/>
-              </a:spcBef>
-              <a:spcAft>
-                <a:spcPct val="0"/>
-              </a:spcAft>
-              <a:buClrTx/>
-              <a:buSzTx/>
-              <a:buFont typeface="Arial" panose="020B0604020202020204" pitchFamily="34" charset="0"/>
-              <a:buChar char="•"/>
-              <a:tabLst/>
-            </a:pPr>
-            <a:r>
-              <a:rPr kumimoji="0" lang="en-US" altLang="en-US" sz="1300" b="1" i="0" u="none" strike="noStrike" cap="none" normalizeH="0" baseline="0">
-                <a:ln>
-                  <a:noFill/>
-                </a:ln>
-                <a:solidFill>
-                  <a:schemeClr val="tx1"/>
-                </a:solidFill>
-                <a:effectLst/>
-                <a:latin typeface="Arial" panose="020B0604020202020204" pitchFamily="34" charset="0"/>
-              </a:rPr>
-              <a:t>Check-list (Çek-List)</a:t>
-            </a:r>
-            <a:br>
-              <a:rPr kumimoji="0" lang="en-US" altLang="en-US" sz="1300" b="0" i="0" u="none" strike="noStrike" cap="none" normalizeH="0" baseline="0">
-                <a:ln>
-                  <a:noFill/>
-                </a:ln>
-                <a:solidFill>
-                  <a:schemeClr val="tx1"/>
-                </a:solidFill>
-                <a:effectLst/>
-                <a:latin typeface="Arial" panose="020B0604020202020204" pitchFamily="34" charset="0"/>
-              </a:rPr>
-            </a:br>
-            <a:r>
-              <a:rPr kumimoji="0" lang="en-US" altLang="en-US" sz="1300" b="0" i="0" u="none" strike="noStrike" cap="none" normalizeH="0" baseline="0">
-                <a:ln>
-                  <a:noFill/>
-                </a:ln>
-                <a:solidFill>
-                  <a:schemeClr val="tx1"/>
-                </a:solidFill>
-                <a:effectLst/>
-                <a:latin typeface="Arial" panose="020B0604020202020204" pitchFamily="34" charset="0"/>
-              </a:rPr>
-              <a:t>Təkrarlanan yoxlamalar üçün sadə siyahıdır. Məsələn, bir proqramın hər dəfə düzgün işləyib-işləmədiyini yoxlamaq üçün istifadə olunur.</a:t>
-            </a:r>
-            <a:endParaRPr kumimoji="0" lang="az-Latn-AZ" altLang="en-US" sz="1300" b="0" i="0" u="none" strike="noStrike" cap="none" normalizeH="0" baseline="0">
-              <a:ln>
-                <a:noFill/>
-              </a:ln>
-              <a:solidFill>
-                <a:schemeClr val="tx1"/>
-              </a:solidFill>
-              <a:effectLst/>
-              <a:latin typeface="Arial" panose="020B0604020202020204" pitchFamily="34" charset="0"/>
-            </a:endParaRPr>
-          </a:p>
-          <a:p>
-            <a:pPr marL="0" marR="0" lvl="0" indent="0" algn="l" defTabSz="914400" rtl="0" eaLnBrk="0" fontAlgn="base" latinLnBrk="0" hangingPunct="0">
-              <a:lnSpc>
-                <a:spcPct val="100000"/>
-              </a:lnSpc>
-              <a:spcBef>
-                <a:spcPct val="0"/>
-              </a:spcBef>
-              <a:spcAft>
-                <a:spcPct val="0"/>
-              </a:spcAft>
-              <a:buClrTx/>
-              <a:buSzTx/>
-              <a:buFontTx/>
-              <a:buChar char="•"/>
-              <a:tabLst/>
-            </a:pPr>
-            <a:endParaRPr kumimoji="0" lang="en-US" altLang="en-US" sz="1300" b="0" i="0" u="none" strike="noStrike" cap="none" normalizeH="0" baseline="0">
-              <a:ln>
-                <a:noFill/>
-              </a:ln>
-              <a:solidFill>
-                <a:schemeClr val="tx1"/>
-              </a:solidFill>
-              <a:effectLst/>
-              <a:latin typeface="Arial" panose="020B0604020202020204" pitchFamily="34" charset="0"/>
-            </a:endParaRPr>
-          </a:p>
-          <a:p>
-            <a:pPr marL="285750" marR="0" lvl="0" indent="-285750" algn="l" defTabSz="914400" rtl="0" eaLnBrk="0" fontAlgn="base" latinLnBrk="0" hangingPunct="0">
-              <a:lnSpc>
-                <a:spcPct val="100000"/>
-              </a:lnSpc>
-              <a:spcBef>
-                <a:spcPct val="0"/>
-              </a:spcBef>
-              <a:spcAft>
-                <a:spcPct val="0"/>
-              </a:spcAft>
-              <a:buClrTx/>
-              <a:buSzTx/>
-              <a:buFont typeface="Arial" panose="020B0604020202020204" pitchFamily="34" charset="0"/>
-              <a:buChar char="•"/>
-              <a:tabLst/>
-            </a:pPr>
-            <a:r>
-              <a:rPr kumimoji="0" lang="en-US" altLang="en-US" sz="1300" b="1" i="0" u="none" strike="noStrike" cap="none" normalizeH="0" baseline="0">
-                <a:ln>
-                  <a:noFill/>
-                </a:ln>
-                <a:solidFill>
-                  <a:schemeClr val="tx1"/>
-                </a:solidFill>
-                <a:effectLst/>
-                <a:latin typeface="Arial" panose="020B0604020202020204" pitchFamily="34" charset="0"/>
-              </a:rPr>
-              <a:t>Test Run Status (Test Yoxlanma Statusu)</a:t>
-            </a:r>
-            <a:br>
-              <a:rPr kumimoji="0" lang="en-US" altLang="en-US" sz="1300" b="0" i="0" u="none" strike="noStrike" cap="none" normalizeH="0" baseline="0">
-                <a:ln>
-                  <a:noFill/>
-                </a:ln>
-                <a:solidFill>
-                  <a:schemeClr val="tx1"/>
-                </a:solidFill>
-                <a:effectLst/>
-                <a:latin typeface="Arial" panose="020B0604020202020204" pitchFamily="34" charset="0"/>
-              </a:rPr>
-            </a:br>
-            <a:r>
-              <a:rPr kumimoji="0" lang="en-US" altLang="en-US" sz="1300" b="0" i="0" u="none" strike="noStrike" cap="none" normalizeH="0" baseline="0">
-                <a:ln>
-                  <a:noFill/>
-                </a:ln>
-                <a:solidFill>
-                  <a:schemeClr val="tx1"/>
-                </a:solidFill>
-                <a:effectLst/>
-                <a:latin typeface="Arial" panose="020B0604020202020204" pitchFamily="34" charset="0"/>
-              </a:rPr>
-              <a:t>Testin nəticəsidir. Məsələn, </a:t>
-            </a:r>
-            <a:r>
-              <a:rPr kumimoji="0" lang="en-US" altLang="en-US" sz="1300" b="1" i="0" u="none" strike="noStrike" cap="none" normalizeH="0" baseline="0">
-                <a:ln>
-                  <a:noFill/>
-                </a:ln>
-                <a:solidFill>
-                  <a:schemeClr val="tx1"/>
-                </a:solidFill>
-                <a:effectLst/>
-                <a:latin typeface="Arial" panose="020B0604020202020204" pitchFamily="34" charset="0"/>
-              </a:rPr>
-              <a:t>keçildi</a:t>
-            </a:r>
-            <a:r>
-              <a:rPr kumimoji="0" lang="en-US" altLang="en-US" sz="1300" b="0" i="0" u="none" strike="noStrike" cap="none" normalizeH="0" baseline="0">
-                <a:ln>
-                  <a:noFill/>
-                </a:ln>
-                <a:solidFill>
-                  <a:schemeClr val="tx1"/>
-                </a:solidFill>
-                <a:effectLst/>
-                <a:latin typeface="Arial" panose="020B0604020202020204" pitchFamily="34" charset="0"/>
-              </a:rPr>
-              <a:t> (passed), </a:t>
-            </a:r>
-            <a:r>
-              <a:rPr kumimoji="0" lang="en-US" altLang="en-US" sz="1300" b="1" i="0" u="none" strike="noStrike" cap="none" normalizeH="0" baseline="0">
-                <a:ln>
-                  <a:noFill/>
-                </a:ln>
-                <a:solidFill>
-                  <a:schemeClr val="tx1"/>
-                </a:solidFill>
-                <a:effectLst/>
-                <a:latin typeface="Arial" panose="020B0604020202020204" pitchFamily="34" charset="0"/>
-              </a:rPr>
-              <a:t>uğursuz oldu</a:t>
-            </a:r>
-            <a:r>
-              <a:rPr kumimoji="0" lang="en-US" altLang="en-US" sz="1300" b="0" i="0" u="none" strike="noStrike" cap="none" normalizeH="0" baseline="0">
-                <a:ln>
-                  <a:noFill/>
-                </a:ln>
-                <a:solidFill>
-                  <a:schemeClr val="tx1"/>
-                </a:solidFill>
-                <a:effectLst/>
-                <a:latin typeface="Arial" panose="020B0604020202020204" pitchFamily="34" charset="0"/>
-              </a:rPr>
-              <a:t> (failed), </a:t>
-            </a:r>
-            <a:r>
-              <a:rPr kumimoji="0" lang="en-US" altLang="en-US" sz="1300" b="1" i="0" u="none" strike="noStrike" cap="none" normalizeH="0" baseline="0">
-                <a:ln>
-                  <a:noFill/>
-                </a:ln>
-                <a:solidFill>
-                  <a:schemeClr val="tx1"/>
-                </a:solidFill>
-                <a:effectLst/>
-                <a:latin typeface="Arial" panose="020B0604020202020204" pitchFamily="34" charset="0"/>
-              </a:rPr>
-              <a:t>keçilmədi</a:t>
-            </a:r>
-            <a:r>
-              <a:rPr kumimoji="0" lang="en-US" altLang="en-US" sz="1300" b="0" i="0" u="none" strike="noStrike" cap="none" normalizeH="0" baseline="0">
-                <a:ln>
-                  <a:noFill/>
-                </a:ln>
-                <a:solidFill>
-                  <a:schemeClr val="tx1"/>
-                </a:solidFill>
-                <a:effectLst/>
-                <a:latin typeface="Arial" panose="020B0604020202020204" pitchFamily="34" charset="0"/>
-              </a:rPr>
-              <a:t> (skipped) kimi nəticələri göstərir.</a:t>
-            </a:r>
-            <a:endParaRPr kumimoji="0" lang="az-Latn-AZ" altLang="en-US" sz="1300" b="0" i="0" u="none" strike="noStrike" cap="none" normalizeH="0" baseline="0">
-              <a:ln>
-                <a:noFill/>
-              </a:ln>
-              <a:solidFill>
-                <a:schemeClr val="tx1"/>
-              </a:solidFill>
-              <a:effectLst/>
-              <a:latin typeface="Arial" panose="020B0604020202020204" pitchFamily="34" charset="0"/>
-            </a:endParaRPr>
-          </a:p>
-          <a:p>
-            <a:pPr marL="0" marR="0" lvl="0" indent="0" algn="l" defTabSz="914400" rtl="0" eaLnBrk="0" fontAlgn="base" latinLnBrk="0" hangingPunct="0">
-              <a:lnSpc>
-                <a:spcPct val="100000"/>
-              </a:lnSpc>
-              <a:spcBef>
-                <a:spcPct val="0"/>
-              </a:spcBef>
-              <a:spcAft>
-                <a:spcPct val="0"/>
-              </a:spcAft>
-              <a:buClrTx/>
-              <a:buSzTx/>
-              <a:buFontTx/>
-              <a:buChar char="•"/>
-              <a:tabLst/>
-            </a:pPr>
-            <a:endParaRPr kumimoji="0" lang="en-US" altLang="en-US" sz="1300" b="0" i="0" u="none" strike="noStrike" cap="none" normalizeH="0" baseline="0">
-              <a:ln>
-                <a:noFill/>
-              </a:ln>
-              <a:solidFill>
-                <a:schemeClr val="tx1"/>
-              </a:solidFill>
-              <a:effectLst/>
-              <a:latin typeface="Arial" panose="020B0604020202020204" pitchFamily="34" charset="0"/>
-            </a:endParaRPr>
-          </a:p>
-          <a:p>
-            <a:pPr marL="285750" marR="0" lvl="0" indent="-285750" algn="l" defTabSz="914400" rtl="0" eaLnBrk="0" fontAlgn="base" latinLnBrk="0" hangingPunct="0">
-              <a:lnSpc>
-                <a:spcPct val="100000"/>
-              </a:lnSpc>
-              <a:spcBef>
-                <a:spcPct val="0"/>
-              </a:spcBef>
-              <a:spcAft>
-                <a:spcPct val="0"/>
-              </a:spcAft>
-              <a:buClrTx/>
-              <a:buSzTx/>
-              <a:buFont typeface="Arial" panose="020B0604020202020204" pitchFamily="34" charset="0"/>
-              <a:buChar char="•"/>
-              <a:tabLst/>
-            </a:pPr>
-            <a:r>
-              <a:rPr kumimoji="0" lang="en-US" altLang="en-US" sz="1300" b="1" i="0" u="none" strike="noStrike" cap="none" normalizeH="0" baseline="0">
-                <a:ln>
-                  <a:noFill/>
-                </a:ln>
-                <a:solidFill>
-                  <a:schemeClr val="tx1"/>
-                </a:solidFill>
-                <a:effectLst/>
-                <a:latin typeface="Arial" panose="020B0604020202020204" pitchFamily="34" charset="0"/>
-              </a:rPr>
-              <a:t>Test Case Status (Test Halı Statusu)</a:t>
-            </a:r>
-            <a:br>
-              <a:rPr kumimoji="0" lang="en-US" altLang="en-US" sz="1300" b="0" i="0" u="none" strike="noStrike" cap="none" normalizeH="0" baseline="0">
-                <a:ln>
-                  <a:noFill/>
-                </a:ln>
-                <a:solidFill>
-                  <a:schemeClr val="tx1"/>
-                </a:solidFill>
-                <a:effectLst/>
-                <a:latin typeface="Arial" panose="020B0604020202020204" pitchFamily="34" charset="0"/>
-              </a:rPr>
-            </a:br>
-            <a:r>
-              <a:rPr kumimoji="0" lang="en-US" altLang="en-US" sz="1300" b="0" i="0" u="none" strike="noStrike" cap="none" normalizeH="0" baseline="0">
-                <a:ln>
-                  <a:noFill/>
-                </a:ln>
-                <a:solidFill>
-                  <a:schemeClr val="tx1"/>
-                </a:solidFill>
-                <a:effectLst/>
-                <a:latin typeface="Arial" panose="020B0604020202020204" pitchFamily="34" charset="0"/>
-              </a:rPr>
-              <a:t>Test halının mövcud vəziyyətidir. Məsələn, draft,</a:t>
-            </a:r>
-            <a:r>
-              <a:rPr kumimoji="0" lang="az-Latn-AZ" altLang="en-US" sz="1300" b="0" i="0" u="none" strike="noStrike" cap="none" normalizeH="0" baseline="0">
-                <a:ln>
-                  <a:noFill/>
-                </a:ln>
-                <a:solidFill>
-                  <a:schemeClr val="tx1"/>
-                </a:solidFill>
-                <a:effectLst/>
-                <a:latin typeface="Arial" panose="020B0604020202020204" pitchFamily="34" charset="0"/>
-              </a:rPr>
-              <a:t> </a:t>
-            </a:r>
-            <a:r>
-              <a:rPr kumimoji="0" lang="en-US" altLang="en-US" sz="1300" b="0" i="0" u="none" strike="noStrike" cap="none" normalizeH="0" baseline="0">
-                <a:ln>
-                  <a:noFill/>
-                </a:ln>
-                <a:solidFill>
-                  <a:schemeClr val="tx1"/>
-                </a:solidFill>
-                <a:effectLst/>
-                <a:latin typeface="Arial" panose="020B0604020202020204" pitchFamily="34" charset="0"/>
-              </a:rPr>
-              <a:t>active, outdated kimi halları göstərir.</a:t>
-            </a:r>
-            <a:endParaRPr kumimoji="0" lang="az-Latn-AZ" altLang="en-US" sz="1300" b="0" i="0" u="none" strike="noStrike" cap="none" normalizeH="0" baseline="0">
-              <a:ln>
-                <a:noFill/>
-              </a:ln>
-              <a:solidFill>
-                <a:schemeClr val="tx1"/>
-              </a:solidFill>
-              <a:effectLst/>
-              <a:latin typeface="Arial" panose="020B0604020202020204" pitchFamily="34" charset="0"/>
-            </a:endParaRPr>
-          </a:p>
-          <a:p>
-            <a:pPr marL="0" marR="0" lvl="0" indent="0" algn="l" defTabSz="914400" rtl="0" eaLnBrk="0" fontAlgn="base" latinLnBrk="0" hangingPunct="0">
-              <a:lnSpc>
-                <a:spcPct val="100000"/>
-              </a:lnSpc>
-              <a:spcBef>
-                <a:spcPct val="0"/>
-              </a:spcBef>
-              <a:spcAft>
-                <a:spcPct val="0"/>
-              </a:spcAft>
-              <a:buClrTx/>
-              <a:buSzTx/>
-              <a:buFontTx/>
-              <a:buChar char="•"/>
-              <a:tabLst/>
-            </a:pPr>
-            <a:endParaRPr kumimoji="0" lang="en-US" altLang="en-US" sz="1300" b="0" i="0" u="none" strike="noStrike" cap="none" normalizeH="0" baseline="0">
-              <a:ln>
-                <a:noFill/>
-              </a:ln>
-              <a:solidFill>
-                <a:schemeClr val="tx1"/>
-              </a:solidFill>
-              <a:effectLst/>
-              <a:latin typeface="Arial" panose="020B0604020202020204" pitchFamily="34" charset="0"/>
-            </a:endParaRPr>
-          </a:p>
-          <a:p>
-            <a:pPr marL="285750" marR="0" lvl="0" indent="-285750" algn="l" defTabSz="914400" rtl="0" eaLnBrk="0" fontAlgn="base" latinLnBrk="0" hangingPunct="0">
-              <a:lnSpc>
-                <a:spcPct val="100000"/>
-              </a:lnSpc>
-              <a:spcBef>
-                <a:spcPct val="0"/>
-              </a:spcBef>
-              <a:spcAft>
-                <a:spcPct val="0"/>
-              </a:spcAft>
-              <a:buClrTx/>
-              <a:buSzTx/>
-              <a:buFont typeface="Arial" panose="020B0604020202020204" pitchFamily="34" charset="0"/>
-              <a:buChar char="•"/>
-              <a:tabLst/>
-            </a:pPr>
-            <a:r>
-              <a:rPr kumimoji="0" lang="en-US" altLang="en-US" sz="1300" b="1" i="0" u="none" strike="noStrike" cap="none" normalizeH="0" baseline="0">
-                <a:ln>
-                  <a:noFill/>
-                </a:ln>
-                <a:solidFill>
-                  <a:schemeClr val="tx1"/>
-                </a:solidFill>
-                <a:effectLst/>
-                <a:latin typeface="Arial" panose="020B0604020202020204" pitchFamily="34" charset="0"/>
-              </a:rPr>
-              <a:t>Cheat-sheet (Çit-Şit)</a:t>
-            </a:r>
-            <a:br>
-              <a:rPr kumimoji="0" lang="en-US" altLang="en-US" sz="1300" b="0" i="0" u="none" strike="noStrike" cap="none" normalizeH="0" baseline="0">
-                <a:ln>
-                  <a:noFill/>
-                </a:ln>
-                <a:solidFill>
-                  <a:schemeClr val="tx1"/>
-                </a:solidFill>
-                <a:effectLst/>
-                <a:latin typeface="Arial" panose="020B0604020202020204" pitchFamily="34" charset="0"/>
-              </a:rPr>
-            </a:br>
-            <a:r>
-              <a:rPr kumimoji="0" lang="en-US" altLang="en-US" sz="1300" b="0" i="0" u="none" strike="noStrike" cap="none" normalizeH="0" baseline="0">
-                <a:ln>
-                  <a:noFill/>
-                </a:ln>
-                <a:solidFill>
-                  <a:schemeClr val="tx1"/>
-                </a:solidFill>
-                <a:effectLst/>
-                <a:latin typeface="Arial" panose="020B0604020202020204" pitchFamily="34" charset="0"/>
-              </a:rPr>
-              <a:t>Tez-tez istifadə olunan əmrlər və ya qaydalar üçün qısa və faydalı bələdçi. Məsələn, Git və ya SQL əmrləri üçün tez-tez istifadə olunan siyahı.</a:t>
-            </a:r>
-          </a:p>
-        </p:txBody>
-      </p:sp>
-    </p:spTree>
-    <p:extLst>
-      <p:ext uri="{BB962C8B-B14F-4D97-AF65-F5344CB8AC3E}">
-        <p14:creationId xmlns:p14="http://schemas.microsoft.com/office/powerpoint/2010/main" val="4036954686"/>
-      </p:ext>
-    </p:extLst>
-  </p:cSld>
-  <p:clrMapOvr>
-    <a:masterClrMapping/>
-  </p:clrMapOvr>
-</p:sld>
-</file>
-
-<file path=ppt/slides/slide14.xml><?xml version="1.0" encoding="utf-8"?>
-<p:sld xmlns:a="http://schemas.openxmlformats.org/drawingml/2006/main" xmlns:r="http://schemas.openxmlformats.org/officeDocument/2006/relationships" xmlns:p="http://schemas.openxmlformats.org/presentationml/2006/main">
-  <p:cSld>
-    <p:spTree>
-      <p:nvGrpSpPr>
-        <p:cNvPr id="1" name="">
-          <a:extLst>
-            <a:ext uri="{FF2B5EF4-FFF2-40B4-BE49-F238E27FC236}">
               <a16:creationId xmlns:a16="http://schemas.microsoft.com/office/drawing/2014/main" id="{B9801E1A-8DE2-2CA4-A4C1-0B006A2BF769}"/>
             </a:ext>
           </a:extLst>
@@ -9465,7 +9345,7 @@
 </p:sld>
 </file>
 
-<file path=ppt/slides/slide15.xml><?xml version="1.0" encoding="utf-8"?>
+<file path=ppt/slides/slide14.xml><?xml version="1.0" encoding="utf-8"?>
 <p:sld xmlns:a="http://schemas.openxmlformats.org/drawingml/2006/main" xmlns:r="http://schemas.openxmlformats.org/officeDocument/2006/relationships" xmlns:p="http://schemas.openxmlformats.org/presentationml/2006/main">
   <p:cSld>
     <p:spTree>
@@ -9625,7 +9505,7 @@
 </p:sld>
 </file>
 
-<file path=ppt/slides/slide16.xml><?xml version="1.0" encoding="utf-8"?>
+<file path=ppt/slides/slide15.xml><?xml version="1.0" encoding="utf-8"?>
 <p:sld xmlns:a="http://schemas.openxmlformats.org/drawingml/2006/main" xmlns:r="http://schemas.openxmlformats.org/officeDocument/2006/relationships" xmlns:p="http://schemas.openxmlformats.org/presentationml/2006/main">
   <p:cSld>
     <p:spTree>
@@ -10131,7 +10011,7 @@
 </p:sld>
 </file>
 
-<file path=ppt/slides/slide17.xml><?xml version="1.0" encoding="utf-8"?>
+<file path=ppt/slides/slide16.xml><?xml version="1.0" encoding="utf-8"?>
 <p:sld xmlns:a="http://schemas.openxmlformats.org/drawingml/2006/main" xmlns:r="http://schemas.openxmlformats.org/officeDocument/2006/relationships" xmlns:p="http://schemas.openxmlformats.org/presentationml/2006/main">
   <p:cSld>
     <p:spTree>
@@ -10381,7 +10261,7 @@
 </p:sld>
 </file>
 
-<file path=ppt/slides/slide18.xml><?xml version="1.0" encoding="utf-8"?>
+<file path=ppt/slides/slide17.xml><?xml version="1.0" encoding="utf-8"?>
 <p:sld xmlns:a="http://schemas.openxmlformats.org/drawingml/2006/main" xmlns:r="http://schemas.openxmlformats.org/officeDocument/2006/relationships" xmlns:p="http://schemas.openxmlformats.org/presentationml/2006/main">
   <p:cSld>
     <p:spTree>
@@ -10624,7 +10504,7 @@
 </p:sld>
 </file>
 
-<file path=ppt/slides/slide19.xml><?xml version="1.0" encoding="utf-8"?>
+<file path=ppt/slides/slide18.xml><?xml version="1.0" encoding="utf-8"?>
 <p:sld xmlns:a="http://schemas.openxmlformats.org/drawingml/2006/main" xmlns:r="http://schemas.openxmlformats.org/officeDocument/2006/relationships" xmlns:p="http://schemas.openxmlformats.org/presentationml/2006/main">
   <p:cSld>
     <p:spTree>
@@ -10807,6 +10687,356 @@
     <p:extLst>
       <p:ext uri="{BB962C8B-B14F-4D97-AF65-F5344CB8AC3E}">
         <p14:creationId xmlns:p14="http://schemas.microsoft.com/office/powerpoint/2010/main" val="3252673350"/>
+      </p:ext>
+    </p:extLst>
+  </p:cSld>
+  <p:clrMapOvr>
+    <a:masterClrMapping/>
+  </p:clrMapOvr>
+</p:sld>
+</file>
+
+<file path=ppt/slides/slide19.xml><?xml version="1.0" encoding="utf-8"?>
+<p:sld xmlns:a="http://schemas.openxmlformats.org/drawingml/2006/main" xmlns:r="http://schemas.openxmlformats.org/officeDocument/2006/relationships" xmlns:p="http://schemas.openxmlformats.org/presentationml/2006/main">
+  <p:cSld>
+    <p:spTree>
+      <p:nvGrpSpPr>
+        <p:cNvPr id="1" name="">
+          <a:extLst>
+            <a:ext uri="{FF2B5EF4-FFF2-40B4-BE49-F238E27FC236}">
+              <a16:creationId xmlns:a16="http://schemas.microsoft.com/office/drawing/2014/main" id="{9B13A7C5-D673-9A0D-4A78-85CDA9F26922}"/>
+            </a:ext>
+          </a:extLst>
+        </p:cNvPr>
+        <p:cNvGrpSpPr/>
+        <p:nvPr/>
+      </p:nvGrpSpPr>
+      <p:grpSpPr>
+        <a:xfrm>
+          <a:off x="0" y="0"/>
+          <a:ext cx="0" cy="0"/>
+          <a:chOff x="0" y="0"/>
+          <a:chExt cx="0" cy="0"/>
+        </a:xfrm>
+      </p:grpSpPr>
+      <p:sp>
+        <p:nvSpPr>
+          <p:cNvPr id="3" name="TextBox 2">
+            <a:extLst>
+              <a:ext uri="{FF2B5EF4-FFF2-40B4-BE49-F238E27FC236}">
+                <a16:creationId xmlns:a16="http://schemas.microsoft.com/office/drawing/2014/main" id="{27414624-5A96-9A82-CD9B-B654192B8AC1}"/>
+              </a:ext>
+            </a:extLst>
+          </p:cNvPr>
+          <p:cNvSpPr txBox="1"/>
+          <p:nvPr/>
+        </p:nvSpPr>
+        <p:spPr>
+          <a:xfrm>
+            <a:off x="107004" y="158874"/>
+            <a:ext cx="11984477" cy="5001369"/>
+          </a:xfrm>
+          <a:prstGeom prst="rect">
+            <a:avLst/>
+          </a:prstGeom>
+          <a:noFill/>
+        </p:spPr>
+        <p:txBody>
+          <a:bodyPr wrap="square">
+            <a:spAutoFit/>
+          </a:bodyPr>
+          <a:lstStyle/>
+          <a:p>
+            <a:pPr>
+              <a:buNone/>
+            </a:pPr>
+            <a:r>
+              <a:rPr lang="en-US" sz="1100" b="1"/>
+              <a:t>Defektlərdə Adətən Olan Əlavə Məlumatlar</a:t>
+            </a:r>
+          </a:p>
+          <a:p>
+            <a:r>
+              <a:rPr lang="en-US" sz="1100"/>
+              <a:t>Defekt hesabatlarında yalnız əsas atributlar (vaciblik, təciliyi və s.) yox, həm də əlavə məlumatlar olur. Bunlar defektin idarə olunmasını və həll edilməsini asanlaşdırır.</a:t>
+            </a:r>
+            <a:endParaRPr lang="az-Latn-AZ" sz="1100"/>
+          </a:p>
+          <a:p>
+            <a:endParaRPr lang="az-Latn-AZ" sz="1100"/>
+          </a:p>
+          <a:p>
+            <a:endParaRPr lang="az-Latn-AZ" sz="1100"/>
+          </a:p>
+          <a:p>
+            <a:pPr>
+              <a:buNone/>
+            </a:pPr>
+            <a:r>
+              <a:rPr lang="en-US" sz="1100"/>
+              <a:t>1️⃣ </a:t>
+            </a:r>
+            <a:r>
+              <a:rPr lang="en-US" sz="1100" b="1"/>
+              <a:t>Həyat dövrü statusu (Status in lifecycle)</a:t>
+            </a:r>
+            <a:r>
+              <a:rPr lang="az-Latn-AZ" sz="1100" b="1"/>
+              <a:t> - </a:t>
+            </a:r>
+            <a:r>
+              <a:rPr lang="en-US" sz="1100"/>
+              <a:t>Defektin hansı mərhələdə olduğunu göstərir.</a:t>
+            </a:r>
+          </a:p>
+          <a:p>
+            <a:r>
+              <a:rPr lang="en-US" sz="1100"/>
+              <a:t>Məsələn: </a:t>
+            </a:r>
+          </a:p>
+          <a:p>
+            <a:pPr marL="285750" lvl="1" indent="-285750">
+              <a:buFont typeface="Arial" panose="020B0604020202020204" pitchFamily="34" charset="0"/>
+              <a:buChar char="•"/>
+            </a:pPr>
+            <a:r>
+              <a:rPr lang="en-US" sz="1100" i="1"/>
+              <a:t>Yeni (New)</a:t>
+            </a:r>
+            <a:r>
+              <a:rPr lang="en-US" sz="1100"/>
+              <a:t> – Defekt yeni yaradılıb və hələ baxılmayıb.</a:t>
+            </a:r>
+          </a:p>
+          <a:p>
+            <a:pPr marL="285750" lvl="1" indent="-285750">
+              <a:buFont typeface="Arial" panose="020B0604020202020204" pitchFamily="34" charset="0"/>
+              <a:buChar char="•"/>
+            </a:pPr>
+            <a:r>
+              <a:rPr lang="en-US" sz="1100" i="1"/>
+              <a:t>Təsdiqləndi (Confirmed)</a:t>
+            </a:r>
+            <a:r>
+              <a:rPr lang="en-US" sz="1100"/>
+              <a:t> – Defektin həqiqətən mövcud olduğu yoxlanılıb.</a:t>
+            </a:r>
+          </a:p>
+          <a:p>
+            <a:pPr marL="285750" lvl="1" indent="-285750">
+              <a:buFont typeface="Arial" panose="020B0604020202020204" pitchFamily="34" charset="0"/>
+              <a:buChar char="•"/>
+            </a:pPr>
+            <a:r>
+              <a:rPr lang="en-US" sz="1100" i="1"/>
+              <a:t>Düzəliş edilir (In Progress)</a:t>
+            </a:r>
+            <a:r>
+              <a:rPr lang="en-US" sz="1100"/>
+              <a:t> – Proqramçılar artıq problemi həll etməyə çalışırlar.</a:t>
+            </a:r>
+          </a:p>
+          <a:p>
+            <a:pPr marL="285750" lvl="1" indent="-285750">
+              <a:buFont typeface="Arial" panose="020B0604020202020204" pitchFamily="34" charset="0"/>
+              <a:buChar char="•"/>
+            </a:pPr>
+            <a:r>
+              <a:rPr lang="en-US" sz="1100" i="1"/>
+              <a:t>Həll olundu (Resolved)</a:t>
+            </a:r>
+            <a:r>
+              <a:rPr lang="en-US" sz="1100"/>
+              <a:t> – Problem düzəldilib, amma hələ test edilməlidir.</a:t>
+            </a:r>
+          </a:p>
+          <a:p>
+            <a:pPr marL="285750" lvl="1" indent="-285750">
+              <a:buFont typeface="Arial" panose="020B0604020202020204" pitchFamily="34" charset="0"/>
+              <a:buChar char="•"/>
+            </a:pPr>
+            <a:r>
+              <a:rPr lang="en-US" sz="1100" i="1"/>
+              <a:t>Bağlandı (Closed)</a:t>
+            </a:r>
+            <a:r>
+              <a:rPr lang="en-US" sz="1100"/>
+              <a:t> – Defekt tamamilə həll edilib və artıq aktiv deyil.</a:t>
+            </a:r>
+          </a:p>
+          <a:p>
+            <a:endParaRPr lang="az-Latn-AZ" sz="1100"/>
+          </a:p>
+          <a:p>
+            <a:endParaRPr lang="az-Latn-AZ" sz="1100"/>
+          </a:p>
+          <a:p>
+            <a:pPr>
+              <a:buNone/>
+            </a:pPr>
+            <a:r>
+              <a:rPr lang="en-US" sz="1100"/>
+              <a:t>2️⃣ </a:t>
+            </a:r>
+            <a:r>
+              <a:rPr lang="en-US" sz="1100" b="1"/>
+              <a:t>Hesabatı yaradan və icraçı (Creator &amp; Assignee)</a:t>
+            </a:r>
+            <a:endParaRPr lang="en-US" sz="1100"/>
+          </a:p>
+          <a:p>
+            <a:pPr marL="285750" indent="-285750">
+              <a:buFont typeface="Arial" panose="020B0604020202020204" pitchFamily="34" charset="0"/>
+              <a:buChar char="•"/>
+            </a:pPr>
+            <a:r>
+              <a:rPr lang="en-US" sz="1100"/>
+              <a:t>Defekti kim aşkar edib və hesabatı yaradıb?</a:t>
+            </a:r>
+          </a:p>
+          <a:p>
+            <a:pPr marL="285750" indent="-285750">
+              <a:buFont typeface="Arial" panose="020B0604020202020204" pitchFamily="34" charset="0"/>
+              <a:buChar char="•"/>
+            </a:pPr>
+            <a:r>
+              <a:rPr lang="en-US" sz="1100"/>
+              <a:t>Bu problemi kim həll edəcək?</a:t>
+            </a:r>
+          </a:p>
+          <a:p>
+            <a:pPr marL="285750" indent="-285750">
+              <a:buFont typeface="Arial" panose="020B0604020202020204" pitchFamily="34" charset="0"/>
+              <a:buChar char="•"/>
+            </a:pPr>
+            <a:r>
+              <a:rPr lang="en-US" sz="1100"/>
+              <a:t>Burada hesabatı yazan testçinin və onu düzəltməli olan proqramçının adı göstərilir.</a:t>
+            </a:r>
+          </a:p>
+          <a:p>
+            <a:endParaRPr lang="az-Latn-AZ" sz="1100"/>
+          </a:p>
+          <a:p>
+            <a:pPr>
+              <a:buNone/>
+            </a:pPr>
+            <a:r>
+              <a:rPr lang="en-US" sz="1100"/>
+              <a:t>3️⃣ </a:t>
+            </a:r>
+            <a:r>
+              <a:rPr lang="en-US" sz="1100" b="1"/>
+              <a:t>Əlaqəli sənədlər və artefaktlar (Related Artifacts)</a:t>
+            </a:r>
+            <a:endParaRPr lang="en-US" sz="1100"/>
+          </a:p>
+          <a:p>
+            <a:pPr marL="285750" indent="-285750">
+              <a:buFont typeface="Arial" panose="020B0604020202020204" pitchFamily="34" charset="0"/>
+              <a:buChar char="•"/>
+            </a:pPr>
+            <a:r>
+              <a:rPr lang="en-US" sz="1100"/>
+              <a:t>Defektin hansı kod hissəsi, sənəd və ya tələblərlə bağlı olduğunu göstərir.</a:t>
+            </a:r>
+          </a:p>
+          <a:p>
+            <a:pPr marL="285750" indent="-285750">
+              <a:buFont typeface="Arial" panose="020B0604020202020204" pitchFamily="34" charset="0"/>
+              <a:buChar char="•"/>
+            </a:pPr>
+            <a:r>
+              <a:rPr lang="en-US" sz="1100"/>
+              <a:t>Məsələn, defekt konkret bir proqram funksiyasına və ya texniki sənədə aid ola bilər.</a:t>
+            </a:r>
+          </a:p>
+          <a:p>
+            <a:endParaRPr lang="az-Latn-AZ" sz="1100"/>
+          </a:p>
+          <a:p>
+            <a:endParaRPr lang="az-Latn-AZ" sz="1100"/>
+          </a:p>
+          <a:p>
+            <a:pPr>
+              <a:buNone/>
+            </a:pPr>
+            <a:r>
+              <a:rPr lang="en-US" sz="1100"/>
+              <a:t>4️⃣ </a:t>
+            </a:r>
+            <a:r>
+              <a:rPr lang="en-US" sz="1100" b="1"/>
+              <a:t>Sprintlərə və digər komponentlərə bağlılıq (Sprint, Modules, User Stories, Test Cases)</a:t>
+            </a:r>
+            <a:endParaRPr lang="en-US" sz="1100"/>
+          </a:p>
+          <a:p>
+            <a:pPr marL="171450" indent="-171450">
+              <a:buFont typeface="Arial" panose="020B0604020202020204" pitchFamily="34" charset="0"/>
+              <a:buChar char="•"/>
+            </a:pPr>
+            <a:r>
+              <a:rPr lang="en-US" sz="1100"/>
+              <a:t>Defekt hansı sprintdə (layihənin hansı mərhələsində) aşkar olunub?</a:t>
+            </a:r>
+          </a:p>
+          <a:p>
+            <a:pPr marL="171450" indent="-171450">
+              <a:buFont typeface="Arial" panose="020B0604020202020204" pitchFamily="34" charset="0"/>
+              <a:buChar char="•"/>
+            </a:pPr>
+            <a:r>
+              <a:rPr lang="en-US" sz="1100"/>
+              <a:t>Proqramın hansı modulunda bu problem var?</a:t>
+            </a:r>
+          </a:p>
+          <a:p>
+            <a:pPr marL="171450" indent="-171450">
+              <a:buFont typeface="Arial" panose="020B0604020202020204" pitchFamily="34" charset="0"/>
+              <a:buChar char="•"/>
+            </a:pPr>
+            <a:r>
+              <a:rPr lang="en-US" sz="1100"/>
+              <a:t>Həmin defekt hansı istifadəçi hekayəsinə (</a:t>
+            </a:r>
+            <a:r>
+              <a:rPr lang="en-US" sz="1100" i="1"/>
+              <a:t>user story</a:t>
+            </a:r>
+            <a:r>
+              <a:rPr lang="en-US" sz="1100"/>
+              <a:t>) və test ssenarilərinə (</a:t>
+            </a:r>
+            <a:r>
+              <a:rPr lang="en-US" sz="1100" i="1"/>
+              <a:t>test case</a:t>
+            </a:r>
+            <a:r>
+              <a:rPr lang="en-US" sz="1100"/>
+              <a:t>) bağlıdır?</a:t>
+            </a:r>
+          </a:p>
+          <a:p>
+            <a:pPr marL="171450" indent="-171450">
+              <a:buFont typeface="Arial" panose="020B0604020202020204" pitchFamily="34" charset="0"/>
+              <a:buChar char="•"/>
+            </a:pPr>
+            <a:r>
+              <a:rPr lang="en-US" sz="1100"/>
+              <a:t>Bu əlaqələr defektin necə ortaya çıxdığını və onun təsirini daha yaxşı anlamağa kömək edir.</a:t>
+            </a:r>
+          </a:p>
+          <a:p>
+            <a:endParaRPr lang="en-US" sz="1100"/>
+          </a:p>
+        </p:txBody>
+      </p:sp>
+    </p:spTree>
+    <p:extLst>
+      <p:ext uri="{BB962C8B-B14F-4D97-AF65-F5344CB8AC3E}">
+        <p14:creationId xmlns:p14="http://schemas.microsoft.com/office/powerpoint/2010/main" val="3821259972"/>
       </p:ext>
     </p:extLst>
   </p:cSld>
@@ -11086,356 +11316,6 @@
         <p:cNvPr id="1" name="">
           <a:extLst>
             <a:ext uri="{FF2B5EF4-FFF2-40B4-BE49-F238E27FC236}">
-              <a16:creationId xmlns:a16="http://schemas.microsoft.com/office/drawing/2014/main" id="{9B13A7C5-D673-9A0D-4A78-85CDA9F26922}"/>
-            </a:ext>
-          </a:extLst>
-        </p:cNvPr>
-        <p:cNvGrpSpPr/>
-        <p:nvPr/>
-      </p:nvGrpSpPr>
-      <p:grpSpPr>
-        <a:xfrm>
-          <a:off x="0" y="0"/>
-          <a:ext cx="0" cy="0"/>
-          <a:chOff x="0" y="0"/>
-          <a:chExt cx="0" cy="0"/>
-        </a:xfrm>
-      </p:grpSpPr>
-      <p:sp>
-        <p:nvSpPr>
-          <p:cNvPr id="3" name="TextBox 2">
-            <a:extLst>
-              <a:ext uri="{FF2B5EF4-FFF2-40B4-BE49-F238E27FC236}">
-                <a16:creationId xmlns:a16="http://schemas.microsoft.com/office/drawing/2014/main" id="{27414624-5A96-9A82-CD9B-B654192B8AC1}"/>
-              </a:ext>
-            </a:extLst>
-          </p:cNvPr>
-          <p:cNvSpPr txBox="1"/>
-          <p:nvPr/>
-        </p:nvSpPr>
-        <p:spPr>
-          <a:xfrm>
-            <a:off x="107004" y="158874"/>
-            <a:ext cx="11984477" cy="5001369"/>
-          </a:xfrm>
-          <a:prstGeom prst="rect">
-            <a:avLst/>
-          </a:prstGeom>
-          <a:noFill/>
-        </p:spPr>
-        <p:txBody>
-          <a:bodyPr wrap="square">
-            <a:spAutoFit/>
-          </a:bodyPr>
-          <a:lstStyle/>
-          <a:p>
-            <a:pPr>
-              <a:buNone/>
-            </a:pPr>
-            <a:r>
-              <a:rPr lang="en-US" sz="1100" b="1"/>
-              <a:t>Defektlərdə Adətən Olan Əlavə Məlumatlar</a:t>
-            </a:r>
-          </a:p>
-          <a:p>
-            <a:r>
-              <a:rPr lang="en-US" sz="1100"/>
-              <a:t>Defekt hesabatlarında yalnız əsas atributlar (vaciblik, təciliyi və s.) yox, həm də əlavə məlumatlar olur. Bunlar defektin idarə olunmasını və həll edilməsini asanlaşdırır.</a:t>
-            </a:r>
-            <a:endParaRPr lang="az-Latn-AZ" sz="1100"/>
-          </a:p>
-          <a:p>
-            <a:endParaRPr lang="az-Latn-AZ" sz="1100"/>
-          </a:p>
-          <a:p>
-            <a:endParaRPr lang="az-Latn-AZ" sz="1100"/>
-          </a:p>
-          <a:p>
-            <a:pPr>
-              <a:buNone/>
-            </a:pPr>
-            <a:r>
-              <a:rPr lang="en-US" sz="1100"/>
-              <a:t>1️⃣ </a:t>
-            </a:r>
-            <a:r>
-              <a:rPr lang="en-US" sz="1100" b="1"/>
-              <a:t>Həyat dövrü statusu (Status in lifecycle)</a:t>
-            </a:r>
-            <a:r>
-              <a:rPr lang="az-Latn-AZ" sz="1100" b="1"/>
-              <a:t> - </a:t>
-            </a:r>
-            <a:r>
-              <a:rPr lang="en-US" sz="1100"/>
-              <a:t>Defektin hansı mərhələdə olduğunu göstərir.</a:t>
-            </a:r>
-          </a:p>
-          <a:p>
-            <a:r>
-              <a:rPr lang="en-US" sz="1100"/>
-              <a:t>Məsələn: </a:t>
-            </a:r>
-          </a:p>
-          <a:p>
-            <a:pPr marL="285750" lvl="1" indent="-285750">
-              <a:buFont typeface="Arial" panose="020B0604020202020204" pitchFamily="34" charset="0"/>
-              <a:buChar char="•"/>
-            </a:pPr>
-            <a:r>
-              <a:rPr lang="en-US" sz="1100" i="1"/>
-              <a:t>Yeni (New)</a:t>
-            </a:r>
-            <a:r>
-              <a:rPr lang="en-US" sz="1100"/>
-              <a:t> – Defekt yeni yaradılıb və hələ baxılmayıb.</a:t>
-            </a:r>
-          </a:p>
-          <a:p>
-            <a:pPr marL="285750" lvl="1" indent="-285750">
-              <a:buFont typeface="Arial" panose="020B0604020202020204" pitchFamily="34" charset="0"/>
-              <a:buChar char="•"/>
-            </a:pPr>
-            <a:r>
-              <a:rPr lang="en-US" sz="1100" i="1"/>
-              <a:t>Təsdiqləndi (Confirmed)</a:t>
-            </a:r>
-            <a:r>
-              <a:rPr lang="en-US" sz="1100"/>
-              <a:t> – Defektin həqiqətən mövcud olduğu yoxlanılıb.</a:t>
-            </a:r>
-          </a:p>
-          <a:p>
-            <a:pPr marL="285750" lvl="1" indent="-285750">
-              <a:buFont typeface="Arial" panose="020B0604020202020204" pitchFamily="34" charset="0"/>
-              <a:buChar char="•"/>
-            </a:pPr>
-            <a:r>
-              <a:rPr lang="en-US" sz="1100" i="1"/>
-              <a:t>Düzəliş edilir (In Progress)</a:t>
-            </a:r>
-            <a:r>
-              <a:rPr lang="en-US" sz="1100"/>
-              <a:t> – Proqramçılar artıq problemi həll etməyə çalışırlar.</a:t>
-            </a:r>
-          </a:p>
-          <a:p>
-            <a:pPr marL="285750" lvl="1" indent="-285750">
-              <a:buFont typeface="Arial" panose="020B0604020202020204" pitchFamily="34" charset="0"/>
-              <a:buChar char="•"/>
-            </a:pPr>
-            <a:r>
-              <a:rPr lang="en-US" sz="1100" i="1"/>
-              <a:t>Həll olundu (Resolved)</a:t>
-            </a:r>
-            <a:r>
-              <a:rPr lang="en-US" sz="1100"/>
-              <a:t> – Problem düzəldilib, amma hələ test edilməlidir.</a:t>
-            </a:r>
-          </a:p>
-          <a:p>
-            <a:pPr marL="285750" lvl="1" indent="-285750">
-              <a:buFont typeface="Arial" panose="020B0604020202020204" pitchFamily="34" charset="0"/>
-              <a:buChar char="•"/>
-            </a:pPr>
-            <a:r>
-              <a:rPr lang="en-US" sz="1100" i="1"/>
-              <a:t>Bağlandı (Closed)</a:t>
-            </a:r>
-            <a:r>
-              <a:rPr lang="en-US" sz="1100"/>
-              <a:t> – Defekt tamamilə həll edilib və artıq aktiv deyil.</a:t>
-            </a:r>
-          </a:p>
-          <a:p>
-            <a:endParaRPr lang="az-Latn-AZ" sz="1100"/>
-          </a:p>
-          <a:p>
-            <a:endParaRPr lang="az-Latn-AZ" sz="1100"/>
-          </a:p>
-          <a:p>
-            <a:pPr>
-              <a:buNone/>
-            </a:pPr>
-            <a:r>
-              <a:rPr lang="en-US" sz="1100"/>
-              <a:t>2️⃣ </a:t>
-            </a:r>
-            <a:r>
-              <a:rPr lang="en-US" sz="1100" b="1"/>
-              <a:t>Hesabatı yaradan və icraçı (Creator &amp; Assignee)</a:t>
-            </a:r>
-            <a:endParaRPr lang="en-US" sz="1100"/>
-          </a:p>
-          <a:p>
-            <a:pPr marL="285750" indent="-285750">
-              <a:buFont typeface="Arial" panose="020B0604020202020204" pitchFamily="34" charset="0"/>
-              <a:buChar char="•"/>
-            </a:pPr>
-            <a:r>
-              <a:rPr lang="en-US" sz="1100"/>
-              <a:t>Defekti kim aşkar edib və hesabatı yaradıb?</a:t>
-            </a:r>
-          </a:p>
-          <a:p>
-            <a:pPr marL="285750" indent="-285750">
-              <a:buFont typeface="Arial" panose="020B0604020202020204" pitchFamily="34" charset="0"/>
-              <a:buChar char="•"/>
-            </a:pPr>
-            <a:r>
-              <a:rPr lang="en-US" sz="1100"/>
-              <a:t>Bu problemi kim həll edəcək?</a:t>
-            </a:r>
-          </a:p>
-          <a:p>
-            <a:pPr marL="285750" indent="-285750">
-              <a:buFont typeface="Arial" panose="020B0604020202020204" pitchFamily="34" charset="0"/>
-              <a:buChar char="•"/>
-            </a:pPr>
-            <a:r>
-              <a:rPr lang="en-US" sz="1100"/>
-              <a:t>Burada hesabatı yazan testçinin və onu düzəltməli olan proqramçının adı göstərilir.</a:t>
-            </a:r>
-          </a:p>
-          <a:p>
-            <a:endParaRPr lang="az-Latn-AZ" sz="1100"/>
-          </a:p>
-          <a:p>
-            <a:pPr>
-              <a:buNone/>
-            </a:pPr>
-            <a:r>
-              <a:rPr lang="en-US" sz="1100"/>
-              <a:t>3️⃣ </a:t>
-            </a:r>
-            <a:r>
-              <a:rPr lang="en-US" sz="1100" b="1"/>
-              <a:t>Əlaqəli sənədlər və artefaktlar (Related Artifacts)</a:t>
-            </a:r>
-            <a:endParaRPr lang="en-US" sz="1100"/>
-          </a:p>
-          <a:p>
-            <a:pPr marL="285750" indent="-285750">
-              <a:buFont typeface="Arial" panose="020B0604020202020204" pitchFamily="34" charset="0"/>
-              <a:buChar char="•"/>
-            </a:pPr>
-            <a:r>
-              <a:rPr lang="en-US" sz="1100"/>
-              <a:t>Defektin hansı kod hissəsi, sənəd və ya tələblərlə bağlı olduğunu göstərir.</a:t>
-            </a:r>
-          </a:p>
-          <a:p>
-            <a:pPr marL="285750" indent="-285750">
-              <a:buFont typeface="Arial" panose="020B0604020202020204" pitchFamily="34" charset="0"/>
-              <a:buChar char="•"/>
-            </a:pPr>
-            <a:r>
-              <a:rPr lang="en-US" sz="1100"/>
-              <a:t>Məsələn, defekt konkret bir proqram funksiyasına və ya texniki sənədə aid ola bilər.</a:t>
-            </a:r>
-          </a:p>
-          <a:p>
-            <a:endParaRPr lang="az-Latn-AZ" sz="1100"/>
-          </a:p>
-          <a:p>
-            <a:endParaRPr lang="az-Latn-AZ" sz="1100"/>
-          </a:p>
-          <a:p>
-            <a:pPr>
-              <a:buNone/>
-            </a:pPr>
-            <a:r>
-              <a:rPr lang="en-US" sz="1100"/>
-              <a:t>4️⃣ </a:t>
-            </a:r>
-            <a:r>
-              <a:rPr lang="en-US" sz="1100" b="1"/>
-              <a:t>Sprintlərə və digər komponentlərə bağlılıq (Sprint, Modules, User Stories, Test Cases)</a:t>
-            </a:r>
-            <a:endParaRPr lang="en-US" sz="1100"/>
-          </a:p>
-          <a:p>
-            <a:pPr marL="171450" indent="-171450">
-              <a:buFont typeface="Arial" panose="020B0604020202020204" pitchFamily="34" charset="0"/>
-              <a:buChar char="•"/>
-            </a:pPr>
-            <a:r>
-              <a:rPr lang="en-US" sz="1100"/>
-              <a:t>Defekt hansı sprintdə (layihənin hansı mərhələsində) aşkar olunub?</a:t>
-            </a:r>
-          </a:p>
-          <a:p>
-            <a:pPr marL="171450" indent="-171450">
-              <a:buFont typeface="Arial" panose="020B0604020202020204" pitchFamily="34" charset="0"/>
-              <a:buChar char="•"/>
-            </a:pPr>
-            <a:r>
-              <a:rPr lang="en-US" sz="1100"/>
-              <a:t>Proqramın hansı modulunda bu problem var?</a:t>
-            </a:r>
-          </a:p>
-          <a:p>
-            <a:pPr marL="171450" indent="-171450">
-              <a:buFont typeface="Arial" panose="020B0604020202020204" pitchFamily="34" charset="0"/>
-              <a:buChar char="•"/>
-            </a:pPr>
-            <a:r>
-              <a:rPr lang="en-US" sz="1100"/>
-              <a:t>Həmin defekt hansı istifadəçi hekayəsinə (</a:t>
-            </a:r>
-            <a:r>
-              <a:rPr lang="en-US" sz="1100" i="1"/>
-              <a:t>user story</a:t>
-            </a:r>
-            <a:r>
-              <a:rPr lang="en-US" sz="1100"/>
-              <a:t>) və test ssenarilərinə (</a:t>
-            </a:r>
-            <a:r>
-              <a:rPr lang="en-US" sz="1100" i="1"/>
-              <a:t>test case</a:t>
-            </a:r>
-            <a:r>
-              <a:rPr lang="en-US" sz="1100"/>
-              <a:t>) bağlıdır?</a:t>
-            </a:r>
-          </a:p>
-          <a:p>
-            <a:pPr marL="171450" indent="-171450">
-              <a:buFont typeface="Arial" panose="020B0604020202020204" pitchFamily="34" charset="0"/>
-              <a:buChar char="•"/>
-            </a:pPr>
-            <a:r>
-              <a:rPr lang="en-US" sz="1100"/>
-              <a:t>Bu əlaqələr defektin necə ortaya çıxdığını və onun təsirini daha yaxşı anlamağa kömək edir.</a:t>
-            </a:r>
-          </a:p>
-          <a:p>
-            <a:endParaRPr lang="en-US" sz="1100"/>
-          </a:p>
-        </p:txBody>
-      </p:sp>
-    </p:spTree>
-    <p:extLst>
-      <p:ext uri="{BB962C8B-B14F-4D97-AF65-F5344CB8AC3E}">
-        <p14:creationId xmlns:p14="http://schemas.microsoft.com/office/powerpoint/2010/main" val="3821259972"/>
-      </p:ext>
-    </p:extLst>
-  </p:cSld>
-  <p:clrMapOvr>
-    <a:masterClrMapping/>
-  </p:clrMapOvr>
-</p:sld>
-</file>
-
-<file path=ppt/slides/slide21.xml><?xml version="1.0" encoding="utf-8"?>
-<p:sld xmlns:a="http://schemas.openxmlformats.org/drawingml/2006/main" xmlns:r="http://schemas.openxmlformats.org/officeDocument/2006/relationships" xmlns:p="http://schemas.openxmlformats.org/presentationml/2006/main">
-  <p:cSld>
-    <p:spTree>
-      <p:nvGrpSpPr>
-        <p:cNvPr id="1" name="">
-          <a:extLst>
-            <a:ext uri="{FF2B5EF4-FFF2-40B4-BE49-F238E27FC236}">
               <a16:creationId xmlns:a16="http://schemas.microsoft.com/office/drawing/2014/main" id="{84405A85-78FD-63CC-21C2-CE55008CF8B9}"/>
             </a:ext>
           </a:extLst>
@@ -11895,7 +11775,7 @@
 </p:sld>
 </file>
 
-<file path=ppt/slides/slide22.xml><?xml version="1.0" encoding="utf-8"?>
+<file path=ppt/slides/slide21.xml><?xml version="1.0" encoding="utf-8"?>
 <p:sld xmlns:a="http://schemas.openxmlformats.org/drawingml/2006/main" xmlns:r="http://schemas.openxmlformats.org/officeDocument/2006/relationships" xmlns:p="http://schemas.openxmlformats.org/presentationml/2006/main">
   <p:cSld>
     <p:spTree>
@@ -12141,7 +12021,7 @@
 </p:sld>
 </file>
 
-<file path=ppt/slides/slide23.xml><?xml version="1.0" encoding="utf-8"?>
+<file path=ppt/slides/slide22.xml><?xml version="1.0" encoding="utf-8"?>
 <p:sld xmlns:a="http://schemas.openxmlformats.org/drawingml/2006/main" xmlns:r="http://schemas.openxmlformats.org/officeDocument/2006/relationships" xmlns:p="http://schemas.openxmlformats.org/presentationml/2006/main">
   <p:cSld>
     <p:spTree>
@@ -12299,7 +12179,7 @@
 </p:sld>
 </file>
 
-<file path=ppt/slides/slide24.xml><?xml version="1.0" encoding="utf-8"?>
+<file path=ppt/slides/slide23.xml><?xml version="1.0" encoding="utf-8"?>
 <p:sld xmlns:a="http://schemas.openxmlformats.org/drawingml/2006/main" xmlns:r="http://schemas.openxmlformats.org/officeDocument/2006/relationships" xmlns:p="http://schemas.openxmlformats.org/presentationml/2006/main">
   <p:cSld>
     <p:spTree>
@@ -12685,7 +12565,7 @@
 </p:sld>
 </file>
 
-<file path=ppt/slides/slide25.xml><?xml version="1.0" encoding="utf-8"?>
+<file path=ppt/slides/slide24.xml><?xml version="1.0" encoding="utf-8"?>
 <p:sld xmlns:a="http://schemas.openxmlformats.org/drawingml/2006/main" xmlns:r="http://schemas.openxmlformats.org/officeDocument/2006/relationships" xmlns:p="http://schemas.openxmlformats.org/presentationml/2006/main">
   <p:cSld>
     <p:spTree>
@@ -13179,7 +13059,7 @@
 </p:sld>
 </file>
 
-<file path=ppt/slides/slide26.xml><?xml version="1.0" encoding="utf-8"?>
+<file path=ppt/slides/slide25.xml><?xml version="1.0" encoding="utf-8"?>
 <p:sld xmlns:a="http://schemas.openxmlformats.org/drawingml/2006/main" xmlns:r="http://schemas.openxmlformats.org/officeDocument/2006/relationships" xmlns:p="http://schemas.openxmlformats.org/presentationml/2006/main">
   <p:cSld>
     <p:spTree>
@@ -13476,7 +13356,7 @@
 </p:sld>
 </file>
 
-<file path=ppt/slides/slide27.xml><?xml version="1.0" encoding="utf-8"?>
+<file path=ppt/slides/slide26.xml><?xml version="1.0" encoding="utf-8"?>
 <p:sld xmlns:a="http://schemas.openxmlformats.org/drawingml/2006/main" xmlns:r="http://schemas.openxmlformats.org/officeDocument/2006/relationships" xmlns:p="http://schemas.openxmlformats.org/presentationml/2006/main">
   <p:cSld>
     <p:spTree>
@@ -13698,7 +13578,7 @@
 </p:sld>
 </file>
 
-<file path=ppt/slides/slide28.xml><?xml version="1.0" encoding="utf-8"?>
+<file path=ppt/slides/slide27.xml><?xml version="1.0" encoding="utf-8"?>
 <p:sld xmlns:a="http://schemas.openxmlformats.org/drawingml/2006/main" xmlns:r="http://schemas.openxmlformats.org/officeDocument/2006/relationships" xmlns:p="http://schemas.openxmlformats.org/presentationml/2006/main">
   <p:cSld>
     <p:spTree>
@@ -13923,7 +13803,7 @@
 </p:sld>
 </file>
 
-<file path=ppt/slides/slide29.xml><?xml version="1.0" encoding="utf-8"?>
+<file path=ppt/slides/slide28.xml><?xml version="1.0" encoding="utf-8"?>
 <p:sld xmlns:a="http://schemas.openxmlformats.org/drawingml/2006/main" xmlns:r="http://schemas.openxmlformats.org/officeDocument/2006/relationships" xmlns:p="http://schemas.openxmlformats.org/presentationml/2006/main">
   <p:cSld>
     <p:spTree>
@@ -14122,6 +14002,415 @@
     <p:extLst>
       <p:ext uri="{BB962C8B-B14F-4D97-AF65-F5344CB8AC3E}">
         <p14:creationId xmlns:p14="http://schemas.microsoft.com/office/powerpoint/2010/main" val="3508630360"/>
+      </p:ext>
+    </p:extLst>
+  </p:cSld>
+  <p:clrMapOvr>
+    <a:masterClrMapping/>
+  </p:clrMapOvr>
+</p:sld>
+</file>
+
+<file path=ppt/slides/slide29.xml><?xml version="1.0" encoding="utf-8"?>
+<p:sld xmlns:a="http://schemas.openxmlformats.org/drawingml/2006/main" xmlns:r="http://schemas.openxmlformats.org/officeDocument/2006/relationships" xmlns:p="http://schemas.openxmlformats.org/presentationml/2006/main">
+  <p:cSld>
+    <p:spTree>
+      <p:nvGrpSpPr>
+        <p:cNvPr id="1" name="">
+          <a:extLst>
+            <a:ext uri="{FF2B5EF4-FFF2-40B4-BE49-F238E27FC236}">
+              <a16:creationId xmlns:a16="http://schemas.microsoft.com/office/drawing/2014/main" id="{2F6D6346-64E2-AA81-45E4-9086444159D5}"/>
+            </a:ext>
+          </a:extLst>
+        </p:cNvPr>
+        <p:cNvGrpSpPr/>
+        <p:nvPr/>
+      </p:nvGrpSpPr>
+      <p:grpSpPr>
+        <a:xfrm>
+          <a:off x="0" y="0"/>
+          <a:ext cx="0" cy="0"/>
+          <a:chOff x="0" y="0"/>
+          <a:chExt cx="0" cy="0"/>
+        </a:xfrm>
+      </p:grpSpPr>
+      <p:sp>
+        <p:nvSpPr>
+          <p:cNvPr id="3" name="TextBox 2">
+            <a:extLst>
+              <a:ext uri="{FF2B5EF4-FFF2-40B4-BE49-F238E27FC236}">
+                <a16:creationId xmlns:a16="http://schemas.microsoft.com/office/drawing/2014/main" id="{1D887D07-7129-F648-75A4-EB88B7AEA115}"/>
+              </a:ext>
+            </a:extLst>
+          </p:cNvPr>
+          <p:cNvSpPr txBox="1"/>
+          <p:nvPr/>
+        </p:nvSpPr>
+        <p:spPr>
+          <a:xfrm>
+            <a:off x="107004" y="158874"/>
+            <a:ext cx="11984477" cy="6555641"/>
+          </a:xfrm>
+          <a:prstGeom prst="rect">
+            <a:avLst/>
+          </a:prstGeom>
+          <a:noFill/>
+        </p:spPr>
+        <p:txBody>
+          <a:bodyPr wrap="square">
+            <a:spAutoFit/>
+          </a:bodyPr>
+          <a:lstStyle/>
+          <a:p>
+            <a:pPr algn="l"/>
+            <a:r>
+              <a:rPr lang="en-US" sz="1400"/>
+              <a:t>Burada test zamanı </a:t>
+            </a:r>
+            <a:r>
+              <a:rPr lang="en-US" sz="1400" b="1"/>
+              <a:t>real həyatda nələrə diqqət etmək lazım olduğu</a:t>
+            </a:r>
+            <a:r>
+              <a:rPr lang="en-US" sz="1400"/>
+              <a:t> və </a:t>
+            </a:r>
+            <a:r>
+              <a:rPr lang="en-US" sz="1400" b="1"/>
+              <a:t>əmək sərfiyyatını (estimasiyanı) necə daha düzgün etmək olar</a:t>
+            </a:r>
+            <a:r>
+              <a:rPr lang="en-US" sz="1400"/>
+              <a:t> – bu barədə </a:t>
+            </a:r>
+            <a:r>
+              <a:rPr lang="en-US" sz="1400" b="1"/>
+              <a:t>məsləhətlər</a:t>
+            </a:r>
+            <a:r>
+              <a:rPr lang="en-US" sz="1400"/>
+              <a:t> verilir.</a:t>
+            </a:r>
+            <a:endParaRPr lang="az-Latn-AZ" sz="1400"/>
+          </a:p>
+          <a:p>
+            <a:pPr algn="l"/>
+            <a:endParaRPr lang="az-Latn-AZ" sz="1400" i="0">
+              <a:solidFill>
+                <a:srgbClr val="303141"/>
+              </a:solidFill>
+              <a:effectLst/>
+              <a:latin typeface="Udemy Sans"/>
+            </a:endParaRPr>
+          </a:p>
+          <a:p>
+            <a:pPr algn="l"/>
+            <a:endParaRPr lang="az-Latn-AZ" sz="1400">
+              <a:solidFill>
+                <a:srgbClr val="303141"/>
+              </a:solidFill>
+              <a:latin typeface="Udemy Sans"/>
+            </a:endParaRPr>
+          </a:p>
+          <a:p>
+            <a:pPr>
+              <a:buNone/>
+            </a:pPr>
+            <a:r>
+              <a:rPr lang="en-US" sz="1400" b="1"/>
+              <a:t>✅ Real həyat və məsləhətlər</a:t>
+            </a:r>
+          </a:p>
+          <a:p>
+            <a:pPr>
+              <a:buNone/>
+            </a:pPr>
+            <a:r>
+              <a:rPr lang="en-US" sz="1400" b="1"/>
+              <a:t>1. 🕒 Testə nə qədər vaxt sərf etdiyini qeyd et</a:t>
+            </a:r>
+          </a:p>
+          <a:p>
+            <a:pPr>
+              <a:buNone/>
+            </a:pPr>
+            <a:r>
+              <a:rPr lang="en-US" sz="1400"/>
+              <a:t>Hər dəfə test edəndə </a:t>
+            </a:r>
+            <a:r>
+              <a:rPr lang="en-US" sz="1400" b="1"/>
+              <a:t>dəqiq olaraq neçə saat vaxt getdiyini yaz</a:t>
+            </a:r>
+            <a:r>
+              <a:rPr lang="en-US" sz="1400"/>
+              <a:t>, bunu:</a:t>
+            </a:r>
+          </a:p>
+          <a:p>
+            <a:pPr marL="285750" indent="-285750">
+              <a:buFont typeface="Arial" panose="020B0604020202020204" pitchFamily="34" charset="0"/>
+              <a:buChar char="•"/>
+            </a:pPr>
+            <a:r>
+              <a:rPr lang="en-US" sz="1400"/>
+              <a:t>ya TMS (Test Management System) adlı sistemlərdə yazırsan (məsələn, TestRail və s.)</a:t>
+            </a:r>
+          </a:p>
+          <a:p>
+            <a:pPr marL="285750" indent="-285750">
+              <a:buFont typeface="Arial" panose="020B0604020202020204" pitchFamily="34" charset="0"/>
+              <a:buChar char="•"/>
+            </a:pPr>
+            <a:r>
+              <a:rPr lang="en-US" sz="1400"/>
+              <a:t>ya da özün üçün </a:t>
+            </a:r>
+            <a:r>
+              <a:rPr lang="en-US" sz="1400" b="1"/>
+              <a:t>ayrıca Excel cədvəli</a:t>
+            </a:r>
+            <a:r>
+              <a:rPr lang="en-US" sz="1400"/>
+              <a:t> açıb oraya yazırsan</a:t>
+            </a:r>
+          </a:p>
+          <a:p>
+            <a:pPr algn="l"/>
+            <a:endParaRPr lang="az-Latn-AZ" sz="1400" i="0">
+              <a:solidFill>
+                <a:srgbClr val="303141"/>
+              </a:solidFill>
+              <a:effectLst/>
+              <a:latin typeface="Udemy Sans"/>
+            </a:endParaRPr>
+          </a:p>
+          <a:p>
+            <a:pPr algn="l"/>
+            <a:endParaRPr lang="az-Latn-AZ" sz="1400">
+              <a:solidFill>
+                <a:srgbClr val="303141"/>
+              </a:solidFill>
+              <a:latin typeface="Udemy Sans"/>
+            </a:endParaRPr>
+          </a:p>
+          <a:p>
+            <a:pPr algn="l"/>
+            <a:endParaRPr lang="az-Latn-AZ" sz="1400" i="0">
+              <a:solidFill>
+                <a:srgbClr val="303141"/>
+              </a:solidFill>
+              <a:effectLst/>
+              <a:latin typeface="Udemy Sans"/>
+            </a:endParaRPr>
+          </a:p>
+          <a:p>
+            <a:pPr>
+              <a:buNone/>
+            </a:pPr>
+            <a:r>
+              <a:rPr lang="en-US" sz="1400" b="1"/>
+              <a:t>2. ⏳ Yalnız testin özü yox, hazırlıq da vaxta daxildir</a:t>
+            </a:r>
+          </a:p>
+          <a:p>
+            <a:pPr>
+              <a:buNone/>
+            </a:pPr>
+            <a:r>
+              <a:rPr lang="en-US" sz="1400"/>
+              <a:t>Təkcə test ssenarilərini klikləmək yox, həm də:</a:t>
+            </a:r>
+          </a:p>
+          <a:p>
+            <a:pPr marL="285750" indent="-285750">
+              <a:buFont typeface="Arial" panose="020B0604020202020204" pitchFamily="34" charset="0"/>
+              <a:buChar char="•"/>
+            </a:pPr>
+            <a:r>
+              <a:rPr lang="en-US" sz="1400" b="1"/>
+              <a:t>Test ssenarilərini hazırlamaq</a:t>
+            </a:r>
+            <a:endParaRPr lang="en-US" sz="1400"/>
+          </a:p>
+          <a:p>
+            <a:pPr marL="285750" indent="-285750">
+              <a:buFont typeface="Arial" panose="020B0604020202020204" pitchFamily="34" charset="0"/>
+              <a:buChar char="•"/>
+            </a:pPr>
+            <a:r>
+              <a:rPr lang="en-US" sz="1400" b="1"/>
+              <a:t>Tələbləri oxuyub-anlamaq</a:t>
+            </a:r>
+            <a:endParaRPr lang="en-US" sz="1400"/>
+          </a:p>
+          <a:p>
+            <a:pPr marL="285750" indent="-285750">
+              <a:buFont typeface="Arial" panose="020B0604020202020204" pitchFamily="34" charset="0"/>
+              <a:buChar char="•"/>
+            </a:pPr>
+            <a:r>
+              <a:rPr lang="en-US" sz="1400" b="1"/>
+              <a:t>Sənədləşdirmək</a:t>
+            </a:r>
+            <a:endParaRPr lang="en-US" sz="1400"/>
+          </a:p>
+          <a:p>
+            <a:pPr marL="285750" indent="-285750">
+              <a:buFont typeface="Arial" panose="020B0604020202020204" pitchFamily="34" charset="0"/>
+              <a:buChar char="•"/>
+            </a:pPr>
+            <a:r>
+              <a:rPr lang="en-US" sz="1400" b="1"/>
+              <a:t>Komanda ilə yazışmaq, danışmaq</a:t>
+            </a:r>
+            <a:br>
+              <a:rPr lang="en-US" sz="1400"/>
+            </a:br>
+            <a:r>
+              <a:rPr lang="en-US" sz="1400"/>
+              <a:t>bunların </a:t>
+            </a:r>
+            <a:r>
+              <a:rPr lang="en-US" sz="1400" b="1"/>
+              <a:t>hamısı testə sərf olunan vaxt</a:t>
+            </a:r>
+            <a:r>
+              <a:rPr lang="en-US" sz="1400"/>
+              <a:t> sayılır. Bunları da nəzərə al!</a:t>
+            </a:r>
+          </a:p>
+          <a:p>
+            <a:pPr algn="l"/>
+            <a:endParaRPr lang="az-Latn-AZ" sz="1400" i="0">
+              <a:solidFill>
+                <a:srgbClr val="303141"/>
+              </a:solidFill>
+              <a:effectLst/>
+              <a:latin typeface="Udemy Sans"/>
+            </a:endParaRPr>
+          </a:p>
+          <a:p>
+            <a:pPr algn="l"/>
+            <a:endParaRPr lang="az-Latn-AZ" sz="1400" i="0">
+              <a:solidFill>
+                <a:srgbClr val="303141"/>
+              </a:solidFill>
+              <a:effectLst/>
+              <a:latin typeface="Udemy Sans"/>
+            </a:endParaRPr>
+          </a:p>
+          <a:p>
+            <a:pPr algn="l"/>
+            <a:endParaRPr lang="az-Latn-AZ" sz="1400">
+              <a:solidFill>
+                <a:srgbClr val="303141"/>
+              </a:solidFill>
+              <a:latin typeface="Udemy Sans"/>
+            </a:endParaRPr>
+          </a:p>
+          <a:p>
+            <a:pPr>
+              <a:buNone/>
+            </a:pPr>
+            <a:r>
+              <a:rPr lang="en-US" sz="1400" b="1"/>
+              <a:t>3. 👥 Yalnız proqramçılar işləmir – bütün komanda işləyir</a:t>
+            </a:r>
+          </a:p>
+          <a:p>
+            <a:pPr>
+              <a:buNone/>
+            </a:pPr>
+            <a:r>
+              <a:rPr lang="en-US" sz="1400"/>
+              <a:t>Layihədə təkcə developer yox, həm də:</a:t>
+            </a:r>
+          </a:p>
+          <a:p>
+            <a:pPr marL="171450" indent="-171450">
+              <a:buFont typeface="Arial" panose="020B0604020202020204" pitchFamily="34" charset="0"/>
+              <a:buChar char="•"/>
+            </a:pPr>
+            <a:r>
+              <a:rPr lang="en-US" sz="1400"/>
+              <a:t>testçi,</a:t>
+            </a:r>
+          </a:p>
+          <a:p>
+            <a:pPr marL="171450" indent="-171450">
+              <a:buFont typeface="Arial" panose="020B0604020202020204" pitchFamily="34" charset="0"/>
+              <a:buChar char="•"/>
+            </a:pPr>
+            <a:r>
+              <a:rPr lang="en-US" sz="1400"/>
+              <a:t>analitik,</a:t>
+            </a:r>
+          </a:p>
+          <a:p>
+            <a:pPr marL="171450" indent="-171450">
+              <a:buFont typeface="Arial" panose="020B0604020202020204" pitchFamily="34" charset="0"/>
+              <a:buChar char="•"/>
+            </a:pPr>
+            <a:r>
+              <a:rPr lang="en-US" sz="1400"/>
+              <a:t>dizayner,</a:t>
+            </a:r>
+          </a:p>
+          <a:p>
+            <a:pPr marL="171450" indent="-171450">
+              <a:buFont typeface="Arial" panose="020B0604020202020204" pitchFamily="34" charset="0"/>
+              <a:buChar char="•"/>
+            </a:pPr>
+            <a:r>
+              <a:rPr lang="en-US" sz="1400"/>
+              <a:t>menecer və s.</a:t>
+            </a:r>
+            <a:br>
+              <a:rPr lang="en-US" sz="1400"/>
+            </a:br>
+            <a:r>
+              <a:rPr lang="en-US" sz="1400"/>
+              <a:t>hamısı işləyir. </a:t>
+            </a:r>
+            <a:r>
+              <a:rPr lang="en-US" sz="1400" b="1"/>
+              <a:t>Layihəyə sərf olunan ümumi vaxt</a:t>
+            </a:r>
+            <a:r>
+              <a:rPr lang="en-US" sz="1400"/>
+              <a:t> </a:t>
+            </a:r>
+            <a:r>
+              <a:rPr lang="en-US" sz="1400" b="1"/>
+              <a:t>hamının birlikdə çəkdiyi əziyyətdir</a:t>
+            </a:r>
+            <a:r>
+              <a:rPr lang="en-US" sz="1400"/>
+              <a:t>, bunu rəhbərliyə </a:t>
+            </a:r>
+            <a:r>
+              <a:rPr lang="en-US" sz="1400" b="1"/>
+              <a:t>xatırlatmaqdan çəkinmə!</a:t>
+            </a:r>
+            <a:endParaRPr lang="en-US" sz="1400"/>
+          </a:p>
+          <a:p>
+            <a:pPr algn="l"/>
+            <a:endParaRPr lang="az-Latn-AZ" sz="1400" i="0">
+              <a:solidFill>
+                <a:srgbClr val="303141"/>
+              </a:solidFill>
+              <a:effectLst/>
+              <a:latin typeface="Udemy Sans"/>
+            </a:endParaRPr>
+          </a:p>
+        </p:txBody>
+      </p:sp>
+    </p:spTree>
+    <p:extLst>
+      <p:ext uri="{BB962C8B-B14F-4D97-AF65-F5344CB8AC3E}">
+        <p14:creationId xmlns:p14="http://schemas.microsoft.com/office/powerpoint/2010/main" val="1944900639"/>
       </p:ext>
     </p:extLst>
   </p:cSld>
@@ -14275,415 +14564,6 @@
         <p:cNvPr id="1" name="">
           <a:extLst>
             <a:ext uri="{FF2B5EF4-FFF2-40B4-BE49-F238E27FC236}">
-              <a16:creationId xmlns:a16="http://schemas.microsoft.com/office/drawing/2014/main" id="{2F6D6346-64E2-AA81-45E4-9086444159D5}"/>
-            </a:ext>
-          </a:extLst>
-        </p:cNvPr>
-        <p:cNvGrpSpPr/>
-        <p:nvPr/>
-      </p:nvGrpSpPr>
-      <p:grpSpPr>
-        <a:xfrm>
-          <a:off x="0" y="0"/>
-          <a:ext cx="0" cy="0"/>
-          <a:chOff x="0" y="0"/>
-          <a:chExt cx="0" cy="0"/>
-        </a:xfrm>
-      </p:grpSpPr>
-      <p:sp>
-        <p:nvSpPr>
-          <p:cNvPr id="3" name="TextBox 2">
-            <a:extLst>
-              <a:ext uri="{FF2B5EF4-FFF2-40B4-BE49-F238E27FC236}">
-                <a16:creationId xmlns:a16="http://schemas.microsoft.com/office/drawing/2014/main" id="{1D887D07-7129-F648-75A4-EB88B7AEA115}"/>
-              </a:ext>
-            </a:extLst>
-          </p:cNvPr>
-          <p:cNvSpPr txBox="1"/>
-          <p:nvPr/>
-        </p:nvSpPr>
-        <p:spPr>
-          <a:xfrm>
-            <a:off x="107004" y="158874"/>
-            <a:ext cx="11984477" cy="6555641"/>
-          </a:xfrm>
-          <a:prstGeom prst="rect">
-            <a:avLst/>
-          </a:prstGeom>
-          <a:noFill/>
-        </p:spPr>
-        <p:txBody>
-          <a:bodyPr wrap="square">
-            <a:spAutoFit/>
-          </a:bodyPr>
-          <a:lstStyle/>
-          <a:p>
-            <a:pPr algn="l"/>
-            <a:r>
-              <a:rPr lang="en-US" sz="1400"/>
-              <a:t>Burada test zamanı </a:t>
-            </a:r>
-            <a:r>
-              <a:rPr lang="en-US" sz="1400" b="1"/>
-              <a:t>real həyatda nələrə diqqət etmək lazım olduğu</a:t>
-            </a:r>
-            <a:r>
-              <a:rPr lang="en-US" sz="1400"/>
-              <a:t> və </a:t>
-            </a:r>
-            <a:r>
-              <a:rPr lang="en-US" sz="1400" b="1"/>
-              <a:t>əmək sərfiyyatını (estimasiyanı) necə daha düzgün etmək olar</a:t>
-            </a:r>
-            <a:r>
-              <a:rPr lang="en-US" sz="1400"/>
-              <a:t> – bu barədə </a:t>
-            </a:r>
-            <a:r>
-              <a:rPr lang="en-US" sz="1400" b="1"/>
-              <a:t>məsləhətlər</a:t>
-            </a:r>
-            <a:r>
-              <a:rPr lang="en-US" sz="1400"/>
-              <a:t> verilir.</a:t>
-            </a:r>
-            <a:endParaRPr lang="az-Latn-AZ" sz="1400"/>
-          </a:p>
-          <a:p>
-            <a:pPr algn="l"/>
-            <a:endParaRPr lang="az-Latn-AZ" sz="1400" i="0">
-              <a:solidFill>
-                <a:srgbClr val="303141"/>
-              </a:solidFill>
-              <a:effectLst/>
-              <a:latin typeface="Udemy Sans"/>
-            </a:endParaRPr>
-          </a:p>
-          <a:p>
-            <a:pPr algn="l"/>
-            <a:endParaRPr lang="az-Latn-AZ" sz="1400">
-              <a:solidFill>
-                <a:srgbClr val="303141"/>
-              </a:solidFill>
-              <a:latin typeface="Udemy Sans"/>
-            </a:endParaRPr>
-          </a:p>
-          <a:p>
-            <a:pPr>
-              <a:buNone/>
-            </a:pPr>
-            <a:r>
-              <a:rPr lang="en-US" sz="1400" b="1"/>
-              <a:t>✅ Real həyat və məsləhətlər</a:t>
-            </a:r>
-          </a:p>
-          <a:p>
-            <a:pPr>
-              <a:buNone/>
-            </a:pPr>
-            <a:r>
-              <a:rPr lang="en-US" sz="1400" b="1"/>
-              <a:t>1. 🕒 Testə nə qədər vaxt sərf etdiyini qeyd et</a:t>
-            </a:r>
-          </a:p>
-          <a:p>
-            <a:pPr>
-              <a:buNone/>
-            </a:pPr>
-            <a:r>
-              <a:rPr lang="en-US" sz="1400"/>
-              <a:t>Hər dəfə test edəndə </a:t>
-            </a:r>
-            <a:r>
-              <a:rPr lang="en-US" sz="1400" b="1"/>
-              <a:t>dəqiq olaraq neçə saat vaxt getdiyini yaz</a:t>
-            </a:r>
-            <a:r>
-              <a:rPr lang="en-US" sz="1400"/>
-              <a:t>, bunu:</a:t>
-            </a:r>
-          </a:p>
-          <a:p>
-            <a:pPr marL="285750" indent="-285750">
-              <a:buFont typeface="Arial" panose="020B0604020202020204" pitchFamily="34" charset="0"/>
-              <a:buChar char="•"/>
-            </a:pPr>
-            <a:r>
-              <a:rPr lang="en-US" sz="1400"/>
-              <a:t>ya TMS (Test Management System) adlı sistemlərdə yazırsan (məsələn, TestRail və s.)</a:t>
-            </a:r>
-          </a:p>
-          <a:p>
-            <a:pPr marL="285750" indent="-285750">
-              <a:buFont typeface="Arial" panose="020B0604020202020204" pitchFamily="34" charset="0"/>
-              <a:buChar char="•"/>
-            </a:pPr>
-            <a:r>
-              <a:rPr lang="en-US" sz="1400"/>
-              <a:t>ya da özün üçün </a:t>
-            </a:r>
-            <a:r>
-              <a:rPr lang="en-US" sz="1400" b="1"/>
-              <a:t>ayrıca Excel cədvəli</a:t>
-            </a:r>
-            <a:r>
-              <a:rPr lang="en-US" sz="1400"/>
-              <a:t> açıb oraya yazırsan</a:t>
-            </a:r>
-          </a:p>
-          <a:p>
-            <a:pPr algn="l"/>
-            <a:endParaRPr lang="az-Latn-AZ" sz="1400" i="0">
-              <a:solidFill>
-                <a:srgbClr val="303141"/>
-              </a:solidFill>
-              <a:effectLst/>
-              <a:latin typeface="Udemy Sans"/>
-            </a:endParaRPr>
-          </a:p>
-          <a:p>
-            <a:pPr algn="l"/>
-            <a:endParaRPr lang="az-Latn-AZ" sz="1400">
-              <a:solidFill>
-                <a:srgbClr val="303141"/>
-              </a:solidFill>
-              <a:latin typeface="Udemy Sans"/>
-            </a:endParaRPr>
-          </a:p>
-          <a:p>
-            <a:pPr algn="l"/>
-            <a:endParaRPr lang="az-Latn-AZ" sz="1400" i="0">
-              <a:solidFill>
-                <a:srgbClr val="303141"/>
-              </a:solidFill>
-              <a:effectLst/>
-              <a:latin typeface="Udemy Sans"/>
-            </a:endParaRPr>
-          </a:p>
-          <a:p>
-            <a:pPr>
-              <a:buNone/>
-            </a:pPr>
-            <a:r>
-              <a:rPr lang="en-US" sz="1400" b="1"/>
-              <a:t>2. ⏳ Yalnız testin özü yox, hazırlıq da vaxta daxildir</a:t>
-            </a:r>
-          </a:p>
-          <a:p>
-            <a:pPr>
-              <a:buNone/>
-            </a:pPr>
-            <a:r>
-              <a:rPr lang="en-US" sz="1400"/>
-              <a:t>Təkcə test ssenarilərini klikləmək yox, həm də:</a:t>
-            </a:r>
-          </a:p>
-          <a:p>
-            <a:pPr marL="285750" indent="-285750">
-              <a:buFont typeface="Arial" panose="020B0604020202020204" pitchFamily="34" charset="0"/>
-              <a:buChar char="•"/>
-            </a:pPr>
-            <a:r>
-              <a:rPr lang="en-US" sz="1400" b="1"/>
-              <a:t>Test ssenarilərini hazırlamaq</a:t>
-            </a:r>
-            <a:endParaRPr lang="en-US" sz="1400"/>
-          </a:p>
-          <a:p>
-            <a:pPr marL="285750" indent="-285750">
-              <a:buFont typeface="Arial" panose="020B0604020202020204" pitchFamily="34" charset="0"/>
-              <a:buChar char="•"/>
-            </a:pPr>
-            <a:r>
-              <a:rPr lang="en-US" sz="1400" b="1"/>
-              <a:t>Tələbləri oxuyub-anlamaq</a:t>
-            </a:r>
-            <a:endParaRPr lang="en-US" sz="1400"/>
-          </a:p>
-          <a:p>
-            <a:pPr marL="285750" indent="-285750">
-              <a:buFont typeface="Arial" panose="020B0604020202020204" pitchFamily="34" charset="0"/>
-              <a:buChar char="•"/>
-            </a:pPr>
-            <a:r>
-              <a:rPr lang="en-US" sz="1400" b="1"/>
-              <a:t>Sənədləşdirmək</a:t>
-            </a:r>
-            <a:endParaRPr lang="en-US" sz="1400"/>
-          </a:p>
-          <a:p>
-            <a:pPr marL="285750" indent="-285750">
-              <a:buFont typeface="Arial" panose="020B0604020202020204" pitchFamily="34" charset="0"/>
-              <a:buChar char="•"/>
-            </a:pPr>
-            <a:r>
-              <a:rPr lang="en-US" sz="1400" b="1"/>
-              <a:t>Komanda ilə yazışmaq, danışmaq</a:t>
-            </a:r>
-            <a:br>
-              <a:rPr lang="en-US" sz="1400"/>
-            </a:br>
-            <a:r>
-              <a:rPr lang="en-US" sz="1400"/>
-              <a:t>bunların </a:t>
-            </a:r>
-            <a:r>
-              <a:rPr lang="en-US" sz="1400" b="1"/>
-              <a:t>hamısı testə sərf olunan vaxt</a:t>
-            </a:r>
-            <a:r>
-              <a:rPr lang="en-US" sz="1400"/>
-              <a:t> sayılır. Bunları da nəzərə al!</a:t>
-            </a:r>
-          </a:p>
-          <a:p>
-            <a:pPr algn="l"/>
-            <a:endParaRPr lang="az-Latn-AZ" sz="1400" i="0">
-              <a:solidFill>
-                <a:srgbClr val="303141"/>
-              </a:solidFill>
-              <a:effectLst/>
-              <a:latin typeface="Udemy Sans"/>
-            </a:endParaRPr>
-          </a:p>
-          <a:p>
-            <a:pPr algn="l"/>
-            <a:endParaRPr lang="az-Latn-AZ" sz="1400" i="0">
-              <a:solidFill>
-                <a:srgbClr val="303141"/>
-              </a:solidFill>
-              <a:effectLst/>
-              <a:latin typeface="Udemy Sans"/>
-            </a:endParaRPr>
-          </a:p>
-          <a:p>
-            <a:pPr algn="l"/>
-            <a:endParaRPr lang="az-Latn-AZ" sz="1400">
-              <a:solidFill>
-                <a:srgbClr val="303141"/>
-              </a:solidFill>
-              <a:latin typeface="Udemy Sans"/>
-            </a:endParaRPr>
-          </a:p>
-          <a:p>
-            <a:pPr>
-              <a:buNone/>
-            </a:pPr>
-            <a:r>
-              <a:rPr lang="en-US" sz="1400" b="1"/>
-              <a:t>3. 👥 Yalnız proqramçılar işləmir – bütün komanda işləyir</a:t>
-            </a:r>
-          </a:p>
-          <a:p>
-            <a:pPr>
-              <a:buNone/>
-            </a:pPr>
-            <a:r>
-              <a:rPr lang="en-US" sz="1400"/>
-              <a:t>Layihədə təkcə developer yox, həm də:</a:t>
-            </a:r>
-          </a:p>
-          <a:p>
-            <a:pPr marL="171450" indent="-171450">
-              <a:buFont typeface="Arial" panose="020B0604020202020204" pitchFamily="34" charset="0"/>
-              <a:buChar char="•"/>
-            </a:pPr>
-            <a:r>
-              <a:rPr lang="en-US" sz="1400"/>
-              <a:t>testçi,</a:t>
-            </a:r>
-          </a:p>
-          <a:p>
-            <a:pPr marL="171450" indent="-171450">
-              <a:buFont typeface="Arial" panose="020B0604020202020204" pitchFamily="34" charset="0"/>
-              <a:buChar char="•"/>
-            </a:pPr>
-            <a:r>
-              <a:rPr lang="en-US" sz="1400"/>
-              <a:t>analitik,</a:t>
-            </a:r>
-          </a:p>
-          <a:p>
-            <a:pPr marL="171450" indent="-171450">
-              <a:buFont typeface="Arial" panose="020B0604020202020204" pitchFamily="34" charset="0"/>
-              <a:buChar char="•"/>
-            </a:pPr>
-            <a:r>
-              <a:rPr lang="en-US" sz="1400"/>
-              <a:t>dizayner,</a:t>
-            </a:r>
-          </a:p>
-          <a:p>
-            <a:pPr marL="171450" indent="-171450">
-              <a:buFont typeface="Arial" panose="020B0604020202020204" pitchFamily="34" charset="0"/>
-              <a:buChar char="•"/>
-            </a:pPr>
-            <a:r>
-              <a:rPr lang="en-US" sz="1400"/>
-              <a:t>menecer və s.</a:t>
-            </a:r>
-            <a:br>
-              <a:rPr lang="en-US" sz="1400"/>
-            </a:br>
-            <a:r>
-              <a:rPr lang="en-US" sz="1400"/>
-              <a:t>hamısı işləyir. </a:t>
-            </a:r>
-            <a:r>
-              <a:rPr lang="en-US" sz="1400" b="1"/>
-              <a:t>Layihəyə sərf olunan ümumi vaxt</a:t>
-            </a:r>
-            <a:r>
-              <a:rPr lang="en-US" sz="1400"/>
-              <a:t> </a:t>
-            </a:r>
-            <a:r>
-              <a:rPr lang="en-US" sz="1400" b="1"/>
-              <a:t>hamının birlikdə çəkdiyi əziyyətdir</a:t>
-            </a:r>
-            <a:r>
-              <a:rPr lang="en-US" sz="1400"/>
-              <a:t>, bunu rəhbərliyə </a:t>
-            </a:r>
-            <a:r>
-              <a:rPr lang="en-US" sz="1400" b="1"/>
-              <a:t>xatırlatmaqdan çəkinmə!</a:t>
-            </a:r>
-            <a:endParaRPr lang="en-US" sz="1400"/>
-          </a:p>
-          <a:p>
-            <a:pPr algn="l"/>
-            <a:endParaRPr lang="az-Latn-AZ" sz="1400" i="0">
-              <a:solidFill>
-                <a:srgbClr val="303141"/>
-              </a:solidFill>
-              <a:effectLst/>
-              <a:latin typeface="Udemy Sans"/>
-            </a:endParaRPr>
-          </a:p>
-        </p:txBody>
-      </p:sp>
-    </p:spTree>
-    <p:extLst>
-      <p:ext uri="{BB962C8B-B14F-4D97-AF65-F5344CB8AC3E}">
-        <p14:creationId xmlns:p14="http://schemas.microsoft.com/office/powerpoint/2010/main" val="1944900639"/>
-      </p:ext>
-    </p:extLst>
-  </p:cSld>
-  <p:clrMapOvr>
-    <a:masterClrMapping/>
-  </p:clrMapOvr>
-</p:sld>
-</file>
-
-<file path=ppt/slides/slide31.xml><?xml version="1.0" encoding="utf-8"?>
-<p:sld xmlns:a="http://schemas.openxmlformats.org/drawingml/2006/main" xmlns:r="http://schemas.openxmlformats.org/officeDocument/2006/relationships" xmlns:p="http://schemas.openxmlformats.org/presentationml/2006/main">
-  <p:cSld>
-    <p:spTree>
-      <p:nvGrpSpPr>
-        <p:cNvPr id="1" name="">
-          <a:extLst>
-            <a:ext uri="{FF2B5EF4-FFF2-40B4-BE49-F238E27FC236}">
               <a16:creationId xmlns:a16="http://schemas.microsoft.com/office/drawing/2014/main" id="{50E35691-DF87-BB31-A372-7241982324EA}"/>
             </a:ext>
           </a:extLst>
@@ -14930,7 +14810,7 @@
 </p:sld>
 </file>
 
-<file path=ppt/slides/slide32.xml><?xml version="1.0" encoding="utf-8"?>
+<file path=ppt/slides/slide31.xml><?xml version="1.0" encoding="utf-8"?>
 <p:sld xmlns:a="http://schemas.openxmlformats.org/drawingml/2006/main" xmlns:r="http://schemas.openxmlformats.org/officeDocument/2006/relationships" xmlns:p="http://schemas.openxmlformats.org/presentationml/2006/main">
   <p:cSld>
     <p:spTree>
@@ -15068,7 +14948,7 @@
 </p:sld>
 </file>
 
-<file path=ppt/slides/slide33.xml><?xml version="1.0" encoding="utf-8"?>
+<file path=ppt/slides/slide32.xml><?xml version="1.0" encoding="utf-8"?>
 <p:sld xmlns:a="http://schemas.openxmlformats.org/drawingml/2006/main" xmlns:r="http://schemas.openxmlformats.org/officeDocument/2006/relationships" xmlns:p="http://schemas.openxmlformats.org/presentationml/2006/main">
   <p:cSld>
     <p:spTree>
@@ -15378,7 +15258,7 @@
 </p:sld>
 </file>
 
-<file path=ppt/slides/slide34.xml><?xml version="1.0" encoding="utf-8"?>
+<file path=ppt/slides/slide33.xml><?xml version="1.0" encoding="utf-8"?>
 <p:sld xmlns:a="http://schemas.openxmlformats.org/drawingml/2006/main" xmlns:r="http://schemas.openxmlformats.org/officeDocument/2006/relationships" xmlns:p="http://schemas.openxmlformats.org/presentationml/2006/main">
   <p:cSld>
     <p:spTree>
@@ -15453,6 +15333,889 @@
     <p:extLst>
       <p:ext uri="{BB962C8B-B14F-4D97-AF65-F5344CB8AC3E}">
         <p14:creationId xmlns:p14="http://schemas.microsoft.com/office/powerpoint/2010/main" val="569137849"/>
+      </p:ext>
+    </p:extLst>
+  </p:cSld>
+  <p:clrMapOvr>
+    <a:masterClrMapping/>
+  </p:clrMapOvr>
+</p:sld>
+</file>
+
+<file path=ppt/slides/slide34.xml><?xml version="1.0" encoding="utf-8"?>
+<p:sld xmlns:a="http://schemas.openxmlformats.org/drawingml/2006/main" xmlns:r="http://schemas.openxmlformats.org/officeDocument/2006/relationships" xmlns:p="http://schemas.openxmlformats.org/presentationml/2006/main">
+  <p:cSld>
+    <p:spTree>
+      <p:nvGrpSpPr>
+        <p:cNvPr id="1" name="">
+          <a:extLst>
+            <a:ext uri="{FF2B5EF4-FFF2-40B4-BE49-F238E27FC236}">
+              <a16:creationId xmlns:a16="http://schemas.microsoft.com/office/drawing/2014/main" id="{18DB8947-102F-7EC8-82D7-79BC18DFA797}"/>
+            </a:ext>
+          </a:extLst>
+        </p:cNvPr>
+        <p:cNvGrpSpPr/>
+        <p:nvPr/>
+      </p:nvGrpSpPr>
+      <p:grpSpPr>
+        <a:xfrm>
+          <a:off x="0" y="0"/>
+          <a:ext cx="0" cy="0"/>
+          <a:chOff x="0" y="0"/>
+          <a:chExt cx="0" cy="0"/>
+        </a:xfrm>
+      </p:grpSpPr>
+      <p:sp>
+        <p:nvSpPr>
+          <p:cNvPr id="3" name="TextBox 2">
+            <a:extLst>
+              <a:ext uri="{FF2B5EF4-FFF2-40B4-BE49-F238E27FC236}">
+                <a16:creationId xmlns:a16="http://schemas.microsoft.com/office/drawing/2014/main" id="{29E31AE3-E3EA-C8B8-34F4-1E3E37C39CD7}"/>
+              </a:ext>
+            </a:extLst>
+          </p:cNvPr>
+          <p:cNvSpPr txBox="1"/>
+          <p:nvPr/>
+        </p:nvSpPr>
+        <p:spPr>
+          <a:xfrm rot="10800000" flipV="1">
+            <a:off x="199053" y="292171"/>
+            <a:ext cx="11793893" cy="5093702"/>
+          </a:xfrm>
+          <a:prstGeom prst="rect">
+            <a:avLst/>
+          </a:prstGeom>
+          <a:noFill/>
+        </p:spPr>
+        <p:txBody>
+          <a:bodyPr wrap="square">
+            <a:spAutoFit/>
+          </a:bodyPr>
+          <a:lstStyle/>
+          <a:p>
+            <a:pPr marL="285750" marR="0" lvl="0" indent="-285750" algn="l" defTabSz="914400" rtl="0" eaLnBrk="0" fontAlgn="base" latinLnBrk="0" hangingPunct="0">
+              <a:lnSpc>
+                <a:spcPct val="100000"/>
+              </a:lnSpc>
+              <a:spcBef>
+                <a:spcPct val="0"/>
+              </a:spcBef>
+              <a:spcAft>
+                <a:spcPct val="0"/>
+              </a:spcAft>
+              <a:buClrTx/>
+              <a:buSzTx/>
+              <a:buFont typeface="Arial" panose="020B0604020202020204" pitchFamily="34" charset="0"/>
+              <a:buChar char="•"/>
+              <a:tabLst/>
+            </a:pPr>
+            <a:r>
+              <a:rPr kumimoji="0" lang="en-US" altLang="en-US" sz="1300" b="1" i="0" u="none" strike="noStrike" cap="none" normalizeH="0" baseline="0">
+                <a:ln>
+                  <a:noFill/>
+                </a:ln>
+                <a:solidFill>
+                  <a:schemeClr val="tx1"/>
+                </a:solidFill>
+                <a:effectLst/>
+                <a:latin typeface="Arial" panose="020B0604020202020204" pitchFamily="34" charset="0"/>
+              </a:rPr>
+              <a:t>User Scenario (İstifadəçi Ssenarisi)</a:t>
+            </a:r>
+            <a:br>
+              <a:rPr kumimoji="0" lang="en-US" altLang="en-US" sz="1300" b="0" i="0" u="none" strike="noStrike" cap="none" normalizeH="0" baseline="0">
+                <a:ln>
+                  <a:noFill/>
+                </a:ln>
+                <a:solidFill>
+                  <a:schemeClr val="tx1"/>
+                </a:solidFill>
+                <a:effectLst/>
+                <a:latin typeface="Arial" panose="020B0604020202020204" pitchFamily="34" charset="0"/>
+              </a:rPr>
+            </a:br>
+            <a:r>
+              <a:rPr kumimoji="0" lang="en-US" altLang="en-US" sz="1300" b="0" i="0" u="none" strike="noStrike" cap="none" normalizeH="0" baseline="0">
+                <a:ln>
+                  <a:noFill/>
+                </a:ln>
+                <a:solidFill>
+                  <a:schemeClr val="tx1"/>
+                </a:solidFill>
+                <a:effectLst/>
+                <a:latin typeface="Arial" panose="020B0604020202020204" pitchFamily="34" charset="0"/>
+              </a:rPr>
+              <a:t>İstifadəçinin məqsədinə çatmaq üçün izlədiyi addımların ardıcıllığıdır. Məsələn, bir sənəd yazmaq və onu çap etmək.</a:t>
+            </a:r>
+            <a:endParaRPr kumimoji="0" lang="az-Latn-AZ" altLang="en-US" sz="1300" b="0" i="0" u="none" strike="noStrike" cap="none" normalizeH="0" baseline="0">
+              <a:ln>
+                <a:noFill/>
+              </a:ln>
+              <a:solidFill>
+                <a:schemeClr val="tx1"/>
+              </a:solidFill>
+              <a:effectLst/>
+              <a:latin typeface="Arial" panose="020B0604020202020204" pitchFamily="34" charset="0"/>
+            </a:endParaRPr>
+          </a:p>
+          <a:p>
+            <a:pPr marL="0" marR="0" lvl="0" indent="0" algn="l" defTabSz="914400" rtl="0" eaLnBrk="0" fontAlgn="base" latinLnBrk="0" hangingPunct="0">
+              <a:lnSpc>
+                <a:spcPct val="100000"/>
+              </a:lnSpc>
+              <a:spcBef>
+                <a:spcPct val="0"/>
+              </a:spcBef>
+              <a:spcAft>
+                <a:spcPct val="0"/>
+              </a:spcAft>
+              <a:buClrTx/>
+              <a:buSzTx/>
+              <a:buFontTx/>
+              <a:buChar char="•"/>
+              <a:tabLst/>
+            </a:pPr>
+            <a:endParaRPr kumimoji="0" lang="en-US" altLang="en-US" sz="1300" b="0" i="0" u="none" strike="noStrike" cap="none" normalizeH="0" baseline="0">
+              <a:ln>
+                <a:noFill/>
+              </a:ln>
+              <a:solidFill>
+                <a:schemeClr val="tx1"/>
+              </a:solidFill>
+              <a:effectLst/>
+              <a:latin typeface="Arial" panose="020B0604020202020204" pitchFamily="34" charset="0"/>
+            </a:endParaRPr>
+          </a:p>
+          <a:p>
+            <a:pPr marL="285750" marR="0" lvl="0" indent="-285750" algn="l" defTabSz="914400" rtl="0" eaLnBrk="0" fontAlgn="base" latinLnBrk="0" hangingPunct="0">
+              <a:lnSpc>
+                <a:spcPct val="100000"/>
+              </a:lnSpc>
+              <a:spcBef>
+                <a:spcPct val="0"/>
+              </a:spcBef>
+              <a:spcAft>
+                <a:spcPct val="0"/>
+              </a:spcAft>
+              <a:buClrTx/>
+              <a:buSzTx/>
+              <a:buFont typeface="Arial" panose="020B0604020202020204" pitchFamily="34" charset="0"/>
+              <a:buChar char="•"/>
+              <a:tabLst/>
+            </a:pPr>
+            <a:r>
+              <a:rPr kumimoji="0" lang="en-US" altLang="en-US" sz="1300" b="1" i="0" u="none" strike="noStrike" cap="none" normalizeH="0" baseline="0">
+                <a:ln>
+                  <a:noFill/>
+                </a:ln>
+                <a:solidFill>
+                  <a:schemeClr val="tx1"/>
+                </a:solidFill>
+                <a:effectLst/>
+                <a:latin typeface="Arial" panose="020B0604020202020204" pitchFamily="34" charset="0"/>
+              </a:rPr>
+              <a:t>Test Scenario (Test Ssenarisi)</a:t>
+            </a:r>
+            <a:br>
+              <a:rPr kumimoji="0" lang="en-US" altLang="en-US" sz="1300" b="0" i="0" u="none" strike="noStrike" cap="none" normalizeH="0" baseline="0">
+                <a:ln>
+                  <a:noFill/>
+                </a:ln>
+                <a:solidFill>
+                  <a:schemeClr val="tx1"/>
+                </a:solidFill>
+                <a:effectLst/>
+                <a:latin typeface="Arial" panose="020B0604020202020204" pitchFamily="34" charset="0"/>
+              </a:rPr>
+            </a:br>
+            <a:r>
+              <a:rPr kumimoji="0" lang="en-US" altLang="en-US" sz="1300" b="0" i="0" u="none" strike="noStrike" cap="none" normalizeH="0" baseline="0">
+                <a:ln>
+                  <a:noFill/>
+                </a:ln>
+                <a:solidFill>
+                  <a:schemeClr val="tx1"/>
+                </a:solidFill>
+                <a:effectLst/>
+                <a:latin typeface="Arial" panose="020B0604020202020204" pitchFamily="34" charset="0"/>
+              </a:rPr>
+              <a:t>Testin necə keçirilməsi ilə bağlı addım-addım təlimatları göstərən sənəddir. Məsələn, bir funksiyanın işləyib-işləmədiyini yoxlamaq üçün hansı əməliyyatların yerinə yetirilməsi lazım olduğunu izah edir.</a:t>
+            </a:r>
+            <a:endParaRPr kumimoji="0" lang="az-Latn-AZ" altLang="en-US" sz="1300" b="0" i="0" u="none" strike="noStrike" cap="none" normalizeH="0" baseline="0">
+              <a:ln>
+                <a:noFill/>
+              </a:ln>
+              <a:solidFill>
+                <a:schemeClr val="tx1"/>
+              </a:solidFill>
+              <a:effectLst/>
+              <a:latin typeface="Arial" panose="020B0604020202020204" pitchFamily="34" charset="0"/>
+            </a:endParaRPr>
+          </a:p>
+          <a:p>
+            <a:pPr marL="0" marR="0" lvl="0" indent="0" algn="l" defTabSz="914400" rtl="0" eaLnBrk="0" fontAlgn="base" latinLnBrk="0" hangingPunct="0">
+              <a:lnSpc>
+                <a:spcPct val="100000"/>
+              </a:lnSpc>
+              <a:spcBef>
+                <a:spcPct val="0"/>
+              </a:spcBef>
+              <a:spcAft>
+                <a:spcPct val="0"/>
+              </a:spcAft>
+              <a:buClrTx/>
+              <a:buSzTx/>
+              <a:buFontTx/>
+              <a:buChar char="•"/>
+              <a:tabLst/>
+            </a:pPr>
+            <a:endParaRPr kumimoji="0" lang="en-US" altLang="en-US" sz="1300" b="0" i="0" u="none" strike="noStrike" cap="none" normalizeH="0" baseline="0">
+              <a:ln>
+                <a:noFill/>
+              </a:ln>
+              <a:solidFill>
+                <a:schemeClr val="tx1"/>
+              </a:solidFill>
+              <a:effectLst/>
+              <a:latin typeface="Arial" panose="020B0604020202020204" pitchFamily="34" charset="0"/>
+            </a:endParaRPr>
+          </a:p>
+          <a:p>
+            <a:pPr marL="285750" marR="0" lvl="0" indent="-285750" algn="l" defTabSz="914400" rtl="0" eaLnBrk="0" fontAlgn="base" latinLnBrk="0" hangingPunct="0">
+              <a:lnSpc>
+                <a:spcPct val="100000"/>
+              </a:lnSpc>
+              <a:spcBef>
+                <a:spcPct val="0"/>
+              </a:spcBef>
+              <a:spcAft>
+                <a:spcPct val="0"/>
+              </a:spcAft>
+              <a:buClrTx/>
+              <a:buSzTx/>
+              <a:buFont typeface="Arial" panose="020B0604020202020204" pitchFamily="34" charset="0"/>
+              <a:buChar char="•"/>
+              <a:tabLst/>
+            </a:pPr>
+            <a:r>
+              <a:rPr kumimoji="0" lang="en-US" altLang="en-US" sz="1300" b="1" i="0" u="none" strike="noStrike" cap="none" normalizeH="0" baseline="0">
+                <a:ln>
+                  <a:noFill/>
+                </a:ln>
+                <a:solidFill>
+                  <a:schemeClr val="tx1"/>
+                </a:solidFill>
+                <a:effectLst/>
+                <a:latin typeface="Arial" panose="020B0604020202020204" pitchFamily="34" charset="0"/>
+              </a:rPr>
+              <a:t>Test Suite (Test Qutusu)</a:t>
+            </a:r>
+            <a:br>
+              <a:rPr kumimoji="0" lang="en-US" altLang="en-US" sz="1300" b="0" i="0" u="none" strike="noStrike" cap="none" normalizeH="0" baseline="0">
+                <a:ln>
+                  <a:noFill/>
+                </a:ln>
+                <a:solidFill>
+                  <a:schemeClr val="tx1"/>
+                </a:solidFill>
+                <a:effectLst/>
+                <a:latin typeface="Arial" panose="020B0604020202020204" pitchFamily="34" charset="0"/>
+              </a:rPr>
+            </a:br>
+            <a:r>
+              <a:rPr kumimoji="0" lang="en-US" altLang="en-US" sz="1300" b="0" i="0" u="none" strike="noStrike" cap="none" normalizeH="0" baseline="0">
+                <a:ln>
+                  <a:noFill/>
+                </a:ln>
+                <a:solidFill>
+                  <a:schemeClr val="tx1"/>
+                </a:solidFill>
+                <a:effectLst/>
+                <a:latin typeface="Arial" panose="020B0604020202020204" pitchFamily="34" charset="0"/>
+              </a:rPr>
+              <a:t>Bir neçə test ssenarisindən və ya test halından ibarət olan bir yığımdır. Testlər bir yerdə icra olunur.</a:t>
+            </a:r>
+            <a:endParaRPr kumimoji="0" lang="az-Latn-AZ" altLang="en-US" sz="1300" b="0" i="0" u="none" strike="noStrike" cap="none" normalizeH="0" baseline="0">
+              <a:ln>
+                <a:noFill/>
+              </a:ln>
+              <a:solidFill>
+                <a:schemeClr val="tx1"/>
+              </a:solidFill>
+              <a:effectLst/>
+              <a:latin typeface="Arial" panose="020B0604020202020204" pitchFamily="34" charset="0"/>
+            </a:endParaRPr>
+          </a:p>
+          <a:p>
+            <a:pPr marL="0" marR="0" lvl="0" indent="0" algn="l" defTabSz="914400" rtl="0" eaLnBrk="0" fontAlgn="base" latinLnBrk="0" hangingPunct="0">
+              <a:lnSpc>
+                <a:spcPct val="100000"/>
+              </a:lnSpc>
+              <a:spcBef>
+                <a:spcPct val="0"/>
+              </a:spcBef>
+              <a:spcAft>
+                <a:spcPct val="0"/>
+              </a:spcAft>
+              <a:buClrTx/>
+              <a:buSzTx/>
+              <a:buFontTx/>
+              <a:buChar char="•"/>
+              <a:tabLst/>
+            </a:pPr>
+            <a:endParaRPr kumimoji="0" lang="en-US" altLang="en-US" sz="1300" b="0" i="0" u="none" strike="noStrike" cap="none" normalizeH="0" baseline="0">
+              <a:ln>
+                <a:noFill/>
+              </a:ln>
+              <a:solidFill>
+                <a:schemeClr val="tx1"/>
+              </a:solidFill>
+              <a:effectLst/>
+              <a:latin typeface="Arial" panose="020B0604020202020204" pitchFamily="34" charset="0"/>
+            </a:endParaRPr>
+          </a:p>
+          <a:p>
+            <a:pPr marL="285750" marR="0" lvl="0" indent="-285750" algn="l" defTabSz="914400" rtl="0" eaLnBrk="0" fontAlgn="base" latinLnBrk="0" hangingPunct="0">
+              <a:lnSpc>
+                <a:spcPct val="100000"/>
+              </a:lnSpc>
+              <a:spcBef>
+                <a:spcPct val="0"/>
+              </a:spcBef>
+              <a:spcAft>
+                <a:spcPct val="0"/>
+              </a:spcAft>
+              <a:buClrTx/>
+              <a:buSzTx/>
+              <a:buFont typeface="Arial" panose="020B0604020202020204" pitchFamily="34" charset="0"/>
+              <a:buChar char="•"/>
+              <a:tabLst/>
+            </a:pPr>
+            <a:r>
+              <a:rPr kumimoji="0" lang="en-US" altLang="en-US" sz="1300" b="1" i="0" u="none" strike="noStrike" cap="none" normalizeH="0" baseline="0">
+                <a:ln>
+                  <a:noFill/>
+                </a:ln>
+                <a:solidFill>
+                  <a:schemeClr val="tx1"/>
+                </a:solidFill>
+                <a:effectLst/>
+                <a:latin typeface="Arial" panose="020B0604020202020204" pitchFamily="34" charset="0"/>
+              </a:rPr>
+              <a:t>Test Case (Test Halı)</a:t>
+            </a:r>
+            <a:br>
+              <a:rPr kumimoji="0" lang="en-US" altLang="en-US" sz="1300" b="0" i="0" u="none" strike="noStrike" cap="none" normalizeH="0" baseline="0">
+                <a:ln>
+                  <a:noFill/>
+                </a:ln>
+                <a:solidFill>
+                  <a:schemeClr val="tx1"/>
+                </a:solidFill>
+                <a:effectLst/>
+                <a:latin typeface="Arial" panose="020B0604020202020204" pitchFamily="34" charset="0"/>
+              </a:rPr>
+            </a:br>
+            <a:r>
+              <a:rPr kumimoji="0" lang="en-US" altLang="en-US" sz="1300" b="0" i="0" u="none" strike="noStrike" cap="none" normalizeH="0" baseline="0">
+                <a:ln>
+                  <a:noFill/>
+                </a:ln>
+                <a:solidFill>
+                  <a:schemeClr val="tx1"/>
+                </a:solidFill>
+                <a:effectLst/>
+                <a:latin typeface="Arial" panose="020B0604020202020204" pitchFamily="34" charset="0"/>
+              </a:rPr>
+              <a:t>Məqsədli bir testin nə zaman və necə keçirilməsini göstərən sənəddir. Məsələn, bir düymənin düzgün işləməsi üçün hansı addımların atılması və nə nəticə gözlənildiyini təsvir edir.</a:t>
+            </a:r>
+            <a:endParaRPr kumimoji="0" lang="az-Latn-AZ" altLang="en-US" sz="1300" b="0" i="0" u="none" strike="noStrike" cap="none" normalizeH="0" baseline="0">
+              <a:ln>
+                <a:noFill/>
+              </a:ln>
+              <a:solidFill>
+                <a:schemeClr val="tx1"/>
+              </a:solidFill>
+              <a:effectLst/>
+              <a:latin typeface="Arial" panose="020B0604020202020204" pitchFamily="34" charset="0"/>
+            </a:endParaRPr>
+          </a:p>
+          <a:p>
+            <a:pPr marL="0" marR="0" lvl="0" indent="0" algn="l" defTabSz="914400" rtl="0" eaLnBrk="0" fontAlgn="base" latinLnBrk="0" hangingPunct="0">
+              <a:lnSpc>
+                <a:spcPct val="100000"/>
+              </a:lnSpc>
+              <a:spcBef>
+                <a:spcPct val="0"/>
+              </a:spcBef>
+              <a:spcAft>
+                <a:spcPct val="0"/>
+              </a:spcAft>
+              <a:buClrTx/>
+              <a:buSzTx/>
+              <a:buFontTx/>
+              <a:buChar char="•"/>
+              <a:tabLst/>
+            </a:pPr>
+            <a:endParaRPr kumimoji="0" lang="en-US" altLang="en-US" sz="1300" b="0" i="0" u="none" strike="noStrike" cap="none" normalizeH="0" baseline="0">
+              <a:ln>
+                <a:noFill/>
+              </a:ln>
+              <a:solidFill>
+                <a:schemeClr val="tx1"/>
+              </a:solidFill>
+              <a:effectLst/>
+              <a:latin typeface="Arial" panose="020B0604020202020204" pitchFamily="34" charset="0"/>
+            </a:endParaRPr>
+          </a:p>
+          <a:p>
+            <a:pPr marL="285750" marR="0" lvl="0" indent="-285750" algn="l" defTabSz="914400" rtl="0" eaLnBrk="0" fontAlgn="base" latinLnBrk="0" hangingPunct="0">
+              <a:lnSpc>
+                <a:spcPct val="100000"/>
+              </a:lnSpc>
+              <a:spcBef>
+                <a:spcPct val="0"/>
+              </a:spcBef>
+              <a:spcAft>
+                <a:spcPct val="0"/>
+              </a:spcAft>
+              <a:buClrTx/>
+              <a:buSzTx/>
+              <a:buFont typeface="Arial" panose="020B0604020202020204" pitchFamily="34" charset="0"/>
+              <a:buChar char="•"/>
+              <a:tabLst/>
+            </a:pPr>
+            <a:r>
+              <a:rPr kumimoji="0" lang="en-US" altLang="en-US" sz="1300" b="1" i="0" u="none" strike="noStrike" cap="none" normalizeH="0" baseline="0">
+                <a:ln>
+                  <a:noFill/>
+                </a:ln>
+                <a:solidFill>
+                  <a:schemeClr val="tx1"/>
+                </a:solidFill>
+                <a:effectLst/>
+                <a:latin typeface="Arial" panose="020B0604020202020204" pitchFamily="34" charset="0"/>
+              </a:rPr>
+              <a:t>Check-list (Çek-List)</a:t>
+            </a:r>
+            <a:br>
+              <a:rPr kumimoji="0" lang="en-US" altLang="en-US" sz="1300" b="0" i="0" u="none" strike="noStrike" cap="none" normalizeH="0" baseline="0">
+                <a:ln>
+                  <a:noFill/>
+                </a:ln>
+                <a:solidFill>
+                  <a:schemeClr val="tx1"/>
+                </a:solidFill>
+                <a:effectLst/>
+                <a:latin typeface="Arial" panose="020B0604020202020204" pitchFamily="34" charset="0"/>
+              </a:rPr>
+            </a:br>
+            <a:r>
+              <a:rPr kumimoji="0" lang="en-US" altLang="en-US" sz="1300" b="0" i="0" u="none" strike="noStrike" cap="none" normalizeH="0" baseline="0">
+                <a:ln>
+                  <a:noFill/>
+                </a:ln>
+                <a:solidFill>
+                  <a:schemeClr val="tx1"/>
+                </a:solidFill>
+                <a:effectLst/>
+                <a:latin typeface="Arial" panose="020B0604020202020204" pitchFamily="34" charset="0"/>
+              </a:rPr>
+              <a:t>Təkrarlanan yoxlamalar üçün sadə siyahıdır. Məsələn, bir proqramın hər dəfə düzgün işləyib-işləmədiyini yoxlamaq üçün istifadə olunur.</a:t>
+            </a:r>
+            <a:endParaRPr kumimoji="0" lang="az-Latn-AZ" altLang="en-US" sz="1300" b="0" i="0" u="none" strike="noStrike" cap="none" normalizeH="0" baseline="0">
+              <a:ln>
+                <a:noFill/>
+              </a:ln>
+              <a:solidFill>
+                <a:schemeClr val="tx1"/>
+              </a:solidFill>
+              <a:effectLst/>
+              <a:latin typeface="Arial" panose="020B0604020202020204" pitchFamily="34" charset="0"/>
+            </a:endParaRPr>
+          </a:p>
+          <a:p>
+            <a:pPr marL="0" marR="0" lvl="0" indent="0" algn="l" defTabSz="914400" rtl="0" eaLnBrk="0" fontAlgn="base" latinLnBrk="0" hangingPunct="0">
+              <a:lnSpc>
+                <a:spcPct val="100000"/>
+              </a:lnSpc>
+              <a:spcBef>
+                <a:spcPct val="0"/>
+              </a:spcBef>
+              <a:spcAft>
+                <a:spcPct val="0"/>
+              </a:spcAft>
+              <a:buClrTx/>
+              <a:buSzTx/>
+              <a:buFontTx/>
+              <a:buChar char="•"/>
+              <a:tabLst/>
+            </a:pPr>
+            <a:endParaRPr kumimoji="0" lang="en-US" altLang="en-US" sz="1300" b="0" i="0" u="none" strike="noStrike" cap="none" normalizeH="0" baseline="0">
+              <a:ln>
+                <a:noFill/>
+              </a:ln>
+              <a:solidFill>
+                <a:schemeClr val="tx1"/>
+              </a:solidFill>
+              <a:effectLst/>
+              <a:latin typeface="Arial" panose="020B0604020202020204" pitchFamily="34" charset="0"/>
+            </a:endParaRPr>
+          </a:p>
+          <a:p>
+            <a:pPr marL="285750" marR="0" lvl="0" indent="-285750" algn="l" defTabSz="914400" rtl="0" eaLnBrk="0" fontAlgn="base" latinLnBrk="0" hangingPunct="0">
+              <a:lnSpc>
+                <a:spcPct val="100000"/>
+              </a:lnSpc>
+              <a:spcBef>
+                <a:spcPct val="0"/>
+              </a:spcBef>
+              <a:spcAft>
+                <a:spcPct val="0"/>
+              </a:spcAft>
+              <a:buClrTx/>
+              <a:buSzTx/>
+              <a:buFont typeface="Arial" panose="020B0604020202020204" pitchFamily="34" charset="0"/>
+              <a:buChar char="•"/>
+              <a:tabLst/>
+            </a:pPr>
+            <a:r>
+              <a:rPr kumimoji="0" lang="en-US" altLang="en-US" sz="1300" b="1" i="0" u="none" strike="noStrike" cap="none" normalizeH="0" baseline="0">
+                <a:ln>
+                  <a:noFill/>
+                </a:ln>
+                <a:solidFill>
+                  <a:schemeClr val="tx1"/>
+                </a:solidFill>
+                <a:effectLst/>
+                <a:latin typeface="Arial" panose="020B0604020202020204" pitchFamily="34" charset="0"/>
+              </a:rPr>
+              <a:t>Test Run Status (Test Yoxlanma Statusu)</a:t>
+            </a:r>
+            <a:br>
+              <a:rPr kumimoji="0" lang="en-US" altLang="en-US" sz="1300" b="0" i="0" u="none" strike="noStrike" cap="none" normalizeH="0" baseline="0">
+                <a:ln>
+                  <a:noFill/>
+                </a:ln>
+                <a:solidFill>
+                  <a:schemeClr val="tx1"/>
+                </a:solidFill>
+                <a:effectLst/>
+                <a:latin typeface="Arial" panose="020B0604020202020204" pitchFamily="34" charset="0"/>
+              </a:rPr>
+            </a:br>
+            <a:r>
+              <a:rPr kumimoji="0" lang="en-US" altLang="en-US" sz="1300" b="0" i="0" u="none" strike="noStrike" cap="none" normalizeH="0" baseline="0">
+                <a:ln>
+                  <a:noFill/>
+                </a:ln>
+                <a:solidFill>
+                  <a:schemeClr val="tx1"/>
+                </a:solidFill>
+                <a:effectLst/>
+                <a:latin typeface="Arial" panose="020B0604020202020204" pitchFamily="34" charset="0"/>
+              </a:rPr>
+              <a:t>Testin nəticəsidir. Məsələn, </a:t>
+            </a:r>
+            <a:r>
+              <a:rPr kumimoji="0" lang="en-US" altLang="en-US" sz="1300" b="1" i="0" u="none" strike="noStrike" cap="none" normalizeH="0" baseline="0">
+                <a:ln>
+                  <a:noFill/>
+                </a:ln>
+                <a:solidFill>
+                  <a:schemeClr val="tx1"/>
+                </a:solidFill>
+                <a:effectLst/>
+                <a:latin typeface="Arial" panose="020B0604020202020204" pitchFamily="34" charset="0"/>
+              </a:rPr>
+              <a:t>keçildi</a:t>
+            </a:r>
+            <a:r>
+              <a:rPr kumimoji="0" lang="en-US" altLang="en-US" sz="1300" b="0" i="0" u="none" strike="noStrike" cap="none" normalizeH="0" baseline="0">
+                <a:ln>
+                  <a:noFill/>
+                </a:ln>
+                <a:solidFill>
+                  <a:schemeClr val="tx1"/>
+                </a:solidFill>
+                <a:effectLst/>
+                <a:latin typeface="Arial" panose="020B0604020202020204" pitchFamily="34" charset="0"/>
+              </a:rPr>
+              <a:t> (passed), </a:t>
+            </a:r>
+            <a:r>
+              <a:rPr kumimoji="0" lang="en-US" altLang="en-US" sz="1300" b="1" i="0" u="none" strike="noStrike" cap="none" normalizeH="0" baseline="0">
+                <a:ln>
+                  <a:noFill/>
+                </a:ln>
+                <a:solidFill>
+                  <a:schemeClr val="tx1"/>
+                </a:solidFill>
+                <a:effectLst/>
+                <a:latin typeface="Arial" panose="020B0604020202020204" pitchFamily="34" charset="0"/>
+              </a:rPr>
+              <a:t>uğursuz oldu</a:t>
+            </a:r>
+            <a:r>
+              <a:rPr kumimoji="0" lang="en-US" altLang="en-US" sz="1300" b="0" i="0" u="none" strike="noStrike" cap="none" normalizeH="0" baseline="0">
+                <a:ln>
+                  <a:noFill/>
+                </a:ln>
+                <a:solidFill>
+                  <a:schemeClr val="tx1"/>
+                </a:solidFill>
+                <a:effectLst/>
+                <a:latin typeface="Arial" panose="020B0604020202020204" pitchFamily="34" charset="0"/>
+              </a:rPr>
+              <a:t> (failed), </a:t>
+            </a:r>
+            <a:r>
+              <a:rPr kumimoji="0" lang="en-US" altLang="en-US" sz="1300" b="1" i="0" u="none" strike="noStrike" cap="none" normalizeH="0" baseline="0">
+                <a:ln>
+                  <a:noFill/>
+                </a:ln>
+                <a:solidFill>
+                  <a:schemeClr val="tx1"/>
+                </a:solidFill>
+                <a:effectLst/>
+                <a:latin typeface="Arial" panose="020B0604020202020204" pitchFamily="34" charset="0"/>
+              </a:rPr>
+              <a:t>keçilmədi</a:t>
+            </a:r>
+            <a:r>
+              <a:rPr kumimoji="0" lang="en-US" altLang="en-US" sz="1300" b="0" i="0" u="none" strike="noStrike" cap="none" normalizeH="0" baseline="0">
+                <a:ln>
+                  <a:noFill/>
+                </a:ln>
+                <a:solidFill>
+                  <a:schemeClr val="tx1"/>
+                </a:solidFill>
+                <a:effectLst/>
+                <a:latin typeface="Arial" panose="020B0604020202020204" pitchFamily="34" charset="0"/>
+              </a:rPr>
+              <a:t> (skipped) kimi nəticələri göstərir.</a:t>
+            </a:r>
+            <a:endParaRPr kumimoji="0" lang="az-Latn-AZ" altLang="en-US" sz="1300" b="0" i="0" u="none" strike="noStrike" cap="none" normalizeH="0" baseline="0">
+              <a:ln>
+                <a:noFill/>
+              </a:ln>
+              <a:solidFill>
+                <a:schemeClr val="tx1"/>
+              </a:solidFill>
+              <a:effectLst/>
+              <a:latin typeface="Arial" panose="020B0604020202020204" pitchFamily="34" charset="0"/>
+            </a:endParaRPr>
+          </a:p>
+          <a:p>
+            <a:pPr marL="0" marR="0" lvl="0" indent="0" algn="l" defTabSz="914400" rtl="0" eaLnBrk="0" fontAlgn="base" latinLnBrk="0" hangingPunct="0">
+              <a:lnSpc>
+                <a:spcPct val="100000"/>
+              </a:lnSpc>
+              <a:spcBef>
+                <a:spcPct val="0"/>
+              </a:spcBef>
+              <a:spcAft>
+                <a:spcPct val="0"/>
+              </a:spcAft>
+              <a:buClrTx/>
+              <a:buSzTx/>
+              <a:buFontTx/>
+              <a:buChar char="•"/>
+              <a:tabLst/>
+            </a:pPr>
+            <a:endParaRPr kumimoji="0" lang="en-US" altLang="en-US" sz="1300" b="0" i="0" u="none" strike="noStrike" cap="none" normalizeH="0" baseline="0">
+              <a:ln>
+                <a:noFill/>
+              </a:ln>
+              <a:solidFill>
+                <a:schemeClr val="tx1"/>
+              </a:solidFill>
+              <a:effectLst/>
+              <a:latin typeface="Arial" panose="020B0604020202020204" pitchFamily="34" charset="0"/>
+            </a:endParaRPr>
+          </a:p>
+          <a:p>
+            <a:pPr marL="285750" marR="0" lvl="0" indent="-285750" algn="l" defTabSz="914400" rtl="0" eaLnBrk="0" fontAlgn="base" latinLnBrk="0" hangingPunct="0">
+              <a:lnSpc>
+                <a:spcPct val="100000"/>
+              </a:lnSpc>
+              <a:spcBef>
+                <a:spcPct val="0"/>
+              </a:spcBef>
+              <a:spcAft>
+                <a:spcPct val="0"/>
+              </a:spcAft>
+              <a:buClrTx/>
+              <a:buSzTx/>
+              <a:buFont typeface="Arial" panose="020B0604020202020204" pitchFamily="34" charset="0"/>
+              <a:buChar char="•"/>
+              <a:tabLst/>
+            </a:pPr>
+            <a:r>
+              <a:rPr kumimoji="0" lang="en-US" altLang="en-US" sz="1300" b="1" i="0" u="none" strike="noStrike" cap="none" normalizeH="0" baseline="0">
+                <a:ln>
+                  <a:noFill/>
+                </a:ln>
+                <a:solidFill>
+                  <a:schemeClr val="tx1"/>
+                </a:solidFill>
+                <a:effectLst/>
+                <a:latin typeface="Arial" panose="020B0604020202020204" pitchFamily="34" charset="0"/>
+              </a:rPr>
+              <a:t>Test Case Status (Test Halı Statusu)</a:t>
+            </a:r>
+            <a:br>
+              <a:rPr kumimoji="0" lang="en-US" altLang="en-US" sz="1300" b="0" i="0" u="none" strike="noStrike" cap="none" normalizeH="0" baseline="0">
+                <a:ln>
+                  <a:noFill/>
+                </a:ln>
+                <a:solidFill>
+                  <a:schemeClr val="tx1"/>
+                </a:solidFill>
+                <a:effectLst/>
+                <a:latin typeface="Arial" panose="020B0604020202020204" pitchFamily="34" charset="0"/>
+              </a:rPr>
+            </a:br>
+            <a:r>
+              <a:rPr kumimoji="0" lang="en-US" altLang="en-US" sz="1300" b="0" i="0" u="none" strike="noStrike" cap="none" normalizeH="0" baseline="0">
+                <a:ln>
+                  <a:noFill/>
+                </a:ln>
+                <a:solidFill>
+                  <a:schemeClr val="tx1"/>
+                </a:solidFill>
+                <a:effectLst/>
+                <a:latin typeface="Arial" panose="020B0604020202020204" pitchFamily="34" charset="0"/>
+              </a:rPr>
+              <a:t>Test halının mövcud vəziyyətidir. Məsələn, draft,</a:t>
+            </a:r>
+            <a:r>
+              <a:rPr kumimoji="0" lang="az-Latn-AZ" altLang="en-US" sz="1300" b="0" i="0" u="none" strike="noStrike" cap="none" normalizeH="0" baseline="0">
+                <a:ln>
+                  <a:noFill/>
+                </a:ln>
+                <a:solidFill>
+                  <a:schemeClr val="tx1"/>
+                </a:solidFill>
+                <a:effectLst/>
+                <a:latin typeface="Arial" panose="020B0604020202020204" pitchFamily="34" charset="0"/>
+              </a:rPr>
+              <a:t> </a:t>
+            </a:r>
+            <a:r>
+              <a:rPr kumimoji="0" lang="en-US" altLang="en-US" sz="1300" b="0" i="0" u="none" strike="noStrike" cap="none" normalizeH="0" baseline="0">
+                <a:ln>
+                  <a:noFill/>
+                </a:ln>
+                <a:solidFill>
+                  <a:schemeClr val="tx1"/>
+                </a:solidFill>
+                <a:effectLst/>
+                <a:latin typeface="Arial" panose="020B0604020202020204" pitchFamily="34" charset="0"/>
+              </a:rPr>
+              <a:t>active, outdated kimi halları göstərir.</a:t>
+            </a:r>
+            <a:endParaRPr kumimoji="0" lang="az-Latn-AZ" altLang="en-US" sz="1300" b="0" i="0" u="none" strike="noStrike" cap="none" normalizeH="0" baseline="0">
+              <a:ln>
+                <a:noFill/>
+              </a:ln>
+              <a:solidFill>
+                <a:schemeClr val="tx1"/>
+              </a:solidFill>
+              <a:effectLst/>
+              <a:latin typeface="Arial" panose="020B0604020202020204" pitchFamily="34" charset="0"/>
+            </a:endParaRPr>
+          </a:p>
+          <a:p>
+            <a:pPr marL="0" marR="0" lvl="0" indent="0" algn="l" defTabSz="914400" rtl="0" eaLnBrk="0" fontAlgn="base" latinLnBrk="0" hangingPunct="0">
+              <a:lnSpc>
+                <a:spcPct val="100000"/>
+              </a:lnSpc>
+              <a:spcBef>
+                <a:spcPct val="0"/>
+              </a:spcBef>
+              <a:spcAft>
+                <a:spcPct val="0"/>
+              </a:spcAft>
+              <a:buClrTx/>
+              <a:buSzTx/>
+              <a:buFontTx/>
+              <a:buChar char="•"/>
+              <a:tabLst/>
+            </a:pPr>
+            <a:endParaRPr kumimoji="0" lang="en-US" altLang="en-US" sz="1300" b="0" i="0" u="none" strike="noStrike" cap="none" normalizeH="0" baseline="0">
+              <a:ln>
+                <a:noFill/>
+              </a:ln>
+              <a:solidFill>
+                <a:schemeClr val="tx1"/>
+              </a:solidFill>
+              <a:effectLst/>
+              <a:latin typeface="Arial" panose="020B0604020202020204" pitchFamily="34" charset="0"/>
+            </a:endParaRPr>
+          </a:p>
+          <a:p>
+            <a:pPr marL="285750" marR="0" lvl="0" indent="-285750" algn="l" defTabSz="914400" rtl="0" eaLnBrk="0" fontAlgn="base" latinLnBrk="0" hangingPunct="0">
+              <a:lnSpc>
+                <a:spcPct val="100000"/>
+              </a:lnSpc>
+              <a:spcBef>
+                <a:spcPct val="0"/>
+              </a:spcBef>
+              <a:spcAft>
+                <a:spcPct val="0"/>
+              </a:spcAft>
+              <a:buClrTx/>
+              <a:buSzTx/>
+              <a:buFont typeface="Arial" panose="020B0604020202020204" pitchFamily="34" charset="0"/>
+              <a:buChar char="•"/>
+              <a:tabLst/>
+            </a:pPr>
+            <a:r>
+              <a:rPr kumimoji="0" lang="en-US" altLang="en-US" sz="1300" b="1" i="0" u="none" strike="noStrike" cap="none" normalizeH="0" baseline="0">
+                <a:ln>
+                  <a:noFill/>
+                </a:ln>
+                <a:solidFill>
+                  <a:schemeClr val="tx1"/>
+                </a:solidFill>
+                <a:effectLst/>
+                <a:latin typeface="Arial" panose="020B0604020202020204" pitchFamily="34" charset="0"/>
+              </a:rPr>
+              <a:t>Cheat-sheet (Çit-Şit)</a:t>
+            </a:r>
+            <a:br>
+              <a:rPr kumimoji="0" lang="en-US" altLang="en-US" sz="1300" b="0" i="0" u="none" strike="noStrike" cap="none" normalizeH="0" baseline="0">
+                <a:ln>
+                  <a:noFill/>
+                </a:ln>
+                <a:solidFill>
+                  <a:schemeClr val="tx1"/>
+                </a:solidFill>
+                <a:effectLst/>
+                <a:latin typeface="Arial" panose="020B0604020202020204" pitchFamily="34" charset="0"/>
+              </a:rPr>
+            </a:br>
+            <a:r>
+              <a:rPr kumimoji="0" lang="en-US" altLang="en-US" sz="1300" b="0" i="0" u="none" strike="noStrike" cap="none" normalizeH="0" baseline="0">
+                <a:ln>
+                  <a:noFill/>
+                </a:ln>
+                <a:solidFill>
+                  <a:schemeClr val="tx1"/>
+                </a:solidFill>
+                <a:effectLst/>
+                <a:latin typeface="Arial" panose="020B0604020202020204" pitchFamily="34" charset="0"/>
+              </a:rPr>
+              <a:t>Tez-tez istifadə olunan əmrlər və ya qaydalar üçün qısa və faydalı bələdçi. Məsələn, Git və ya SQL əmrləri üçün tez-tez istifadə olunan siyahı.</a:t>
+            </a:r>
+          </a:p>
+        </p:txBody>
+      </p:sp>
+    </p:spTree>
+    <p:extLst>
+      <p:ext uri="{BB962C8B-B14F-4D97-AF65-F5344CB8AC3E}">
+        <p14:creationId xmlns:p14="http://schemas.microsoft.com/office/powerpoint/2010/main" val="4036954686"/>
       </p:ext>
     </p:extLst>
   </p:cSld>
@@ -15500,7 +16263,7 @@
         <p:spPr>
           <a:xfrm>
             <a:off x="107004" y="158874"/>
-            <a:ext cx="11984477" cy="338554"/>
+            <a:ext cx="11984477" cy="5509200"/>
           </a:xfrm>
           <a:prstGeom prst="rect">
             <a:avLst/>
@@ -15513,23 +16276,219 @@
           </a:bodyPr>
           <a:lstStyle/>
           <a:p>
-            <a:pPr algn="l"/>
-            <a:r>
-              <a:rPr lang="az-Latn-AZ" sz="1600">
-                <a:solidFill>
-                  <a:srgbClr val="303141"/>
-                </a:solidFill>
-                <a:latin typeface="Udemy Sans"/>
-              </a:rPr>
-              <a:t>.</a:t>
-            </a:r>
-            <a:endParaRPr lang="az-Latn-AZ" sz="1600" i="0">
-              <a:solidFill>
-                <a:srgbClr val="303141"/>
-              </a:solidFill>
-              <a:effectLst/>
-              <a:latin typeface="Udemy Sans"/>
-            </a:endParaRPr>
+            <a:pPr>
+              <a:buNone/>
+            </a:pPr>
+            <a:r>
+              <a:rPr lang="en-US" sz="1600" b="1"/>
+              <a:t>✅ 1) User Scenario</a:t>
+            </a:r>
+            <a:endParaRPr lang="az-Latn-AZ" sz="1600" b="1"/>
+          </a:p>
+          <a:p>
+            <a:pPr>
+              <a:buNone/>
+            </a:pPr>
+            <a:endParaRPr lang="en-US" sz="1600" b="1"/>
+          </a:p>
+          <a:p>
+            <a:pPr>
+              <a:buNone/>
+            </a:pPr>
+            <a:r>
+              <a:rPr lang="en-US" sz="1600"/>
+              <a:t>📌 </a:t>
+            </a:r>
+            <a:r>
+              <a:rPr lang="en-US" sz="1600" b="1"/>
+              <a:t>Tərtib edən:</a:t>
+            </a:r>
+            <a:r>
+              <a:rPr lang="en-US" sz="1600"/>
+              <a:t> </a:t>
+            </a:r>
+            <a:r>
+              <a:rPr lang="en-US" sz="1600" b="1"/>
+              <a:t>Business Analyst (BA)</a:t>
+            </a:r>
+            <a:r>
+              <a:rPr lang="en-US" sz="1600"/>
+              <a:t> və ya </a:t>
+            </a:r>
+            <a:r>
+              <a:rPr lang="en-US" sz="1600" b="1"/>
+              <a:t>Product Owner</a:t>
+            </a:r>
+            <a:r>
+              <a:rPr lang="en-US" sz="1600"/>
+              <a:t>, bəzən </a:t>
+            </a:r>
+            <a:r>
+              <a:rPr lang="en-US" sz="1600" b="1"/>
+              <a:t>UX/UI dizayner</a:t>
+            </a:r>
+            <a:endParaRPr lang="az-Latn-AZ" sz="1600" b="1"/>
+          </a:p>
+          <a:p>
+            <a:pPr>
+              <a:buNone/>
+            </a:pPr>
+            <a:br>
+              <a:rPr lang="en-US" sz="1600"/>
+            </a:br>
+            <a:r>
+              <a:rPr lang="en-US" sz="1600" b="1"/>
+              <a:t>Nədir?</a:t>
+            </a:r>
+            <a:endParaRPr lang="en-US" sz="1600"/>
+          </a:p>
+          <a:p>
+            <a:pPr marL="285750" indent="-285750">
+              <a:buFont typeface="Arial" panose="020B0604020202020204" pitchFamily="34" charset="0"/>
+              <a:buChar char="•"/>
+            </a:pPr>
+            <a:r>
+              <a:rPr lang="en-US" sz="1600"/>
+              <a:t>İstifadəçinin sistemi necə istifadə edəcəyini təsvir edən ssenarilərdir.</a:t>
+            </a:r>
+          </a:p>
+          <a:p>
+            <a:pPr marL="285750" indent="-285750">
+              <a:buFont typeface="Arial" panose="020B0604020202020204" pitchFamily="34" charset="0"/>
+              <a:buChar char="•"/>
+            </a:pPr>
+            <a:r>
+              <a:rPr lang="en-US" sz="1600" b="1"/>
+              <a:t>Məsələn</a:t>
+            </a:r>
+            <a:r>
+              <a:rPr lang="en-US" sz="1600"/>
+              <a:t>: "İstifadəçi sayta daxil olur, məhsul seçir və səbətə əlavə edir".</a:t>
+            </a:r>
+            <a:endParaRPr lang="az-Latn-AZ" sz="1600"/>
+          </a:p>
+          <a:p>
+            <a:pPr marL="285750" indent="-285750">
+              <a:buFont typeface="Arial" panose="020B0604020202020204" pitchFamily="34" charset="0"/>
+              <a:buChar char="•"/>
+            </a:pPr>
+            <a:endParaRPr lang="en-US" sz="1600"/>
+          </a:p>
+          <a:p>
+            <a:r>
+              <a:rPr lang="en-US" sz="1600"/>
+              <a:t>🎯 QA mühəndisləri bu ssenarilərə əsaslanaraq </a:t>
+            </a:r>
+            <a:r>
+              <a:rPr lang="en-US" sz="1600" b="1"/>
+              <a:t>test ssenariləri </a:t>
+            </a:r>
+            <a:r>
+              <a:rPr lang="en-US" sz="1600"/>
+              <a:t>yazırlar.</a:t>
+            </a:r>
+            <a:endParaRPr lang="az-Latn-AZ" sz="1600"/>
+          </a:p>
+          <a:p>
+            <a:endParaRPr lang="az-Latn-AZ" sz="1600"/>
+          </a:p>
+          <a:p>
+            <a:endParaRPr lang="az-Latn-AZ" sz="1600"/>
+          </a:p>
+          <a:p>
+            <a:endParaRPr lang="az-Latn-AZ" sz="1600"/>
+          </a:p>
+          <a:p>
+            <a:endParaRPr lang="az-Latn-AZ" sz="1600"/>
+          </a:p>
+          <a:p>
+            <a:endParaRPr lang="az-Latn-AZ" sz="1600"/>
+          </a:p>
+          <a:p>
+            <a:pPr>
+              <a:buNone/>
+            </a:pPr>
+            <a:r>
+              <a:rPr lang="en-US" sz="1600" b="1"/>
+              <a:t>✅ 2) Test Scenario</a:t>
+            </a:r>
+            <a:endParaRPr lang="az-Latn-AZ" sz="1600" b="1"/>
+          </a:p>
+          <a:p>
+            <a:pPr>
+              <a:buNone/>
+            </a:pPr>
+            <a:endParaRPr lang="en-US" sz="1600" b="1"/>
+          </a:p>
+          <a:p>
+            <a:pPr>
+              <a:buNone/>
+            </a:pPr>
+            <a:r>
+              <a:rPr lang="en-US" sz="1600"/>
+              <a:t>📌 </a:t>
+            </a:r>
+            <a:r>
+              <a:rPr lang="en-US" sz="1600" b="1"/>
+              <a:t>Tərtib edən:</a:t>
+            </a:r>
+            <a:r>
+              <a:rPr lang="en-US" sz="1600"/>
+              <a:t> </a:t>
+            </a:r>
+            <a:r>
+              <a:rPr lang="en-US" sz="1600" b="1"/>
+              <a:t>QA mühəndisi (Test Engineer)</a:t>
+            </a:r>
+            <a:endParaRPr lang="az-Latn-AZ" sz="1600" b="1"/>
+          </a:p>
+          <a:p>
+            <a:pPr>
+              <a:buNone/>
+            </a:pPr>
+            <a:br>
+              <a:rPr lang="en-US" sz="1600"/>
+            </a:br>
+            <a:r>
+              <a:rPr lang="en-US" sz="1600" b="1"/>
+              <a:t>Nədir?</a:t>
+            </a:r>
+            <a:endParaRPr lang="en-US" sz="1600"/>
+          </a:p>
+          <a:p>
+            <a:pPr marL="285750" indent="-285750">
+              <a:buFont typeface="Arial" panose="020B0604020202020204" pitchFamily="34" charset="0"/>
+              <a:buChar char="•"/>
+            </a:pPr>
+            <a:r>
+              <a:rPr lang="en-US" sz="1600"/>
+              <a:t>Test etmək istədiyimiz </a:t>
+            </a:r>
+            <a:r>
+              <a:rPr lang="en-US" sz="1600" b="1"/>
+              <a:t>böyük funksionallığın</a:t>
+            </a:r>
+            <a:r>
+              <a:rPr lang="en-US" sz="1600"/>
+              <a:t> təsviridir.</a:t>
+            </a:r>
+          </a:p>
+          <a:p>
+            <a:pPr marL="285750" indent="-285750">
+              <a:buFont typeface="Arial" panose="020B0604020202020204" pitchFamily="34" charset="0"/>
+              <a:buChar char="•"/>
+            </a:pPr>
+            <a:r>
+              <a:rPr lang="en-US" sz="1600" b="1"/>
+              <a:t>Məsələn</a:t>
+            </a:r>
+            <a:r>
+              <a:rPr lang="en-US" sz="1600"/>
+              <a:t>: "İstifadəçi qeydiyyatdan keçə bilir"</a:t>
+            </a:r>
+          </a:p>
+          <a:p>
+            <a:endParaRPr lang="en-US" sz="1600"/>
           </a:p>
         </p:txBody>
       </p:sp>
@@ -15537,6 +16496,1052 @@
     <p:extLst>
       <p:ext uri="{BB962C8B-B14F-4D97-AF65-F5344CB8AC3E}">
         <p14:creationId xmlns:p14="http://schemas.microsoft.com/office/powerpoint/2010/main" val="1451746863"/>
+      </p:ext>
+    </p:extLst>
+  </p:cSld>
+  <p:clrMapOvr>
+    <a:masterClrMapping/>
+  </p:clrMapOvr>
+</p:sld>
+</file>
+
+<file path=ppt/slides/slide36.xml><?xml version="1.0" encoding="utf-8"?>
+<p:sld xmlns:a="http://schemas.openxmlformats.org/drawingml/2006/main" xmlns:r="http://schemas.openxmlformats.org/officeDocument/2006/relationships" xmlns:p="http://schemas.openxmlformats.org/presentationml/2006/main">
+  <p:cSld>
+    <p:spTree>
+      <p:nvGrpSpPr>
+        <p:cNvPr id="1" name="">
+          <a:extLst>
+            <a:ext uri="{FF2B5EF4-FFF2-40B4-BE49-F238E27FC236}">
+              <a16:creationId xmlns:a16="http://schemas.microsoft.com/office/drawing/2014/main" id="{99E89C88-7B71-B54C-074B-343E355C3FE8}"/>
+            </a:ext>
+          </a:extLst>
+        </p:cNvPr>
+        <p:cNvGrpSpPr/>
+        <p:nvPr/>
+      </p:nvGrpSpPr>
+      <p:grpSpPr>
+        <a:xfrm>
+          <a:off x="0" y="0"/>
+          <a:ext cx="0" cy="0"/>
+          <a:chOff x="0" y="0"/>
+          <a:chExt cx="0" cy="0"/>
+        </a:xfrm>
+      </p:grpSpPr>
+      <p:sp>
+        <p:nvSpPr>
+          <p:cNvPr id="3" name="TextBox 2">
+            <a:extLst>
+              <a:ext uri="{FF2B5EF4-FFF2-40B4-BE49-F238E27FC236}">
+                <a16:creationId xmlns:a16="http://schemas.microsoft.com/office/drawing/2014/main" id="{15B4860E-C14D-3BFD-E199-BA5C2457D296}"/>
+              </a:ext>
+            </a:extLst>
+          </p:cNvPr>
+          <p:cNvSpPr txBox="1"/>
+          <p:nvPr/>
+        </p:nvSpPr>
+        <p:spPr>
+          <a:xfrm>
+            <a:off x="107004" y="158874"/>
+            <a:ext cx="11984477" cy="6586418"/>
+          </a:xfrm>
+          <a:prstGeom prst="rect">
+            <a:avLst/>
+          </a:prstGeom>
+          <a:noFill/>
+        </p:spPr>
+        <p:txBody>
+          <a:bodyPr wrap="square">
+            <a:spAutoFit/>
+          </a:bodyPr>
+          <a:lstStyle/>
+          <a:p>
+            <a:pPr>
+              <a:buNone/>
+            </a:pPr>
+            <a:r>
+              <a:rPr lang="en-US" sz="1600" b="1"/>
+              <a:t>✅ 3) Test Suite</a:t>
+            </a:r>
+            <a:endParaRPr lang="az-Latn-AZ" sz="1600" b="1"/>
+          </a:p>
+          <a:p>
+            <a:pPr>
+              <a:buNone/>
+            </a:pPr>
+            <a:endParaRPr lang="en-US" sz="1600" b="1"/>
+          </a:p>
+          <a:p>
+            <a:pPr>
+              <a:buNone/>
+            </a:pPr>
+            <a:r>
+              <a:rPr lang="en-US" sz="1600"/>
+              <a:t>📌 </a:t>
+            </a:r>
+            <a:r>
+              <a:rPr lang="en-US" sz="1600" b="1"/>
+              <a:t>Tərtib edən:</a:t>
+            </a:r>
+            <a:r>
+              <a:rPr lang="en-US" sz="1600"/>
+              <a:t> </a:t>
+            </a:r>
+            <a:r>
+              <a:rPr lang="en-US" sz="1600" b="1"/>
+              <a:t>QA mühəndisi</a:t>
+            </a:r>
+            <a:r>
+              <a:rPr lang="en-US" sz="1600"/>
+              <a:t>, bəzən </a:t>
+            </a:r>
+            <a:r>
+              <a:rPr lang="en-US" sz="1600" b="1"/>
+              <a:t>Test meneceri</a:t>
+            </a:r>
+            <a:endParaRPr lang="az-Latn-AZ" sz="1600" b="1"/>
+          </a:p>
+          <a:p>
+            <a:pPr>
+              <a:buNone/>
+            </a:pPr>
+            <a:br>
+              <a:rPr lang="en-US" sz="1600"/>
+            </a:br>
+            <a:r>
+              <a:rPr lang="en-US" sz="1600" b="1"/>
+              <a:t>Nədir?</a:t>
+            </a:r>
+            <a:endParaRPr lang="en-US" sz="1600"/>
+          </a:p>
+          <a:p>
+            <a:pPr marL="285750" indent="-285750">
+              <a:buFont typeface="Arial" panose="020B0604020202020204" pitchFamily="34" charset="0"/>
+              <a:buChar char="•"/>
+            </a:pPr>
+            <a:r>
+              <a:rPr lang="en-US" sz="1600"/>
+              <a:t>Test Case-lərin qruplaşdırılmış dəstəsidir.</a:t>
+            </a:r>
+          </a:p>
+          <a:p>
+            <a:pPr marL="285750" indent="-285750">
+              <a:buFont typeface="Arial" panose="020B0604020202020204" pitchFamily="34" charset="0"/>
+              <a:buChar char="•"/>
+            </a:pPr>
+            <a:r>
+              <a:rPr lang="en-US" sz="1600" b="1"/>
+              <a:t>Məsələn</a:t>
+            </a:r>
+            <a:r>
+              <a:rPr lang="en-US" sz="1600"/>
+              <a:t>: “Login funksiyası üçün bütün test case-lər bir suite-də toplanır”</a:t>
+            </a:r>
+            <a:endParaRPr lang="az-Latn-AZ" sz="1600"/>
+          </a:p>
+          <a:p>
+            <a:pPr marL="285750" indent="-285750">
+              <a:buFont typeface="Arial" panose="020B0604020202020204" pitchFamily="34" charset="0"/>
+              <a:buChar char="•"/>
+            </a:pPr>
+            <a:endParaRPr lang="az-Latn-AZ" sz="1600"/>
+          </a:p>
+          <a:p>
+            <a:pPr marL="285750" indent="-285750">
+              <a:buFont typeface="Arial" panose="020B0604020202020204" pitchFamily="34" charset="0"/>
+              <a:buChar char="•"/>
+            </a:pPr>
+            <a:endParaRPr lang="az-Latn-AZ" sz="1600"/>
+          </a:p>
+          <a:p>
+            <a:pPr marL="285750" indent="-285750">
+              <a:buFont typeface="Arial" panose="020B0604020202020204" pitchFamily="34" charset="0"/>
+              <a:buChar char="•"/>
+            </a:pPr>
+            <a:endParaRPr lang="az-Latn-AZ" sz="1600"/>
+          </a:p>
+          <a:p>
+            <a:pPr marL="285750" indent="-285750">
+              <a:buFont typeface="Arial" panose="020B0604020202020204" pitchFamily="34" charset="0"/>
+              <a:buChar char="•"/>
+            </a:pPr>
+            <a:endParaRPr lang="az-Latn-AZ" sz="1600"/>
+          </a:p>
+          <a:p>
+            <a:pPr marL="285750" indent="-285750">
+              <a:buFont typeface="Arial" panose="020B0604020202020204" pitchFamily="34" charset="0"/>
+              <a:buChar char="•"/>
+            </a:pPr>
+            <a:endParaRPr lang="az-Latn-AZ" sz="1600"/>
+          </a:p>
+          <a:p>
+            <a:endParaRPr lang="az-Latn-AZ" sz="1600"/>
+          </a:p>
+          <a:p>
+            <a:pPr>
+              <a:buNone/>
+            </a:pPr>
+            <a:r>
+              <a:rPr lang="en-US" b="1"/>
+              <a:t>✅ 4) Test Case</a:t>
+            </a:r>
+            <a:endParaRPr lang="az-Latn-AZ" b="1"/>
+          </a:p>
+          <a:p>
+            <a:pPr>
+              <a:buNone/>
+            </a:pPr>
+            <a:endParaRPr lang="en-US" b="1"/>
+          </a:p>
+          <a:p>
+            <a:pPr>
+              <a:buNone/>
+            </a:pPr>
+            <a:r>
+              <a:rPr lang="en-US"/>
+              <a:t>📌 </a:t>
+            </a:r>
+            <a:r>
+              <a:rPr lang="en-US" b="1"/>
+              <a:t>Tərtib edən:</a:t>
+            </a:r>
+            <a:r>
+              <a:rPr lang="en-US"/>
+              <a:t> </a:t>
+            </a:r>
+            <a:r>
+              <a:rPr lang="en-US" b="1"/>
+              <a:t>QA mühəndisi</a:t>
+            </a:r>
+            <a:endParaRPr lang="az-Latn-AZ" b="1"/>
+          </a:p>
+          <a:p>
+            <a:pPr>
+              <a:buNone/>
+            </a:pPr>
+            <a:br>
+              <a:rPr lang="en-US"/>
+            </a:br>
+            <a:r>
+              <a:rPr lang="en-US" b="1"/>
+              <a:t>Nədir?</a:t>
+            </a:r>
+            <a:endParaRPr lang="en-US"/>
+          </a:p>
+          <a:p>
+            <a:pPr marL="285750" indent="-285750">
+              <a:buFont typeface="Arial" panose="020B0604020202020204" pitchFamily="34" charset="0"/>
+              <a:buChar char="•"/>
+            </a:pPr>
+            <a:r>
+              <a:rPr lang="en-US"/>
+              <a:t>Adım-adım sınaq ssenariləri.</a:t>
+            </a:r>
+          </a:p>
+          <a:p>
+            <a:pPr marL="285750" indent="-285750">
+              <a:buFont typeface="Arial" panose="020B0604020202020204" pitchFamily="34" charset="0"/>
+              <a:buChar char="•"/>
+            </a:pPr>
+            <a:r>
+              <a:rPr lang="en-US" b="1"/>
+              <a:t>Məsələn</a:t>
+            </a:r>
+            <a:r>
+              <a:rPr lang="en-US"/>
+              <a:t>:</a:t>
+            </a:r>
+          </a:p>
+          <a:p>
+            <a:pPr marL="742950" lvl="1" indent="-285750">
+              <a:buFont typeface="Arial" panose="020B0604020202020204" pitchFamily="34" charset="0"/>
+              <a:buChar char="•"/>
+            </a:pPr>
+            <a:r>
+              <a:rPr lang="en-US"/>
+              <a:t>Step 1: E-poçt daxil et</a:t>
+            </a:r>
+          </a:p>
+          <a:p>
+            <a:pPr marL="742950" lvl="1" indent="-285750">
+              <a:buFont typeface="Arial" panose="020B0604020202020204" pitchFamily="34" charset="0"/>
+              <a:buChar char="•"/>
+            </a:pPr>
+            <a:r>
+              <a:rPr lang="en-US"/>
+              <a:t>Step 2: Şifrə daxil et</a:t>
+            </a:r>
+          </a:p>
+          <a:p>
+            <a:pPr marL="742950" lvl="1" indent="-285750">
+              <a:buFont typeface="Arial" panose="020B0604020202020204" pitchFamily="34" charset="0"/>
+              <a:buChar char="•"/>
+            </a:pPr>
+            <a:r>
+              <a:rPr lang="en-US"/>
+              <a:t>Step 3: "Login" kliklə</a:t>
+            </a:r>
+          </a:p>
+          <a:p>
+            <a:pPr marL="742950" lvl="1" indent="-285750">
+              <a:buFont typeface="Arial" panose="020B0604020202020204" pitchFamily="34" charset="0"/>
+              <a:buChar char="•"/>
+            </a:pPr>
+            <a:r>
+              <a:rPr lang="en-US"/>
+              <a:t>Expected Result: İstifadəçi sistemə daxil olur</a:t>
+            </a:r>
+          </a:p>
+          <a:p>
+            <a:endParaRPr lang="en-US" sz="1600"/>
+          </a:p>
+        </p:txBody>
+      </p:sp>
+    </p:spTree>
+    <p:extLst>
+      <p:ext uri="{BB962C8B-B14F-4D97-AF65-F5344CB8AC3E}">
+        <p14:creationId xmlns:p14="http://schemas.microsoft.com/office/powerpoint/2010/main" val="678492066"/>
+      </p:ext>
+    </p:extLst>
+  </p:cSld>
+  <p:clrMapOvr>
+    <a:masterClrMapping/>
+  </p:clrMapOvr>
+</p:sld>
+</file>
+
+<file path=ppt/slides/slide37.xml><?xml version="1.0" encoding="utf-8"?>
+<p:sld xmlns:a="http://schemas.openxmlformats.org/drawingml/2006/main" xmlns:r="http://schemas.openxmlformats.org/officeDocument/2006/relationships" xmlns:p="http://schemas.openxmlformats.org/presentationml/2006/main">
+  <p:cSld>
+    <p:spTree>
+      <p:nvGrpSpPr>
+        <p:cNvPr id="1" name="">
+          <a:extLst>
+            <a:ext uri="{FF2B5EF4-FFF2-40B4-BE49-F238E27FC236}">
+              <a16:creationId xmlns:a16="http://schemas.microsoft.com/office/drawing/2014/main" id="{ACCC7217-0D50-F8C6-7F18-8964BB7B0892}"/>
+            </a:ext>
+          </a:extLst>
+        </p:cNvPr>
+        <p:cNvGrpSpPr/>
+        <p:nvPr/>
+      </p:nvGrpSpPr>
+      <p:grpSpPr>
+        <a:xfrm>
+          <a:off x="0" y="0"/>
+          <a:ext cx="0" cy="0"/>
+          <a:chOff x="0" y="0"/>
+          <a:chExt cx="0" cy="0"/>
+        </a:xfrm>
+      </p:grpSpPr>
+      <p:sp>
+        <p:nvSpPr>
+          <p:cNvPr id="3" name="TextBox 2">
+            <a:extLst>
+              <a:ext uri="{FF2B5EF4-FFF2-40B4-BE49-F238E27FC236}">
+                <a16:creationId xmlns:a16="http://schemas.microsoft.com/office/drawing/2014/main" id="{A0352A3D-6832-CB55-EFAB-5CE7EDBE9E94}"/>
+              </a:ext>
+            </a:extLst>
+          </p:cNvPr>
+          <p:cNvSpPr txBox="1"/>
+          <p:nvPr/>
+        </p:nvSpPr>
+        <p:spPr>
+          <a:xfrm>
+            <a:off x="107004" y="158874"/>
+            <a:ext cx="11984477" cy="6463308"/>
+          </a:xfrm>
+          <a:prstGeom prst="rect">
+            <a:avLst/>
+          </a:prstGeom>
+          <a:noFill/>
+        </p:spPr>
+        <p:txBody>
+          <a:bodyPr wrap="square">
+            <a:spAutoFit/>
+          </a:bodyPr>
+          <a:lstStyle/>
+          <a:p>
+            <a:pPr>
+              <a:buNone/>
+            </a:pPr>
+            <a:r>
+              <a:rPr lang="en-US" b="1"/>
+              <a:t>✅ 5) Check-list</a:t>
+            </a:r>
+            <a:endParaRPr lang="az-Latn-AZ" b="1"/>
+          </a:p>
+          <a:p>
+            <a:pPr>
+              <a:buNone/>
+            </a:pPr>
+            <a:endParaRPr lang="en-US" b="1"/>
+          </a:p>
+          <a:p>
+            <a:pPr>
+              <a:buNone/>
+            </a:pPr>
+            <a:r>
+              <a:rPr lang="en-US"/>
+              <a:t>📌 </a:t>
+            </a:r>
+            <a:r>
+              <a:rPr lang="en-US" b="1"/>
+              <a:t>Tərtib edən:</a:t>
+            </a:r>
+            <a:r>
+              <a:rPr lang="en-US"/>
+              <a:t> </a:t>
+            </a:r>
+            <a:r>
+              <a:rPr lang="en-US" b="1"/>
+              <a:t>QA mühəndisi</a:t>
+            </a:r>
+            <a:endParaRPr lang="az-Latn-AZ" b="1"/>
+          </a:p>
+          <a:p>
+            <a:pPr>
+              <a:buNone/>
+            </a:pPr>
+            <a:br>
+              <a:rPr lang="en-US"/>
+            </a:br>
+            <a:r>
+              <a:rPr lang="en-US" b="1"/>
+              <a:t>Nədir?</a:t>
+            </a:r>
+            <a:endParaRPr lang="en-US"/>
+          </a:p>
+          <a:p>
+            <a:pPr marL="285750" indent="-285750">
+              <a:buFont typeface="Arial" panose="020B0604020202020204" pitchFamily="34" charset="0"/>
+              <a:buChar char="•"/>
+            </a:pPr>
+            <a:r>
+              <a:rPr lang="en-US"/>
+              <a:t>Test zamanı nəzərə alınmalı </a:t>
+            </a:r>
+            <a:r>
+              <a:rPr lang="en-US" b="1"/>
+              <a:t>sürətli yoxlama siyahısıdır.</a:t>
+            </a:r>
+            <a:endParaRPr lang="en-US"/>
+          </a:p>
+          <a:p>
+            <a:pPr marL="285750" indent="-285750">
+              <a:buFont typeface="Arial" panose="020B0604020202020204" pitchFamily="34" charset="0"/>
+              <a:buChar char="•"/>
+            </a:pPr>
+            <a:r>
+              <a:rPr lang="en-US" b="1"/>
+              <a:t>Məsələn</a:t>
+            </a:r>
+            <a:r>
+              <a:rPr lang="en-US"/>
+              <a:t>:</a:t>
+            </a:r>
+          </a:p>
+          <a:p>
+            <a:pPr marL="742950" lvl="1" indent="-285750">
+              <a:buFont typeface="Arial" panose="020B0604020202020204" pitchFamily="34" charset="0"/>
+              <a:buChar char="•"/>
+            </a:pPr>
+            <a:r>
+              <a:rPr lang="en-US"/>
+              <a:t>Bütün linklər işləyir</a:t>
+            </a:r>
+          </a:p>
+          <a:p>
+            <a:pPr marL="742950" lvl="1" indent="-285750">
+              <a:buFont typeface="Arial" panose="020B0604020202020204" pitchFamily="34" charset="0"/>
+              <a:buChar char="•"/>
+            </a:pPr>
+            <a:r>
+              <a:rPr lang="en-US"/>
+              <a:t>Mobil görünüş düzgündür</a:t>
+            </a:r>
+          </a:p>
+          <a:p>
+            <a:pPr marL="742950" lvl="1" indent="-285750">
+              <a:buFont typeface="Arial" panose="020B0604020202020204" pitchFamily="34" charset="0"/>
+              <a:buChar char="•"/>
+            </a:pPr>
+            <a:r>
+              <a:rPr lang="en-US"/>
+              <a:t>Şifrə sahəsi maskalanıb</a:t>
+            </a:r>
+            <a:br>
+              <a:rPr lang="az-Latn-AZ"/>
+            </a:br>
+            <a:br>
+              <a:rPr lang="az-Latn-AZ"/>
+            </a:br>
+            <a:br>
+              <a:rPr lang="az-Latn-AZ"/>
+            </a:br>
+            <a:endParaRPr lang="az-Latn-AZ"/>
+          </a:p>
+          <a:p>
+            <a:pPr>
+              <a:buNone/>
+            </a:pPr>
+            <a:r>
+              <a:rPr lang="en-US" b="1"/>
+              <a:t>✅ 6) Test Run Status</a:t>
+            </a:r>
+            <a:endParaRPr lang="az-Latn-AZ" b="1"/>
+          </a:p>
+          <a:p>
+            <a:pPr>
+              <a:buNone/>
+            </a:pPr>
+            <a:endParaRPr lang="en-US" b="1"/>
+          </a:p>
+          <a:p>
+            <a:pPr>
+              <a:buNone/>
+            </a:pPr>
+            <a:r>
+              <a:rPr lang="en-US"/>
+              <a:t>📌 </a:t>
+            </a:r>
+            <a:r>
+              <a:rPr lang="en-US" b="1"/>
+              <a:t>Təyin edən:</a:t>
+            </a:r>
+            <a:r>
+              <a:rPr lang="en-US"/>
+              <a:t> </a:t>
+            </a:r>
+            <a:r>
+              <a:rPr lang="en-US" b="1"/>
+              <a:t>QA mühəndisi</a:t>
+            </a:r>
+            <a:r>
+              <a:rPr lang="en-US"/>
+              <a:t> testləri keçirdikdən sonra</a:t>
+            </a:r>
+            <a:endParaRPr lang="az-Latn-AZ"/>
+          </a:p>
+          <a:p>
+            <a:pPr>
+              <a:buNone/>
+            </a:pPr>
+            <a:br>
+              <a:rPr lang="en-US"/>
+            </a:br>
+            <a:r>
+              <a:rPr lang="en-US" b="1"/>
+              <a:t>Nədir?</a:t>
+            </a:r>
+            <a:endParaRPr lang="en-US"/>
+          </a:p>
+          <a:p>
+            <a:pPr marL="285750" indent="-285750">
+              <a:buFont typeface="Arial" panose="020B0604020202020204" pitchFamily="34" charset="0"/>
+              <a:buChar char="•"/>
+            </a:pPr>
+            <a:r>
+              <a:rPr lang="en-US"/>
+              <a:t>Test Suite və ya bir neçə Test Case-in nəticəsinin statusudur:</a:t>
+            </a:r>
+          </a:p>
+          <a:p>
+            <a:pPr marL="742950" lvl="1" indent="-285750">
+              <a:buFont typeface="Arial" panose="020B0604020202020204" pitchFamily="34" charset="0"/>
+              <a:buChar char="•"/>
+            </a:pPr>
+            <a:r>
+              <a:rPr lang="en-US"/>
+              <a:t>✅ Passed</a:t>
+            </a:r>
+          </a:p>
+          <a:p>
+            <a:pPr marL="742950" lvl="1" indent="-285750">
+              <a:buFont typeface="Arial" panose="020B0604020202020204" pitchFamily="34" charset="0"/>
+              <a:buChar char="•"/>
+            </a:pPr>
+            <a:r>
+              <a:rPr lang="en-US"/>
+              <a:t>❌ Failed</a:t>
+            </a:r>
+          </a:p>
+          <a:p>
+            <a:pPr marL="742950" lvl="1" indent="-285750">
+              <a:buFont typeface="Arial" panose="020B0604020202020204" pitchFamily="34" charset="0"/>
+              <a:buChar char="•"/>
+            </a:pPr>
+            <a:r>
+              <a:rPr lang="en-US"/>
+              <a:t>⏸ Blocked</a:t>
+            </a:r>
+          </a:p>
+          <a:p>
+            <a:pPr marL="742950" lvl="1" indent="-285750">
+              <a:buFont typeface="Arial" panose="020B0604020202020204" pitchFamily="34" charset="0"/>
+              <a:buChar char="•"/>
+            </a:pPr>
+            <a:r>
+              <a:rPr lang="en-US"/>
+              <a:t>🔄 In Progress</a:t>
+            </a:r>
+          </a:p>
+        </p:txBody>
+      </p:sp>
+    </p:spTree>
+    <p:extLst>
+      <p:ext uri="{BB962C8B-B14F-4D97-AF65-F5344CB8AC3E}">
+        <p14:creationId xmlns:p14="http://schemas.microsoft.com/office/powerpoint/2010/main" val="3773226261"/>
+      </p:ext>
+    </p:extLst>
+  </p:cSld>
+  <p:clrMapOvr>
+    <a:masterClrMapping/>
+  </p:clrMapOvr>
+</p:sld>
+</file>
+
+<file path=ppt/slides/slide38.xml><?xml version="1.0" encoding="utf-8"?>
+<p:sld xmlns:a="http://schemas.openxmlformats.org/drawingml/2006/main" xmlns:r="http://schemas.openxmlformats.org/officeDocument/2006/relationships" xmlns:p="http://schemas.openxmlformats.org/presentationml/2006/main">
+  <p:cSld>
+    <p:spTree>
+      <p:nvGrpSpPr>
+        <p:cNvPr id="1" name="">
+          <a:extLst>
+            <a:ext uri="{FF2B5EF4-FFF2-40B4-BE49-F238E27FC236}">
+              <a16:creationId xmlns:a16="http://schemas.microsoft.com/office/drawing/2014/main" id="{843240A4-C35E-AFDA-E38A-2989DA97D6DC}"/>
+            </a:ext>
+          </a:extLst>
+        </p:cNvPr>
+        <p:cNvGrpSpPr/>
+        <p:nvPr/>
+      </p:nvGrpSpPr>
+      <p:grpSpPr>
+        <a:xfrm>
+          <a:off x="0" y="0"/>
+          <a:ext cx="0" cy="0"/>
+          <a:chOff x="0" y="0"/>
+          <a:chExt cx="0" cy="0"/>
+        </a:xfrm>
+      </p:grpSpPr>
+      <p:sp>
+        <p:nvSpPr>
+          <p:cNvPr id="3" name="TextBox 2">
+            <a:extLst>
+              <a:ext uri="{FF2B5EF4-FFF2-40B4-BE49-F238E27FC236}">
+                <a16:creationId xmlns:a16="http://schemas.microsoft.com/office/drawing/2014/main" id="{3F7BB818-7E68-3C1B-64C6-E54B47A456FB}"/>
+              </a:ext>
+            </a:extLst>
+          </p:cNvPr>
+          <p:cNvSpPr txBox="1"/>
+          <p:nvPr/>
+        </p:nvSpPr>
+        <p:spPr>
+          <a:xfrm>
+            <a:off x="107004" y="158874"/>
+            <a:ext cx="11984477" cy="4770537"/>
+          </a:xfrm>
+          <a:prstGeom prst="rect">
+            <a:avLst/>
+          </a:prstGeom>
+          <a:noFill/>
+        </p:spPr>
+        <p:txBody>
+          <a:bodyPr wrap="square">
+            <a:spAutoFit/>
+          </a:bodyPr>
+          <a:lstStyle/>
+          <a:p>
+            <a:pPr>
+              <a:buNone/>
+            </a:pPr>
+            <a:r>
+              <a:rPr lang="en-US" sz="1600" b="1"/>
+              <a:t>✅ 7) Test Case Status</a:t>
+            </a:r>
+            <a:endParaRPr lang="az-Latn-AZ" sz="1600" b="1"/>
+          </a:p>
+          <a:p>
+            <a:pPr>
+              <a:buNone/>
+            </a:pPr>
+            <a:endParaRPr lang="en-US" sz="1600" b="1"/>
+          </a:p>
+          <a:p>
+            <a:pPr>
+              <a:buNone/>
+            </a:pPr>
+            <a:r>
+              <a:rPr lang="en-US" sz="1600"/>
+              <a:t>📌 </a:t>
+            </a:r>
+            <a:r>
+              <a:rPr lang="en-US" sz="1600" b="1"/>
+              <a:t>Təyin edən:</a:t>
+            </a:r>
+            <a:r>
+              <a:rPr lang="en-US" sz="1600"/>
+              <a:t> </a:t>
+            </a:r>
+            <a:r>
+              <a:rPr lang="en-US" sz="1600" b="1"/>
+              <a:t>QA mühəndisi</a:t>
+            </a:r>
+            <a:endParaRPr lang="az-Latn-AZ" sz="1600" b="1"/>
+          </a:p>
+          <a:p>
+            <a:pPr>
+              <a:buNone/>
+            </a:pPr>
+            <a:br>
+              <a:rPr lang="en-US" sz="1600"/>
+            </a:br>
+            <a:r>
+              <a:rPr lang="en-US" sz="1600" b="1"/>
+              <a:t>Nədir?</a:t>
+            </a:r>
+            <a:endParaRPr lang="en-US" sz="1600"/>
+          </a:p>
+          <a:p>
+            <a:pPr marL="285750" indent="-285750">
+              <a:buFont typeface="Arial" panose="020B0604020202020204" pitchFamily="34" charset="0"/>
+              <a:buChar char="•"/>
+            </a:pPr>
+            <a:r>
+              <a:rPr lang="en-US" sz="1600"/>
+              <a:t>Hər bir ayrı-ayrı test case-in keçib-keçmədiyi.</a:t>
+            </a:r>
+          </a:p>
+          <a:p>
+            <a:pPr marL="285750" indent="-285750">
+              <a:buFont typeface="Arial" panose="020B0604020202020204" pitchFamily="34" charset="0"/>
+              <a:buChar char="•"/>
+            </a:pPr>
+            <a:r>
+              <a:rPr lang="en-US" sz="1600"/>
+              <a:t>Eynilə: Passed, Failed, Blocked, Skipped və s.</a:t>
+            </a:r>
+            <a:endParaRPr lang="az-Latn-AZ" sz="1600"/>
+          </a:p>
+          <a:p>
+            <a:pPr marL="285750" indent="-285750">
+              <a:buFont typeface="Arial" panose="020B0604020202020204" pitchFamily="34" charset="0"/>
+              <a:buChar char="•"/>
+            </a:pPr>
+            <a:endParaRPr lang="az-Latn-AZ" sz="1600"/>
+          </a:p>
+          <a:p>
+            <a:pPr marL="285750" indent="-285750">
+              <a:buFont typeface="Arial" panose="020B0604020202020204" pitchFamily="34" charset="0"/>
+              <a:buChar char="•"/>
+            </a:pPr>
+            <a:endParaRPr lang="az-Latn-AZ" sz="1600"/>
+          </a:p>
+          <a:p>
+            <a:pPr marL="285750" indent="-285750">
+              <a:buFont typeface="Arial" panose="020B0604020202020204" pitchFamily="34" charset="0"/>
+              <a:buChar char="•"/>
+            </a:pPr>
+            <a:endParaRPr lang="az-Latn-AZ" sz="1600"/>
+          </a:p>
+          <a:p>
+            <a:pPr marL="285750" indent="-285750">
+              <a:buFont typeface="Arial" panose="020B0604020202020204" pitchFamily="34" charset="0"/>
+              <a:buChar char="•"/>
+            </a:pPr>
+            <a:endParaRPr lang="az-Latn-AZ" sz="1600"/>
+          </a:p>
+          <a:p>
+            <a:pPr>
+              <a:buNone/>
+            </a:pPr>
+            <a:r>
+              <a:rPr lang="en-US" sz="1600" b="1"/>
+              <a:t>✅ 8) Cheat-sheet</a:t>
+            </a:r>
+            <a:endParaRPr lang="az-Latn-AZ" sz="1600" b="1"/>
+          </a:p>
+          <a:p>
+            <a:pPr>
+              <a:buNone/>
+            </a:pPr>
+            <a:endParaRPr lang="en-US" sz="1600" b="1"/>
+          </a:p>
+          <a:p>
+            <a:pPr>
+              <a:buNone/>
+            </a:pPr>
+            <a:r>
+              <a:rPr lang="en-US" sz="1600"/>
+              <a:t>📌 </a:t>
+            </a:r>
+            <a:r>
+              <a:rPr lang="en-US" sz="1600" b="1"/>
+              <a:t>Tərtib edən:</a:t>
+            </a:r>
+            <a:r>
+              <a:rPr lang="en-US" sz="1600"/>
+              <a:t> Adətən </a:t>
+            </a:r>
+            <a:r>
+              <a:rPr lang="en-US" sz="1600" b="1"/>
+              <a:t>QA mühəndisi özü üçün</a:t>
+            </a:r>
+            <a:r>
+              <a:rPr lang="en-US" sz="1600"/>
+              <a:t>, bəzən komanda üçün</a:t>
+            </a:r>
+            <a:endParaRPr lang="az-Latn-AZ" sz="1600"/>
+          </a:p>
+          <a:p>
+            <a:pPr>
+              <a:buNone/>
+            </a:pPr>
+            <a:br>
+              <a:rPr lang="en-US" sz="1600"/>
+            </a:br>
+            <a:r>
+              <a:rPr lang="en-US" sz="1600" b="1"/>
+              <a:t>Nədir?</a:t>
+            </a:r>
+            <a:endParaRPr lang="en-US" sz="1600"/>
+          </a:p>
+          <a:p>
+            <a:pPr marL="285750" indent="-285750">
+              <a:buFont typeface="Arial" panose="020B0604020202020204" pitchFamily="34" charset="0"/>
+              <a:buChar char="•"/>
+            </a:pPr>
+            <a:r>
+              <a:rPr lang="en-US" sz="1600"/>
+              <a:t>Tez-tez istifadə olunan komanda, kod nümunəsi, URL-lər və ya proseslər.</a:t>
+            </a:r>
+          </a:p>
+          <a:p>
+            <a:pPr marL="285750" indent="-285750">
+              <a:buFont typeface="Arial" panose="020B0604020202020204" pitchFamily="34" charset="0"/>
+              <a:buChar char="•"/>
+            </a:pPr>
+            <a:r>
+              <a:rPr lang="en-US" sz="1600"/>
+              <a:t>Məsələn: Postman komandaları, SQL sorğuları, Linux əmrləri və s.</a:t>
+            </a:r>
+          </a:p>
+          <a:p>
+            <a:endParaRPr lang="en-US" sz="1600"/>
+          </a:p>
+        </p:txBody>
+      </p:sp>
+    </p:spTree>
+    <p:extLst>
+      <p:ext uri="{BB962C8B-B14F-4D97-AF65-F5344CB8AC3E}">
+        <p14:creationId xmlns:p14="http://schemas.microsoft.com/office/powerpoint/2010/main" val="1262587443"/>
+      </p:ext>
+    </p:extLst>
+  </p:cSld>
+  <p:clrMapOvr>
+    <a:masterClrMapping/>
+  </p:clrMapOvr>
+</p:sld>
+</file>
+
+<file path=ppt/slides/slide39.xml><?xml version="1.0" encoding="utf-8"?>
+<p:sld xmlns:a="http://schemas.openxmlformats.org/drawingml/2006/main" xmlns:r="http://schemas.openxmlformats.org/officeDocument/2006/relationships" xmlns:p="http://schemas.openxmlformats.org/presentationml/2006/main">
+  <p:cSld>
+    <p:spTree>
+      <p:nvGrpSpPr>
+        <p:cNvPr id="1" name="">
+          <a:extLst>
+            <a:ext uri="{FF2B5EF4-FFF2-40B4-BE49-F238E27FC236}">
+              <a16:creationId xmlns:a16="http://schemas.microsoft.com/office/drawing/2014/main" id="{C450317A-B743-CE19-B42F-8F44B3AC3D32}"/>
+            </a:ext>
+          </a:extLst>
+        </p:cNvPr>
+        <p:cNvGrpSpPr/>
+        <p:nvPr/>
+      </p:nvGrpSpPr>
+      <p:grpSpPr>
+        <a:xfrm>
+          <a:off x="0" y="0"/>
+          <a:ext cx="0" cy="0"/>
+          <a:chOff x="0" y="0"/>
+          <a:chExt cx="0" cy="0"/>
+        </a:xfrm>
+      </p:grpSpPr>
+      <p:sp>
+        <p:nvSpPr>
+          <p:cNvPr id="3" name="TextBox 2">
+            <a:extLst>
+              <a:ext uri="{FF2B5EF4-FFF2-40B4-BE49-F238E27FC236}">
+                <a16:creationId xmlns:a16="http://schemas.microsoft.com/office/drawing/2014/main" id="{E915B6C6-D991-25CD-5575-6F37BDD38F2D}"/>
+              </a:ext>
+            </a:extLst>
+          </p:cNvPr>
+          <p:cNvSpPr txBox="1"/>
+          <p:nvPr/>
+        </p:nvSpPr>
+        <p:spPr>
+          <a:xfrm>
+            <a:off x="107004" y="158874"/>
+            <a:ext cx="11984477" cy="3693319"/>
+          </a:xfrm>
+          <a:prstGeom prst="rect">
+            <a:avLst/>
+          </a:prstGeom>
+          <a:noFill/>
+        </p:spPr>
+        <p:txBody>
+          <a:bodyPr wrap="square">
+            <a:spAutoFit/>
+          </a:bodyPr>
+          <a:lstStyle/>
+          <a:p>
+            <a:pPr>
+              <a:buNone/>
+            </a:pPr>
+            <a:r>
+              <a:rPr lang="en-US" b="1"/>
+              <a:t>✅ 9) Test Plan</a:t>
+            </a:r>
+            <a:endParaRPr lang="az-Latn-AZ" b="1"/>
+          </a:p>
+          <a:p>
+            <a:pPr>
+              <a:buNone/>
+            </a:pPr>
+            <a:endParaRPr lang="en-US" b="1"/>
+          </a:p>
+          <a:p>
+            <a:pPr>
+              <a:buNone/>
+            </a:pPr>
+            <a:r>
+              <a:rPr lang="en-US"/>
+              <a:t>📌 </a:t>
+            </a:r>
+            <a:r>
+              <a:rPr lang="en-US" b="1"/>
+              <a:t>Tərtib edən:</a:t>
+            </a:r>
+            <a:r>
+              <a:rPr lang="en-US"/>
+              <a:t> </a:t>
+            </a:r>
+            <a:r>
+              <a:rPr lang="en-US" b="1"/>
+              <a:t>Test meneceri</a:t>
+            </a:r>
+            <a:r>
+              <a:rPr lang="en-US"/>
+              <a:t> və ya </a:t>
+            </a:r>
+            <a:r>
+              <a:rPr lang="en-US" b="1"/>
+              <a:t>senior QA mühəndisi</a:t>
+            </a:r>
+            <a:endParaRPr lang="az-Latn-AZ" b="1"/>
+          </a:p>
+          <a:p>
+            <a:pPr>
+              <a:buNone/>
+            </a:pPr>
+            <a:br>
+              <a:rPr lang="en-US"/>
+            </a:br>
+            <a:r>
+              <a:rPr lang="en-US" b="1"/>
+              <a:t>Nədir?</a:t>
+            </a:r>
+            <a:endParaRPr lang="az-Latn-AZ" b="1"/>
+          </a:p>
+          <a:p>
+            <a:pPr>
+              <a:buNone/>
+            </a:pPr>
+            <a:endParaRPr lang="en-US"/>
+          </a:p>
+          <a:p>
+            <a:pPr marL="285750" indent="-285750">
+              <a:buFont typeface="Arial" panose="020B0604020202020204" pitchFamily="34" charset="0"/>
+              <a:buChar char="•"/>
+            </a:pPr>
+            <a:r>
+              <a:rPr lang="en-US"/>
+              <a:t>Test proseslərinin </a:t>
+            </a:r>
+            <a:r>
+              <a:rPr lang="en-US" b="1"/>
+              <a:t>ətraflı planlaşdırılması sənədi</a:t>
+            </a:r>
+            <a:r>
+              <a:rPr lang="en-US"/>
+              <a:t>dir.</a:t>
+            </a:r>
+          </a:p>
+          <a:p>
+            <a:pPr marL="285750" indent="-285750">
+              <a:buFont typeface="Arial" panose="020B0604020202020204" pitchFamily="34" charset="0"/>
+              <a:buChar char="•"/>
+            </a:pPr>
+            <a:r>
+              <a:rPr lang="en-US"/>
+              <a:t>Daxildir:</a:t>
+            </a:r>
+          </a:p>
+          <a:p>
+            <a:pPr marL="742950" lvl="1" indent="-285750">
+              <a:buFont typeface="Arial" panose="020B0604020202020204" pitchFamily="34" charset="0"/>
+              <a:buChar char="•"/>
+            </a:pPr>
+            <a:r>
+              <a:rPr lang="en-US"/>
+              <a:t>Nə test ediləcək</a:t>
+            </a:r>
+          </a:p>
+          <a:p>
+            <a:pPr marL="742950" lvl="1" indent="-285750">
+              <a:buFont typeface="Arial" panose="020B0604020202020204" pitchFamily="34" charset="0"/>
+              <a:buChar char="•"/>
+            </a:pPr>
+            <a:r>
+              <a:rPr lang="en-US"/>
+              <a:t>Kim edəcək</a:t>
+            </a:r>
+          </a:p>
+          <a:p>
+            <a:pPr marL="742950" lvl="1" indent="-285750">
+              <a:buFont typeface="Arial" panose="020B0604020202020204" pitchFamily="34" charset="0"/>
+              <a:buChar char="•"/>
+            </a:pPr>
+            <a:r>
+              <a:rPr lang="en-US"/>
+              <a:t>Hansı alətlərlə</a:t>
+            </a:r>
+          </a:p>
+          <a:p>
+            <a:pPr marL="742950" lvl="1" indent="-285750">
+              <a:buFont typeface="Arial" panose="020B0604020202020204" pitchFamily="34" charset="0"/>
+              <a:buChar char="•"/>
+            </a:pPr>
+            <a:r>
+              <a:rPr lang="en-US"/>
+              <a:t>Nə zaman</a:t>
+            </a:r>
+          </a:p>
+          <a:p>
+            <a:pPr marL="742950" lvl="1" indent="-285750">
+              <a:buFont typeface="Arial" panose="020B0604020202020204" pitchFamily="34" charset="0"/>
+              <a:buChar char="•"/>
+            </a:pPr>
+            <a:r>
+              <a:rPr lang="en-US"/>
+              <a:t>Risklər və s.</a:t>
+            </a:r>
+          </a:p>
+        </p:txBody>
+      </p:sp>
+    </p:spTree>
+    <p:extLst>
+      <p:ext uri="{BB962C8B-B14F-4D97-AF65-F5344CB8AC3E}">
+        <p14:creationId xmlns:p14="http://schemas.microsoft.com/office/powerpoint/2010/main" val="3564080661"/>
       </p:ext>
     </p:extLst>
   </p:cSld>
@@ -16115,6 +18120,633 @@
     <p:extLst>
       <p:ext uri="{BB962C8B-B14F-4D97-AF65-F5344CB8AC3E}">
         <p14:creationId xmlns:p14="http://schemas.microsoft.com/office/powerpoint/2010/main" val="2336804867"/>
+      </p:ext>
+    </p:extLst>
+  </p:cSld>
+  <p:clrMapOvr>
+    <a:masterClrMapping/>
+  </p:clrMapOvr>
+</p:sld>
+</file>
+
+<file path=ppt/slides/slide40.xml><?xml version="1.0" encoding="utf-8"?>
+<p:sld xmlns:a="http://schemas.openxmlformats.org/drawingml/2006/main" xmlns:r="http://schemas.openxmlformats.org/officeDocument/2006/relationships" xmlns:p="http://schemas.openxmlformats.org/presentationml/2006/main">
+  <p:cSld>
+    <p:spTree>
+      <p:nvGrpSpPr>
+        <p:cNvPr id="1" name="">
+          <a:extLst>
+            <a:ext uri="{FF2B5EF4-FFF2-40B4-BE49-F238E27FC236}">
+              <a16:creationId xmlns:a16="http://schemas.microsoft.com/office/drawing/2014/main" id="{C0EF2A7A-1625-04B6-D139-E8367CC42D56}"/>
+            </a:ext>
+          </a:extLst>
+        </p:cNvPr>
+        <p:cNvGrpSpPr/>
+        <p:nvPr/>
+      </p:nvGrpSpPr>
+      <p:grpSpPr>
+        <a:xfrm>
+          <a:off x="0" y="0"/>
+          <a:ext cx="0" cy="0"/>
+          <a:chOff x="0" y="0"/>
+          <a:chExt cx="0" cy="0"/>
+        </a:xfrm>
+      </p:grpSpPr>
+      <p:sp>
+        <p:nvSpPr>
+          <p:cNvPr id="3" name="TextBox 2">
+            <a:extLst>
+              <a:ext uri="{FF2B5EF4-FFF2-40B4-BE49-F238E27FC236}">
+                <a16:creationId xmlns:a16="http://schemas.microsoft.com/office/drawing/2014/main" id="{4F2F40E4-0740-253C-DF6F-D50B0FC0A38E}"/>
+              </a:ext>
+            </a:extLst>
+          </p:cNvPr>
+          <p:cNvSpPr txBox="1"/>
+          <p:nvPr/>
+        </p:nvSpPr>
+        <p:spPr>
+          <a:xfrm>
+            <a:off x="107004" y="158874"/>
+            <a:ext cx="11984477" cy="338554"/>
+          </a:xfrm>
+          <a:prstGeom prst="rect">
+            <a:avLst/>
+          </a:prstGeom>
+          <a:noFill/>
+        </p:spPr>
+        <p:txBody>
+          <a:bodyPr wrap="square">
+            <a:spAutoFit/>
+          </a:bodyPr>
+          <a:lstStyle/>
+          <a:p>
+            <a:pPr algn="l"/>
+            <a:r>
+              <a:rPr lang="en-US" sz="1600"/>
+              <a:t>💡 Cədvəl formasında ümumi baxış:</a:t>
+            </a:r>
+            <a:endParaRPr lang="az-Latn-AZ" sz="1600" i="0">
+              <a:solidFill>
+                <a:srgbClr val="303141"/>
+              </a:solidFill>
+              <a:effectLst/>
+              <a:latin typeface="Udemy Sans"/>
+            </a:endParaRPr>
+          </a:p>
+        </p:txBody>
+      </p:sp>
+      <p:graphicFrame>
+        <p:nvGraphicFramePr>
+          <p:cNvPr id="2" name="Table 1">
+            <a:extLst>
+              <a:ext uri="{FF2B5EF4-FFF2-40B4-BE49-F238E27FC236}">
+                <a16:creationId xmlns:a16="http://schemas.microsoft.com/office/drawing/2014/main" id="{AF11502A-F553-E176-8712-5C4D324569E3}"/>
+              </a:ext>
+            </a:extLst>
+          </p:cNvPr>
+          <p:cNvGraphicFramePr>
+            <a:graphicFrameLocks noGrp="1"/>
+          </p:cNvGraphicFramePr>
+          <p:nvPr>
+            <p:extLst>
+              <p:ext uri="{D42A27DB-BD31-4B8C-83A1-F6EECF244321}">
+                <p14:modId xmlns:p14="http://schemas.microsoft.com/office/powerpoint/2010/main" val="2102586046"/>
+              </p:ext>
+            </p:extLst>
+          </p:nvPr>
+        </p:nvGraphicFramePr>
+        <p:xfrm>
+          <a:off x="193870" y="784981"/>
+          <a:ext cx="8128000" cy="3708400"/>
+        </p:xfrm>
+        <a:graphic>
+          <a:graphicData uri="http://schemas.openxmlformats.org/drawingml/2006/table">
+            <a:tbl>
+              <a:tblPr firstRow="1" bandRow="1">
+                <a:tableStyleId>{5C22544A-7EE6-4342-B048-85BDC9FD1C3A}</a:tableStyleId>
+              </a:tblPr>
+              <a:tblGrid>
+                <a:gridCol w="4064000">
+                  <a:extLst>
+                    <a:ext uri="{9D8B030D-6E8A-4147-A177-3AD203B41FA5}">
+                      <a16:colId xmlns:a16="http://schemas.microsoft.com/office/drawing/2014/main" val="2451176231"/>
+                    </a:ext>
+                  </a:extLst>
+                </a:gridCol>
+                <a:gridCol w="4064000">
+                  <a:extLst>
+                    <a:ext uri="{9D8B030D-6E8A-4147-A177-3AD203B41FA5}">
+                      <a16:colId xmlns:a16="http://schemas.microsoft.com/office/drawing/2014/main" val="2455422598"/>
+                    </a:ext>
+                  </a:extLst>
+                </a:gridCol>
+              </a:tblGrid>
+              <a:tr h="370840">
+                <a:tc>
+                  <a:txBody>
+                    <a:bodyPr/>
+                    <a:lstStyle/>
+                    <a:p>
+                      <a:r>
+                        <a:rPr lang="en-US"/>
+                        <a:t>Termin</a:t>
+                      </a:r>
+                    </a:p>
+                  </a:txBody>
+                  <a:tcPr/>
+                </a:tc>
+                <a:tc>
+                  <a:txBody>
+                    <a:bodyPr/>
+                    <a:lstStyle/>
+                    <a:p>
+                      <a:r>
+                        <a:rPr lang="en-US"/>
+                        <a:t>Kim tərtib edir?</a:t>
+                      </a:r>
+                    </a:p>
+                  </a:txBody>
+                  <a:tcPr anchor="ctr"/>
+                </a:tc>
+                <a:extLst>
+                  <a:ext uri="{0D108BD9-81ED-4DB2-BD59-A6C34878D82A}">
+                    <a16:rowId xmlns:a16="http://schemas.microsoft.com/office/drawing/2014/main" val="2890368164"/>
+                  </a:ext>
+                </a:extLst>
+              </a:tr>
+              <a:tr h="370840">
+                <a:tc>
+                  <a:txBody>
+                    <a:bodyPr/>
+                    <a:lstStyle/>
+                    <a:p>
+                      <a:r>
+                        <a:rPr lang="en-US"/>
+                        <a:t>User Scenario</a:t>
+                      </a:r>
+                    </a:p>
+                  </a:txBody>
+                  <a:tcPr anchor="ctr"/>
+                </a:tc>
+                <a:tc>
+                  <a:txBody>
+                    <a:bodyPr/>
+                    <a:lstStyle/>
+                    <a:p>
+                      <a:r>
+                        <a:rPr lang="en-US"/>
+                        <a:t>Business Analyst / Product Owner</a:t>
+                      </a:r>
+                    </a:p>
+                  </a:txBody>
+                  <a:tcPr anchor="ctr"/>
+                </a:tc>
+                <a:extLst>
+                  <a:ext uri="{0D108BD9-81ED-4DB2-BD59-A6C34878D82A}">
+                    <a16:rowId xmlns:a16="http://schemas.microsoft.com/office/drawing/2014/main" val="1834344131"/>
+                  </a:ext>
+                </a:extLst>
+              </a:tr>
+              <a:tr h="370840">
+                <a:tc>
+                  <a:txBody>
+                    <a:bodyPr/>
+                    <a:lstStyle/>
+                    <a:p>
+                      <a:r>
+                        <a:rPr lang="en-US"/>
+                        <a:t>Test Scenario</a:t>
+                      </a:r>
+                    </a:p>
+                  </a:txBody>
+                  <a:tcPr anchor="ctr"/>
+                </a:tc>
+                <a:tc>
+                  <a:txBody>
+                    <a:bodyPr/>
+                    <a:lstStyle/>
+                    <a:p>
+                      <a:r>
+                        <a:rPr lang="en-US"/>
+                        <a:t>QA mühəndisi</a:t>
+                      </a:r>
+                    </a:p>
+                  </a:txBody>
+                  <a:tcPr anchor="ctr"/>
+                </a:tc>
+                <a:extLst>
+                  <a:ext uri="{0D108BD9-81ED-4DB2-BD59-A6C34878D82A}">
+                    <a16:rowId xmlns:a16="http://schemas.microsoft.com/office/drawing/2014/main" val="2737399783"/>
+                  </a:ext>
+                </a:extLst>
+              </a:tr>
+              <a:tr h="370840">
+                <a:tc>
+                  <a:txBody>
+                    <a:bodyPr/>
+                    <a:lstStyle/>
+                    <a:p>
+                      <a:r>
+                        <a:rPr lang="en-US"/>
+                        <a:t>Test Suite</a:t>
+                      </a:r>
+                    </a:p>
+                  </a:txBody>
+                  <a:tcPr anchor="ctr"/>
+                </a:tc>
+                <a:tc>
+                  <a:txBody>
+                    <a:bodyPr/>
+                    <a:lstStyle/>
+                    <a:p>
+                      <a:r>
+                        <a:rPr lang="en-US"/>
+                        <a:t>QA mühəndisi / Test meneceri</a:t>
+                      </a:r>
+                    </a:p>
+                  </a:txBody>
+                  <a:tcPr anchor="ctr"/>
+                </a:tc>
+                <a:extLst>
+                  <a:ext uri="{0D108BD9-81ED-4DB2-BD59-A6C34878D82A}">
+                    <a16:rowId xmlns:a16="http://schemas.microsoft.com/office/drawing/2014/main" val="1266349983"/>
+                  </a:ext>
+                </a:extLst>
+              </a:tr>
+              <a:tr h="370840">
+                <a:tc>
+                  <a:txBody>
+                    <a:bodyPr/>
+                    <a:lstStyle/>
+                    <a:p>
+                      <a:r>
+                        <a:rPr lang="en-US"/>
+                        <a:t>Test Case</a:t>
+                      </a:r>
+                    </a:p>
+                  </a:txBody>
+                  <a:tcPr anchor="ctr"/>
+                </a:tc>
+                <a:tc>
+                  <a:txBody>
+                    <a:bodyPr/>
+                    <a:lstStyle/>
+                    <a:p>
+                      <a:r>
+                        <a:rPr lang="en-US"/>
+                        <a:t>QA mühəndisi</a:t>
+                      </a:r>
+                    </a:p>
+                  </a:txBody>
+                  <a:tcPr anchor="ctr"/>
+                </a:tc>
+                <a:extLst>
+                  <a:ext uri="{0D108BD9-81ED-4DB2-BD59-A6C34878D82A}">
+                    <a16:rowId xmlns:a16="http://schemas.microsoft.com/office/drawing/2014/main" val="1353732232"/>
+                  </a:ext>
+                </a:extLst>
+              </a:tr>
+              <a:tr h="370840">
+                <a:tc>
+                  <a:txBody>
+                    <a:bodyPr/>
+                    <a:lstStyle/>
+                    <a:p>
+                      <a:r>
+                        <a:rPr lang="en-US"/>
+                        <a:t>Check-list</a:t>
+                      </a:r>
+                    </a:p>
+                  </a:txBody>
+                  <a:tcPr anchor="ctr"/>
+                </a:tc>
+                <a:tc>
+                  <a:txBody>
+                    <a:bodyPr/>
+                    <a:lstStyle/>
+                    <a:p>
+                      <a:r>
+                        <a:rPr lang="en-US"/>
+                        <a:t>QA mühəndisi</a:t>
+                      </a:r>
+                    </a:p>
+                  </a:txBody>
+                  <a:tcPr anchor="ctr"/>
+                </a:tc>
+                <a:extLst>
+                  <a:ext uri="{0D108BD9-81ED-4DB2-BD59-A6C34878D82A}">
+                    <a16:rowId xmlns:a16="http://schemas.microsoft.com/office/drawing/2014/main" val="2341689963"/>
+                  </a:ext>
+                </a:extLst>
+              </a:tr>
+              <a:tr h="370840">
+                <a:tc>
+                  <a:txBody>
+                    <a:bodyPr/>
+                    <a:lstStyle/>
+                    <a:p>
+                      <a:r>
+                        <a:rPr lang="en-US"/>
+                        <a:t>Test Run Status</a:t>
+                      </a:r>
+                    </a:p>
+                  </a:txBody>
+                  <a:tcPr anchor="ctr"/>
+                </a:tc>
+                <a:tc>
+                  <a:txBody>
+                    <a:bodyPr/>
+                    <a:lstStyle/>
+                    <a:p>
+                      <a:r>
+                        <a:rPr lang="en-US"/>
+                        <a:t>QA mühəndisi</a:t>
+                      </a:r>
+                    </a:p>
+                  </a:txBody>
+                  <a:tcPr anchor="ctr"/>
+                </a:tc>
+                <a:extLst>
+                  <a:ext uri="{0D108BD9-81ED-4DB2-BD59-A6C34878D82A}">
+                    <a16:rowId xmlns:a16="http://schemas.microsoft.com/office/drawing/2014/main" val="369166285"/>
+                  </a:ext>
+                </a:extLst>
+              </a:tr>
+              <a:tr h="370840">
+                <a:tc>
+                  <a:txBody>
+                    <a:bodyPr/>
+                    <a:lstStyle/>
+                    <a:p>
+                      <a:r>
+                        <a:rPr lang="en-US"/>
+                        <a:t>Test Case Status</a:t>
+                      </a:r>
+                    </a:p>
+                  </a:txBody>
+                  <a:tcPr anchor="ctr"/>
+                </a:tc>
+                <a:tc>
+                  <a:txBody>
+                    <a:bodyPr/>
+                    <a:lstStyle/>
+                    <a:p>
+                      <a:r>
+                        <a:rPr lang="en-US"/>
+                        <a:t>QA mühəndisi</a:t>
+                      </a:r>
+                    </a:p>
+                  </a:txBody>
+                  <a:tcPr anchor="ctr"/>
+                </a:tc>
+                <a:extLst>
+                  <a:ext uri="{0D108BD9-81ED-4DB2-BD59-A6C34878D82A}">
+                    <a16:rowId xmlns:a16="http://schemas.microsoft.com/office/drawing/2014/main" val="1167879151"/>
+                  </a:ext>
+                </a:extLst>
+              </a:tr>
+              <a:tr h="370840">
+                <a:tc>
+                  <a:txBody>
+                    <a:bodyPr/>
+                    <a:lstStyle/>
+                    <a:p>
+                      <a:r>
+                        <a:rPr lang="en-US"/>
+                        <a:t>Cheat-sheet</a:t>
+                      </a:r>
+                    </a:p>
+                  </a:txBody>
+                  <a:tcPr anchor="ctr"/>
+                </a:tc>
+                <a:tc>
+                  <a:txBody>
+                    <a:bodyPr/>
+                    <a:lstStyle/>
+                    <a:p>
+                      <a:r>
+                        <a:rPr lang="en-US"/>
+                        <a:t>QA mühəndisi (öz təşəbbüsü ilə)</a:t>
+                      </a:r>
+                    </a:p>
+                  </a:txBody>
+                  <a:tcPr anchor="ctr"/>
+                </a:tc>
+                <a:extLst>
+                  <a:ext uri="{0D108BD9-81ED-4DB2-BD59-A6C34878D82A}">
+                    <a16:rowId xmlns:a16="http://schemas.microsoft.com/office/drawing/2014/main" val="1560887940"/>
+                  </a:ext>
+                </a:extLst>
+              </a:tr>
+              <a:tr h="370840">
+                <a:tc>
+                  <a:txBody>
+                    <a:bodyPr/>
+                    <a:lstStyle/>
+                    <a:p>
+                      <a:r>
+                        <a:rPr lang="en-US"/>
+                        <a:t>Test Plan</a:t>
+                      </a:r>
+                    </a:p>
+                  </a:txBody>
+                  <a:tcPr anchor="ctr"/>
+                </a:tc>
+                <a:tc>
+                  <a:txBody>
+                    <a:bodyPr/>
+                    <a:lstStyle/>
+                    <a:p>
+                      <a:r>
+                        <a:rPr lang="en-US"/>
+                        <a:t>Test meneceri / Senior QA</a:t>
+                      </a:r>
+                    </a:p>
+                  </a:txBody>
+                  <a:tcPr anchor="ctr"/>
+                </a:tc>
+                <a:extLst>
+                  <a:ext uri="{0D108BD9-81ED-4DB2-BD59-A6C34878D82A}">
+                    <a16:rowId xmlns:a16="http://schemas.microsoft.com/office/drawing/2014/main" val="1411726747"/>
+                  </a:ext>
+                </a:extLst>
+              </a:tr>
+            </a:tbl>
+          </a:graphicData>
+        </a:graphic>
+      </p:graphicFrame>
+    </p:spTree>
+    <p:extLst>
+      <p:ext uri="{BB962C8B-B14F-4D97-AF65-F5344CB8AC3E}">
+        <p14:creationId xmlns:p14="http://schemas.microsoft.com/office/powerpoint/2010/main" val="3965046802"/>
+      </p:ext>
+    </p:extLst>
+  </p:cSld>
+  <p:clrMapOvr>
+    <a:masterClrMapping/>
+  </p:clrMapOvr>
+</p:sld>
+</file>
+
+<file path=ppt/slides/slide41.xml><?xml version="1.0" encoding="utf-8"?>
+<p:sld xmlns:a="http://schemas.openxmlformats.org/drawingml/2006/main" xmlns:r="http://schemas.openxmlformats.org/officeDocument/2006/relationships" xmlns:p="http://schemas.openxmlformats.org/presentationml/2006/main">
+  <p:cSld>
+    <p:spTree>
+      <p:nvGrpSpPr>
+        <p:cNvPr id="1" name="">
+          <a:extLst>
+            <a:ext uri="{FF2B5EF4-FFF2-40B4-BE49-F238E27FC236}">
+              <a16:creationId xmlns:a16="http://schemas.microsoft.com/office/drawing/2014/main" id="{3E9498D4-0041-0786-E9E2-36B810E8913A}"/>
+            </a:ext>
+          </a:extLst>
+        </p:cNvPr>
+        <p:cNvGrpSpPr/>
+        <p:nvPr/>
+      </p:nvGrpSpPr>
+      <p:grpSpPr>
+        <a:xfrm>
+          <a:off x="0" y="0"/>
+          <a:ext cx="0" cy="0"/>
+          <a:chOff x="0" y="0"/>
+          <a:chExt cx="0" cy="0"/>
+        </a:xfrm>
+      </p:grpSpPr>
+      <p:sp>
+        <p:nvSpPr>
+          <p:cNvPr id="3" name="TextBox 2">
+            <a:extLst>
+              <a:ext uri="{FF2B5EF4-FFF2-40B4-BE49-F238E27FC236}">
+                <a16:creationId xmlns:a16="http://schemas.microsoft.com/office/drawing/2014/main" id="{9BA6B2FD-A14F-5608-B169-CCBA875D5823}"/>
+              </a:ext>
+            </a:extLst>
+          </p:cNvPr>
+          <p:cNvSpPr txBox="1"/>
+          <p:nvPr/>
+        </p:nvSpPr>
+        <p:spPr>
+          <a:xfrm>
+            <a:off x="107004" y="158874"/>
+            <a:ext cx="11984477" cy="338554"/>
+          </a:xfrm>
+          <a:prstGeom prst="rect">
+            <a:avLst/>
+          </a:prstGeom>
+          <a:noFill/>
+        </p:spPr>
+        <p:txBody>
+          <a:bodyPr wrap="square">
+            <a:spAutoFit/>
+          </a:bodyPr>
+          <a:lstStyle/>
+          <a:p>
+            <a:pPr algn="l"/>
+            <a:r>
+              <a:rPr lang="az-Latn-AZ" sz="1600">
+                <a:solidFill>
+                  <a:srgbClr val="303141"/>
+                </a:solidFill>
+                <a:latin typeface="Udemy Sans"/>
+              </a:rPr>
+              <a:t>.</a:t>
+            </a:r>
+            <a:endParaRPr lang="az-Latn-AZ" sz="1600" i="0">
+              <a:solidFill>
+                <a:srgbClr val="303141"/>
+              </a:solidFill>
+              <a:effectLst/>
+              <a:latin typeface="Udemy Sans"/>
+            </a:endParaRPr>
+          </a:p>
+        </p:txBody>
+      </p:sp>
+    </p:spTree>
+    <p:extLst>
+      <p:ext uri="{BB962C8B-B14F-4D97-AF65-F5344CB8AC3E}">
+        <p14:creationId xmlns:p14="http://schemas.microsoft.com/office/powerpoint/2010/main" val="1377313209"/>
+      </p:ext>
+    </p:extLst>
+  </p:cSld>
+  <p:clrMapOvr>
+    <a:masterClrMapping/>
+  </p:clrMapOvr>
+</p:sld>
+</file>
+
+<file path=ppt/slides/slide42.xml><?xml version="1.0" encoding="utf-8"?>
+<p:sld xmlns:a="http://schemas.openxmlformats.org/drawingml/2006/main" xmlns:r="http://schemas.openxmlformats.org/officeDocument/2006/relationships" xmlns:p="http://schemas.openxmlformats.org/presentationml/2006/main">
+  <p:cSld>
+    <p:spTree>
+      <p:nvGrpSpPr>
+        <p:cNvPr id="1" name="">
+          <a:extLst>
+            <a:ext uri="{FF2B5EF4-FFF2-40B4-BE49-F238E27FC236}">
+              <a16:creationId xmlns:a16="http://schemas.microsoft.com/office/drawing/2014/main" id="{20823459-3966-DFF8-B3EB-D1F170351E31}"/>
+            </a:ext>
+          </a:extLst>
+        </p:cNvPr>
+        <p:cNvGrpSpPr/>
+        <p:nvPr/>
+      </p:nvGrpSpPr>
+      <p:grpSpPr>
+        <a:xfrm>
+          <a:off x="0" y="0"/>
+          <a:ext cx="0" cy="0"/>
+          <a:chOff x="0" y="0"/>
+          <a:chExt cx="0" cy="0"/>
+        </a:xfrm>
+      </p:grpSpPr>
+      <p:sp>
+        <p:nvSpPr>
+          <p:cNvPr id="3" name="TextBox 2">
+            <a:extLst>
+              <a:ext uri="{FF2B5EF4-FFF2-40B4-BE49-F238E27FC236}">
+                <a16:creationId xmlns:a16="http://schemas.microsoft.com/office/drawing/2014/main" id="{78D62897-2FE7-748B-FEDC-A0CA3975D214}"/>
+              </a:ext>
+            </a:extLst>
+          </p:cNvPr>
+          <p:cNvSpPr txBox="1"/>
+          <p:nvPr/>
+        </p:nvSpPr>
+        <p:spPr>
+          <a:xfrm>
+            <a:off x="107004" y="158874"/>
+            <a:ext cx="11984477" cy="338554"/>
+          </a:xfrm>
+          <a:prstGeom prst="rect">
+            <a:avLst/>
+          </a:prstGeom>
+          <a:noFill/>
+        </p:spPr>
+        <p:txBody>
+          <a:bodyPr wrap="square">
+            <a:spAutoFit/>
+          </a:bodyPr>
+          <a:lstStyle/>
+          <a:p>
+            <a:pPr algn="l"/>
+            <a:r>
+              <a:rPr lang="az-Latn-AZ" sz="1600">
+                <a:solidFill>
+                  <a:srgbClr val="303141"/>
+                </a:solidFill>
+                <a:latin typeface="Udemy Sans"/>
+              </a:rPr>
+              <a:t>.</a:t>
+            </a:r>
+            <a:endParaRPr lang="az-Latn-AZ" sz="1600" i="0">
+              <a:solidFill>
+                <a:srgbClr val="303141"/>
+              </a:solidFill>
+              <a:effectLst/>
+              <a:latin typeface="Udemy Sans"/>
+            </a:endParaRPr>
+          </a:p>
+        </p:txBody>
+      </p:sp>
+    </p:spTree>
+    <p:extLst>
+      <p:ext uri="{BB962C8B-B14F-4D97-AF65-F5344CB8AC3E}">
+        <p14:creationId xmlns:p14="http://schemas.microsoft.com/office/powerpoint/2010/main" val="2604014724"/>
       </p:ext>
     </p:extLst>
   </p:cSld>
